--- a/Lab-s/Translator/Presentation.pptx
+++ b/Lab-s/Translator/Presentation.pptx
@@ -4,6 +4,9 @@
   <p:sldMasterIdLst>
     <p:sldMasterId id="2147483660" r:id="rId1"/>
   </p:sldMasterIdLst>
+  <p:notesMasterIdLst>
+    <p:notesMasterId r:id="rId27"/>
+  </p:notesMasterIdLst>
   <p:sldIdLst>
     <p:sldId id="256" r:id="rId2"/>
     <p:sldId id="258" r:id="rId3"/>
@@ -13,22 +16,23 @@
     <p:sldId id="273" r:id="rId7"/>
     <p:sldId id="274" r:id="rId8"/>
     <p:sldId id="275" r:id="rId9"/>
-    <p:sldId id="276" r:id="rId10"/>
-    <p:sldId id="261" r:id="rId11"/>
-    <p:sldId id="262" r:id="rId12"/>
-    <p:sldId id="263" r:id="rId13"/>
-    <p:sldId id="264" r:id="rId14"/>
-    <p:sldId id="265" r:id="rId15"/>
-    <p:sldId id="266" r:id="rId16"/>
-    <p:sldId id="267" r:id="rId17"/>
-    <p:sldId id="268" r:id="rId18"/>
-    <p:sldId id="278" r:id="rId19"/>
-    <p:sldId id="269" r:id="rId20"/>
-    <p:sldId id="270" r:id="rId21"/>
-    <p:sldId id="279" r:id="rId22"/>
-    <p:sldId id="277" r:id="rId23"/>
-    <p:sldId id="280" r:id="rId24"/>
-    <p:sldId id="271" r:id="rId25"/>
+    <p:sldId id="281" r:id="rId10"/>
+    <p:sldId id="282" r:id="rId11"/>
+    <p:sldId id="276" r:id="rId12"/>
+    <p:sldId id="261" r:id="rId13"/>
+    <p:sldId id="262" r:id="rId14"/>
+    <p:sldId id="263" r:id="rId15"/>
+    <p:sldId id="264" r:id="rId16"/>
+    <p:sldId id="265" r:id="rId17"/>
+    <p:sldId id="266" r:id="rId18"/>
+    <p:sldId id="267" r:id="rId19"/>
+    <p:sldId id="268" r:id="rId20"/>
+    <p:sldId id="278" r:id="rId21"/>
+    <p:sldId id="269" r:id="rId22"/>
+    <p:sldId id="270" r:id="rId23"/>
+    <p:sldId id="277" r:id="rId24"/>
+    <p:sldId id="280" r:id="rId25"/>
+    <p:sldId id="271" r:id="rId26"/>
   </p:sldIdLst>
   <p:sldSz cx="12192000" cy="6858000"/>
   <p:notesSz cx="6858000" cy="9144000"/>
@@ -133,6 +137,355 @@
     </p:ext>
   </p:extLst>
 </p:presentation>
+</file>
+
+<file path=ppt/notesMasters/notesMaster1.xml><?xml version="1.0" encoding="utf-8"?>
+<p:notesMaster xmlns:a="http://schemas.openxmlformats.org/drawingml/2006/main" xmlns:r="http://schemas.openxmlformats.org/officeDocument/2006/relationships" xmlns:p="http://schemas.openxmlformats.org/presentationml/2006/main">
+  <p:cSld>
+    <p:bg>
+      <p:bgRef idx="1001">
+        <a:schemeClr val="bg1"/>
+      </p:bgRef>
+    </p:bg>
+    <p:spTree>
+      <p:nvGrpSpPr>
+        <p:cNvPr id="1" name=""/>
+        <p:cNvGrpSpPr/>
+        <p:nvPr/>
+      </p:nvGrpSpPr>
+      <p:grpSpPr>
+        <a:xfrm>
+          <a:off x="0" y="0"/>
+          <a:ext cx="0" cy="0"/>
+          <a:chOff x="0" y="0"/>
+          <a:chExt cx="0" cy="0"/>
+        </a:xfrm>
+      </p:grpSpPr>
+      <p:sp>
+        <p:nvSpPr>
+          <p:cNvPr id="2" name="Верхний колонтитул 1"/>
+          <p:cNvSpPr>
+            <a:spLocks noGrp="1"/>
+          </p:cNvSpPr>
+          <p:nvPr>
+            <p:ph type="hdr" sz="quarter"/>
+          </p:nvPr>
+        </p:nvSpPr>
+        <p:spPr>
+          <a:xfrm>
+            <a:off x="0" y="0"/>
+            <a:ext cx="2971800" cy="458788"/>
+          </a:xfrm>
+          <a:prstGeom prst="rect">
+            <a:avLst/>
+          </a:prstGeom>
+        </p:spPr>
+        <p:txBody>
+          <a:bodyPr vert="horz" lIns="91440" tIns="45720" rIns="91440" bIns="45720" rtlCol="0"/>
+          <a:lstStyle>
+            <a:lvl1pPr algn="l">
+              <a:defRPr sz="1200"/>
+            </a:lvl1pPr>
+          </a:lstStyle>
+          <a:p>
+            <a:endParaRPr lang="ru-RU"/>
+          </a:p>
+        </p:txBody>
+      </p:sp>
+      <p:sp>
+        <p:nvSpPr>
+          <p:cNvPr id="3" name="Дата 2"/>
+          <p:cNvSpPr>
+            <a:spLocks noGrp="1"/>
+          </p:cNvSpPr>
+          <p:nvPr>
+            <p:ph type="dt" idx="1"/>
+          </p:nvPr>
+        </p:nvSpPr>
+        <p:spPr>
+          <a:xfrm>
+            <a:off x="3884613" y="0"/>
+            <a:ext cx="2971800" cy="458788"/>
+          </a:xfrm>
+          <a:prstGeom prst="rect">
+            <a:avLst/>
+          </a:prstGeom>
+        </p:spPr>
+        <p:txBody>
+          <a:bodyPr vert="horz" lIns="91440" tIns="45720" rIns="91440" bIns="45720" rtlCol="0"/>
+          <a:lstStyle>
+            <a:lvl1pPr algn="r">
+              <a:defRPr sz="1200"/>
+            </a:lvl1pPr>
+          </a:lstStyle>
+          <a:p>
+            <a:fld id="{61B98E9C-44E4-49A8-B30A-7E4853FF701B}" type="datetimeFigureOut">
+              <a:rPr lang="ru-RU" smtClean="0"/>
+              <a:t>21.01.2024</a:t>
+            </a:fld>
+            <a:endParaRPr lang="ru-RU"/>
+          </a:p>
+        </p:txBody>
+      </p:sp>
+      <p:sp>
+        <p:nvSpPr>
+          <p:cNvPr id="4" name="Образ слайда 3"/>
+          <p:cNvSpPr>
+            <a:spLocks noGrp="1" noRot="1" noChangeAspect="1"/>
+          </p:cNvSpPr>
+          <p:nvPr>
+            <p:ph type="sldImg" idx="2"/>
+          </p:nvPr>
+        </p:nvSpPr>
+        <p:spPr>
+          <a:xfrm>
+            <a:off x="685800" y="1143000"/>
+            <a:ext cx="5486400" cy="3086100"/>
+          </a:xfrm>
+          <a:prstGeom prst="rect">
+            <a:avLst/>
+          </a:prstGeom>
+          <a:noFill/>
+          <a:ln w="12700">
+            <a:solidFill>
+              <a:prstClr val="black"/>
+            </a:solidFill>
+          </a:ln>
+        </p:spPr>
+        <p:txBody>
+          <a:bodyPr vert="horz" lIns="91440" tIns="45720" rIns="91440" bIns="45720" rtlCol="0" anchor="ctr"/>
+          <a:lstStyle/>
+          <a:p>
+            <a:endParaRPr lang="ru-RU"/>
+          </a:p>
+        </p:txBody>
+      </p:sp>
+      <p:sp>
+        <p:nvSpPr>
+          <p:cNvPr id="5" name="Заметки 4"/>
+          <p:cNvSpPr>
+            <a:spLocks noGrp="1"/>
+          </p:cNvSpPr>
+          <p:nvPr>
+            <p:ph type="body" sz="quarter" idx="3"/>
+          </p:nvPr>
+        </p:nvSpPr>
+        <p:spPr>
+          <a:xfrm>
+            <a:off x="685800" y="4400550"/>
+            <a:ext cx="5486400" cy="3600450"/>
+          </a:xfrm>
+          <a:prstGeom prst="rect">
+            <a:avLst/>
+          </a:prstGeom>
+        </p:spPr>
+        <p:txBody>
+          <a:bodyPr vert="horz" lIns="91440" tIns="45720" rIns="91440" bIns="45720" rtlCol="0"/>
+          <a:lstStyle/>
+          <a:p>
+            <a:pPr lvl="0"/>
+            <a:r>
+              <a:rPr lang="ru-RU"/>
+              <a:t>Образец текста</a:t>
+            </a:r>
+          </a:p>
+          <a:p>
+            <a:pPr lvl="1"/>
+            <a:r>
+              <a:rPr lang="ru-RU"/>
+              <a:t>Второй уровень</a:t>
+            </a:r>
+          </a:p>
+          <a:p>
+            <a:pPr lvl="2"/>
+            <a:r>
+              <a:rPr lang="ru-RU"/>
+              <a:t>Третий уровень</a:t>
+            </a:r>
+          </a:p>
+          <a:p>
+            <a:pPr lvl="3"/>
+            <a:r>
+              <a:rPr lang="ru-RU"/>
+              <a:t>Четвертый уровень</a:t>
+            </a:r>
+          </a:p>
+          <a:p>
+            <a:pPr lvl="4"/>
+            <a:r>
+              <a:rPr lang="ru-RU"/>
+              <a:t>Пятый уровень</a:t>
+            </a:r>
+          </a:p>
+        </p:txBody>
+      </p:sp>
+      <p:sp>
+        <p:nvSpPr>
+          <p:cNvPr id="6" name="Нижний колонтитул 5"/>
+          <p:cNvSpPr>
+            <a:spLocks noGrp="1"/>
+          </p:cNvSpPr>
+          <p:nvPr>
+            <p:ph type="ftr" sz="quarter" idx="4"/>
+          </p:nvPr>
+        </p:nvSpPr>
+        <p:spPr>
+          <a:xfrm>
+            <a:off x="0" y="8685213"/>
+            <a:ext cx="2971800" cy="458787"/>
+          </a:xfrm>
+          <a:prstGeom prst="rect">
+            <a:avLst/>
+          </a:prstGeom>
+        </p:spPr>
+        <p:txBody>
+          <a:bodyPr vert="horz" lIns="91440" tIns="45720" rIns="91440" bIns="45720" rtlCol="0" anchor="b"/>
+          <a:lstStyle>
+            <a:lvl1pPr algn="l">
+              <a:defRPr sz="1200"/>
+            </a:lvl1pPr>
+          </a:lstStyle>
+          <a:p>
+            <a:endParaRPr lang="ru-RU"/>
+          </a:p>
+        </p:txBody>
+      </p:sp>
+      <p:sp>
+        <p:nvSpPr>
+          <p:cNvPr id="7" name="Номер слайда 6"/>
+          <p:cNvSpPr>
+            <a:spLocks noGrp="1"/>
+          </p:cNvSpPr>
+          <p:nvPr>
+            <p:ph type="sldNum" sz="quarter" idx="5"/>
+          </p:nvPr>
+        </p:nvSpPr>
+        <p:spPr>
+          <a:xfrm>
+            <a:off x="3884613" y="8685213"/>
+            <a:ext cx="2971800" cy="458787"/>
+          </a:xfrm>
+          <a:prstGeom prst="rect">
+            <a:avLst/>
+          </a:prstGeom>
+        </p:spPr>
+        <p:txBody>
+          <a:bodyPr vert="horz" lIns="91440" tIns="45720" rIns="91440" bIns="45720" rtlCol="0" anchor="b"/>
+          <a:lstStyle>
+            <a:lvl1pPr algn="r">
+              <a:defRPr sz="1200"/>
+            </a:lvl1pPr>
+          </a:lstStyle>
+          <a:p>
+            <a:fld id="{82D26680-3513-4D3D-A68A-E7C7B204BB05}" type="slidenum">
+              <a:rPr lang="ru-RU" smtClean="0"/>
+              <a:t>‹#›</a:t>
+            </a:fld>
+            <a:endParaRPr lang="ru-RU"/>
+          </a:p>
+        </p:txBody>
+      </p:sp>
+    </p:spTree>
+    <p:extLst>
+      <p:ext uri="{BB962C8B-B14F-4D97-AF65-F5344CB8AC3E}">
+        <p14:creationId xmlns:p14="http://schemas.microsoft.com/office/powerpoint/2010/main" val="669573664"/>
+      </p:ext>
+    </p:extLst>
+  </p:cSld>
+  <p:clrMap bg1="lt1" tx1="dk1" bg2="lt2" tx2="dk2" accent1="accent1" accent2="accent2" accent3="accent3" accent4="accent4" accent5="accent5" accent6="accent6" hlink="hlink" folHlink="folHlink"/>
+  <p:notesStyle>
+    <a:lvl1pPr marL="0" algn="l" defTabSz="914400" rtl="0" eaLnBrk="1" latinLnBrk="0" hangingPunct="1">
+      <a:defRPr sz="1200" kern="1200">
+        <a:solidFill>
+          <a:schemeClr val="tx1"/>
+        </a:solidFill>
+        <a:latin typeface="+mn-lt"/>
+        <a:ea typeface="+mn-ea"/>
+        <a:cs typeface="+mn-cs"/>
+      </a:defRPr>
+    </a:lvl1pPr>
+    <a:lvl2pPr marL="457200" algn="l" defTabSz="914400" rtl="0" eaLnBrk="1" latinLnBrk="0" hangingPunct="1">
+      <a:defRPr sz="1200" kern="1200">
+        <a:solidFill>
+          <a:schemeClr val="tx1"/>
+        </a:solidFill>
+        <a:latin typeface="+mn-lt"/>
+        <a:ea typeface="+mn-ea"/>
+        <a:cs typeface="+mn-cs"/>
+      </a:defRPr>
+    </a:lvl2pPr>
+    <a:lvl3pPr marL="914400" algn="l" defTabSz="914400" rtl="0" eaLnBrk="1" latinLnBrk="0" hangingPunct="1">
+      <a:defRPr sz="1200" kern="1200">
+        <a:solidFill>
+          <a:schemeClr val="tx1"/>
+        </a:solidFill>
+        <a:latin typeface="+mn-lt"/>
+        <a:ea typeface="+mn-ea"/>
+        <a:cs typeface="+mn-cs"/>
+      </a:defRPr>
+    </a:lvl3pPr>
+    <a:lvl4pPr marL="1371600" algn="l" defTabSz="914400" rtl="0" eaLnBrk="1" latinLnBrk="0" hangingPunct="1">
+      <a:defRPr sz="1200" kern="1200">
+        <a:solidFill>
+          <a:schemeClr val="tx1"/>
+        </a:solidFill>
+        <a:latin typeface="+mn-lt"/>
+        <a:ea typeface="+mn-ea"/>
+        <a:cs typeface="+mn-cs"/>
+      </a:defRPr>
+    </a:lvl4pPr>
+    <a:lvl5pPr marL="1828800" algn="l" defTabSz="914400" rtl="0" eaLnBrk="1" latinLnBrk="0" hangingPunct="1">
+      <a:defRPr sz="1200" kern="1200">
+        <a:solidFill>
+          <a:schemeClr val="tx1"/>
+        </a:solidFill>
+        <a:latin typeface="+mn-lt"/>
+        <a:ea typeface="+mn-ea"/>
+        <a:cs typeface="+mn-cs"/>
+      </a:defRPr>
+    </a:lvl5pPr>
+    <a:lvl6pPr marL="2286000" algn="l" defTabSz="914400" rtl="0" eaLnBrk="1" latinLnBrk="0" hangingPunct="1">
+      <a:defRPr sz="1200" kern="1200">
+        <a:solidFill>
+          <a:schemeClr val="tx1"/>
+        </a:solidFill>
+        <a:latin typeface="+mn-lt"/>
+        <a:ea typeface="+mn-ea"/>
+        <a:cs typeface="+mn-cs"/>
+      </a:defRPr>
+    </a:lvl6pPr>
+    <a:lvl7pPr marL="2743200" algn="l" defTabSz="914400" rtl="0" eaLnBrk="1" latinLnBrk="0" hangingPunct="1">
+      <a:defRPr sz="1200" kern="1200">
+        <a:solidFill>
+          <a:schemeClr val="tx1"/>
+        </a:solidFill>
+        <a:latin typeface="+mn-lt"/>
+        <a:ea typeface="+mn-ea"/>
+        <a:cs typeface="+mn-cs"/>
+      </a:defRPr>
+    </a:lvl7pPr>
+    <a:lvl8pPr marL="3200400" algn="l" defTabSz="914400" rtl="0" eaLnBrk="1" latinLnBrk="0" hangingPunct="1">
+      <a:defRPr sz="1200" kern="1200">
+        <a:solidFill>
+          <a:schemeClr val="tx1"/>
+        </a:solidFill>
+        <a:latin typeface="+mn-lt"/>
+        <a:ea typeface="+mn-ea"/>
+        <a:cs typeface="+mn-cs"/>
+      </a:defRPr>
+    </a:lvl8pPr>
+    <a:lvl9pPr marL="3657600" algn="l" defTabSz="914400" rtl="0" eaLnBrk="1" latinLnBrk="0" hangingPunct="1">
+      <a:defRPr sz="1200" kern="1200">
+        <a:solidFill>
+          <a:schemeClr val="tx1"/>
+        </a:solidFill>
+        <a:latin typeface="+mn-lt"/>
+        <a:ea typeface="+mn-ea"/>
+        <a:cs typeface="+mn-cs"/>
+      </a:defRPr>
+    </a:lvl9pPr>
+  </p:notesStyle>
+</p:notesMaster>
 </file>
 
 <file path=ppt/slideLayouts/slideLayout1.xml><?xml version="1.0" encoding="utf-8"?>
@@ -4252,7 +4605,7 @@
           <a:p>
             <a:r>
               <a:rPr lang="ru-RU" dirty="0"/>
-              <a:t>Транслятор</a:t>
+              <a:t>Проект Транслятор</a:t>
             </a:r>
           </a:p>
         </p:txBody>
@@ -4280,23 +4633,25 @@
           </a:xfrm>
         </p:spPr>
         <p:txBody>
-          <a:bodyPr/>
-          <a:lstStyle/>
-          <a:p>
-            <a:r>
-              <a:rPr lang="ru-RU" dirty="0"/>
+          <a:bodyPr>
+            <a:normAutofit/>
+          </a:bodyPr>
+          <a:lstStyle/>
+          <a:p>
+            <a:r>
+              <a:rPr lang="ru-RU" sz="2000" dirty="0"/>
               <a:t>С блок-схемы на </a:t>
             </a:r>
             <a:r>
-              <a:rPr lang="en-US" dirty="0"/>
+              <a:rPr lang="en-US" sz="2000" dirty="0"/>
               <a:t>python</a:t>
             </a:r>
             <a:r>
-              <a:rPr lang="ru-RU" dirty="0"/>
+              <a:rPr lang="ru-RU" sz="2000" dirty="0"/>
               <a:t> </a:t>
             </a:r>
             <a:r>
-              <a:rPr lang="en-US" dirty="0"/>
+              <a:rPr lang="en-US" sz="2000" dirty="0"/>
               <a:t>3</a:t>
             </a:r>
           </a:p>
@@ -4375,7 +4730,7 @@
             <a:pPr algn="r"/>
             <a:r>
               <a:rPr lang="ru-RU" sz="1200" dirty="0"/>
-              <a:t>Артём</a:t>
+              <a:t>Артём С. О.</a:t>
             </a:r>
           </a:p>
         </p:txBody>
@@ -4412,10 +4767,10 @@
       </p:grpSpPr>
       <p:sp>
         <p:nvSpPr>
-          <p:cNvPr id="4" name="Заголовок 3">
+          <p:cNvPr id="2" name="Заголовок 1">
             <a:extLst>
               <a:ext uri="{FF2B5EF4-FFF2-40B4-BE49-F238E27FC236}">
-                <a16:creationId xmlns:a16="http://schemas.microsoft.com/office/drawing/2014/main" id="{6DF9A571-F9CB-410F-9877-CB0700881B7A}"/>
+                <a16:creationId xmlns:a16="http://schemas.microsoft.com/office/drawing/2014/main" id="{91650D18-DD73-4CA8-BD7B-445AF961EE80}"/>
               </a:ext>
             </a:extLst>
           </p:cNvPr>
@@ -4433,40 +4788,145 @@
           <a:p>
             <a:r>
               <a:rPr lang="ru-RU" dirty="0"/>
-              <a:t>Синтактический анализатор</a:t>
-            </a:r>
-          </a:p>
-        </p:txBody>
-      </p:sp>
-      <p:sp>
-        <p:nvSpPr>
-          <p:cNvPr id="5" name="Текст 4">
+              <a:t>Примеры блок-схем</a:t>
+            </a:r>
+          </a:p>
+        </p:txBody>
+      </p:sp>
+      <p:pic>
+        <p:nvPicPr>
+          <p:cNvPr id="7" name="Объект 6">
             <a:extLst>
               <a:ext uri="{FF2B5EF4-FFF2-40B4-BE49-F238E27FC236}">
-                <a16:creationId xmlns:a16="http://schemas.microsoft.com/office/drawing/2014/main" id="{6AC571B2-D883-475C-AC67-E73E6559E594}"/>
+                <a16:creationId xmlns:a16="http://schemas.microsoft.com/office/drawing/2014/main" id="{1A9D45BE-8E9F-4C18-AC01-5CB19996DDC3}"/>
               </a:ext>
             </a:extLst>
           </p:cNvPr>
-          <p:cNvSpPr>
-            <a:spLocks noGrp="1"/>
-          </p:cNvSpPr>
-          <p:nvPr>
-            <p:ph type="body" idx="1"/>
-          </p:nvPr>
-        </p:nvSpPr>
-        <p:spPr/>
-        <p:txBody>
-          <a:bodyPr/>
-          <a:lstStyle/>
-          <a:p>
-            <a:endParaRPr lang="ru-RU"/>
+          <p:cNvPicPr>
+            <a:picLocks noGrp="1" noChangeAspect="1"/>
+          </p:cNvPicPr>
+          <p:nvPr>
+            <p:ph sz="half" idx="1"/>
+          </p:nvPr>
+        </p:nvPicPr>
+        <p:blipFill>
+          <a:blip r:embed="rId2"/>
+          <a:stretch>
+            <a:fillRect/>
+          </a:stretch>
+        </p:blipFill>
+        <p:spPr>
+          <a:xfrm>
+            <a:off x="1066800" y="3148689"/>
+            <a:ext cx="4754563" cy="1657584"/>
+          </a:xfrm>
+        </p:spPr>
+      </p:pic>
+      <p:pic>
+        <p:nvPicPr>
+          <p:cNvPr id="9" name="Объект 8">
+            <a:extLst>
+              <a:ext uri="{FF2B5EF4-FFF2-40B4-BE49-F238E27FC236}">
+                <a16:creationId xmlns:a16="http://schemas.microsoft.com/office/drawing/2014/main" id="{F75F3324-C780-4FF2-BE3C-D0B2AEC04E4A}"/>
+              </a:ext>
+            </a:extLst>
+          </p:cNvPr>
+          <p:cNvPicPr>
+            <a:picLocks noGrp="1" noChangeAspect="1"/>
+          </p:cNvPicPr>
+          <p:nvPr>
+            <p:ph sz="half" idx="2"/>
+          </p:nvPr>
+        </p:nvPicPr>
+        <p:blipFill>
+          <a:blip r:embed="rId3"/>
+          <a:stretch>
+            <a:fillRect/>
+          </a:stretch>
+        </p:blipFill>
+        <p:spPr>
+          <a:xfrm>
+            <a:off x="6370638" y="3387190"/>
+            <a:ext cx="4754562" cy="1180582"/>
+          </a:xfrm>
+        </p:spPr>
+      </p:pic>
+      <p:sp>
+        <p:nvSpPr>
+          <p:cNvPr id="10" name="TextBox 9">
+            <a:extLst>
+              <a:ext uri="{FF2B5EF4-FFF2-40B4-BE49-F238E27FC236}">
+                <a16:creationId xmlns:a16="http://schemas.microsoft.com/office/drawing/2014/main" id="{D3289032-B9D1-4309-AF14-4C39D03A6372}"/>
+              </a:ext>
+            </a:extLst>
+          </p:cNvPr>
+          <p:cNvSpPr txBox="1"/>
+          <p:nvPr/>
+        </p:nvSpPr>
+        <p:spPr>
+          <a:xfrm>
+            <a:off x="2324228" y="4806273"/>
+            <a:ext cx="2239716" cy="276999"/>
+          </a:xfrm>
+          <a:prstGeom prst="rect">
+            <a:avLst/>
+          </a:prstGeom>
+          <a:noFill/>
+        </p:spPr>
+        <p:txBody>
+          <a:bodyPr wrap="none" rtlCol="0">
+            <a:spAutoFit/>
+          </a:bodyPr>
+          <a:lstStyle/>
+          <a:p>
+            <a:pPr algn="ctr"/>
+            <a:r>
+              <a:rPr lang="ru-RU" sz="1200" dirty="0"/>
+              <a:t>Пример 1. «Да-да нет-нет»</a:t>
+            </a:r>
+          </a:p>
+        </p:txBody>
+      </p:sp>
+      <p:sp>
+        <p:nvSpPr>
+          <p:cNvPr id="11" name="TextBox 10">
+            <a:extLst>
+              <a:ext uri="{FF2B5EF4-FFF2-40B4-BE49-F238E27FC236}">
+                <a16:creationId xmlns:a16="http://schemas.microsoft.com/office/drawing/2014/main" id="{1E7358CB-DA73-417D-9BE9-423B8FD98B8C}"/>
+              </a:ext>
+            </a:extLst>
+          </p:cNvPr>
+          <p:cNvSpPr txBox="1"/>
+          <p:nvPr/>
+        </p:nvSpPr>
+        <p:spPr>
+          <a:xfrm>
+            <a:off x="7394027" y="4567772"/>
+            <a:ext cx="2707794" cy="276999"/>
+          </a:xfrm>
+          <a:prstGeom prst="rect">
+            <a:avLst/>
+          </a:prstGeom>
+          <a:noFill/>
+        </p:spPr>
+        <p:txBody>
+          <a:bodyPr wrap="none" rtlCol="0">
+            <a:spAutoFit/>
+          </a:bodyPr>
+          <a:lstStyle/>
+          <a:p>
+            <a:pPr algn="ctr"/>
+            <a:r>
+              <a:rPr lang="ru-RU" sz="1200" dirty="0"/>
+              <a:t>Пример 2. «Алгоритм милашке»</a:t>
+            </a:r>
           </a:p>
         </p:txBody>
       </p:sp>
     </p:spTree>
     <p:extLst>
       <p:ext uri="{BB962C8B-B14F-4D97-AF65-F5344CB8AC3E}">
-        <p14:creationId xmlns:p14="http://schemas.microsoft.com/office/powerpoint/2010/main" val="2284071136"/>
+        <p14:creationId xmlns:p14="http://schemas.microsoft.com/office/powerpoint/2010/main" val="1526493206"/>
       </p:ext>
     </p:extLst>
   </p:cSld>
@@ -4498,6 +4958,172 @@
           <p:cNvPr id="4" name="Заголовок 3">
             <a:extLst>
               <a:ext uri="{FF2B5EF4-FFF2-40B4-BE49-F238E27FC236}">
+                <a16:creationId xmlns:a16="http://schemas.microsoft.com/office/drawing/2014/main" id="{AF072F7A-3279-493C-B66A-26385797ADED}"/>
+              </a:ext>
+            </a:extLst>
+          </p:cNvPr>
+          <p:cNvSpPr>
+            <a:spLocks noGrp="1"/>
+          </p:cNvSpPr>
+          <p:nvPr>
+            <p:ph type="title"/>
+          </p:nvPr>
+        </p:nvSpPr>
+        <p:spPr/>
+        <p:txBody>
+          <a:bodyPr/>
+          <a:lstStyle/>
+          <a:p>
+            <a:r>
+              <a:rPr lang="ru-RU" dirty="0"/>
+              <a:t>Лексический анализатор</a:t>
+            </a:r>
+          </a:p>
+        </p:txBody>
+      </p:sp>
+      <p:sp>
+        <p:nvSpPr>
+          <p:cNvPr id="5" name="Текст 4">
+            <a:extLst>
+              <a:ext uri="{FF2B5EF4-FFF2-40B4-BE49-F238E27FC236}">
+                <a16:creationId xmlns:a16="http://schemas.microsoft.com/office/drawing/2014/main" id="{B278DDF8-8FB4-47F9-8124-50236253961C}"/>
+              </a:ext>
+            </a:extLst>
+          </p:cNvPr>
+          <p:cNvSpPr>
+            <a:spLocks noGrp="1"/>
+          </p:cNvSpPr>
+          <p:nvPr>
+            <p:ph type="body" idx="1"/>
+          </p:nvPr>
+        </p:nvSpPr>
+        <p:spPr/>
+        <p:txBody>
+          <a:bodyPr/>
+          <a:lstStyle/>
+          <a:p>
+            <a:endParaRPr lang="ru-RU"/>
+          </a:p>
+        </p:txBody>
+      </p:sp>
+    </p:spTree>
+    <p:extLst>
+      <p:ext uri="{BB962C8B-B14F-4D97-AF65-F5344CB8AC3E}">
+        <p14:creationId xmlns:p14="http://schemas.microsoft.com/office/powerpoint/2010/main" val="2644764702"/>
+      </p:ext>
+    </p:extLst>
+  </p:cSld>
+  <p:clrMapOvr>
+    <a:masterClrMapping/>
+  </p:clrMapOvr>
+</p:sld>
+</file>
+
+<file path=ppt/slides/slide12.xml><?xml version="1.0" encoding="utf-8"?>
+<p:sld xmlns:a="http://schemas.openxmlformats.org/drawingml/2006/main" xmlns:r="http://schemas.openxmlformats.org/officeDocument/2006/relationships" xmlns:p="http://schemas.openxmlformats.org/presentationml/2006/main">
+  <p:cSld>
+    <p:spTree>
+      <p:nvGrpSpPr>
+        <p:cNvPr id="1" name=""/>
+        <p:cNvGrpSpPr/>
+        <p:nvPr/>
+      </p:nvGrpSpPr>
+      <p:grpSpPr>
+        <a:xfrm>
+          <a:off x="0" y="0"/>
+          <a:ext cx="0" cy="0"/>
+          <a:chOff x="0" y="0"/>
+          <a:chExt cx="0" cy="0"/>
+        </a:xfrm>
+      </p:grpSpPr>
+      <p:sp>
+        <p:nvSpPr>
+          <p:cNvPr id="4" name="Заголовок 3">
+            <a:extLst>
+              <a:ext uri="{FF2B5EF4-FFF2-40B4-BE49-F238E27FC236}">
+                <a16:creationId xmlns:a16="http://schemas.microsoft.com/office/drawing/2014/main" id="{6DF9A571-F9CB-410F-9877-CB0700881B7A}"/>
+              </a:ext>
+            </a:extLst>
+          </p:cNvPr>
+          <p:cNvSpPr>
+            <a:spLocks noGrp="1"/>
+          </p:cNvSpPr>
+          <p:nvPr>
+            <p:ph type="title"/>
+          </p:nvPr>
+        </p:nvSpPr>
+        <p:spPr/>
+        <p:txBody>
+          <a:bodyPr/>
+          <a:lstStyle/>
+          <a:p>
+            <a:r>
+              <a:rPr lang="ru-RU" dirty="0"/>
+              <a:t>Синтактический анализатор</a:t>
+            </a:r>
+          </a:p>
+        </p:txBody>
+      </p:sp>
+      <p:sp>
+        <p:nvSpPr>
+          <p:cNvPr id="5" name="Текст 4">
+            <a:extLst>
+              <a:ext uri="{FF2B5EF4-FFF2-40B4-BE49-F238E27FC236}">
+                <a16:creationId xmlns:a16="http://schemas.microsoft.com/office/drawing/2014/main" id="{6AC571B2-D883-475C-AC67-E73E6559E594}"/>
+              </a:ext>
+            </a:extLst>
+          </p:cNvPr>
+          <p:cNvSpPr>
+            <a:spLocks noGrp="1"/>
+          </p:cNvSpPr>
+          <p:nvPr>
+            <p:ph type="body" idx="1"/>
+          </p:nvPr>
+        </p:nvSpPr>
+        <p:spPr/>
+        <p:txBody>
+          <a:bodyPr/>
+          <a:lstStyle/>
+          <a:p>
+            <a:endParaRPr lang="ru-RU"/>
+          </a:p>
+        </p:txBody>
+      </p:sp>
+    </p:spTree>
+    <p:extLst>
+      <p:ext uri="{BB962C8B-B14F-4D97-AF65-F5344CB8AC3E}">
+        <p14:creationId xmlns:p14="http://schemas.microsoft.com/office/powerpoint/2010/main" val="2284071136"/>
+      </p:ext>
+    </p:extLst>
+  </p:cSld>
+  <p:clrMapOvr>
+    <a:masterClrMapping/>
+  </p:clrMapOvr>
+</p:sld>
+</file>
+
+<file path=ppt/slides/slide13.xml><?xml version="1.0" encoding="utf-8"?>
+<p:sld xmlns:a="http://schemas.openxmlformats.org/drawingml/2006/main" xmlns:r="http://schemas.openxmlformats.org/officeDocument/2006/relationships" xmlns:p="http://schemas.openxmlformats.org/presentationml/2006/main">
+  <p:cSld>
+    <p:spTree>
+      <p:nvGrpSpPr>
+        <p:cNvPr id="1" name=""/>
+        <p:cNvGrpSpPr/>
+        <p:nvPr/>
+      </p:nvGrpSpPr>
+      <p:grpSpPr>
+        <a:xfrm>
+          <a:off x="0" y="0"/>
+          <a:ext cx="0" cy="0"/>
+          <a:chOff x="0" y="0"/>
+          <a:chExt cx="0" cy="0"/>
+        </a:xfrm>
+      </p:grpSpPr>
+      <p:sp>
+        <p:nvSpPr>
+          <p:cNvPr id="4" name="Заголовок 3">
+            <a:extLst>
+              <a:ext uri="{FF2B5EF4-FFF2-40B4-BE49-F238E27FC236}">
                 <a16:creationId xmlns:a16="http://schemas.microsoft.com/office/drawing/2014/main" id="{123E0E61-6D06-4D5C-8A4C-CB2E115959D1}"/>
               </a:ext>
             </a:extLst>
@@ -4663,7 +5289,7 @@
 </p:sld>
 </file>
 
-<file path=ppt/slides/slide12.xml><?xml version="1.0" encoding="utf-8"?>
+<file path=ppt/slides/slide14.xml><?xml version="1.0" encoding="utf-8"?>
 <p:sld xmlns:a="http://schemas.openxmlformats.org/drawingml/2006/main" xmlns:r="http://schemas.openxmlformats.org/officeDocument/2006/relationships" xmlns:p="http://schemas.openxmlformats.org/presentationml/2006/main">
   <p:cSld>
     <p:spTree>
@@ -4811,7 +5437,7 @@
 </p:sld>
 </file>
 
-<file path=ppt/slides/slide13.xml><?xml version="1.0" encoding="utf-8"?>
+<file path=ppt/slides/slide15.xml><?xml version="1.0" encoding="utf-8"?>
 <p:sld xmlns:a="http://schemas.openxmlformats.org/drawingml/2006/main" xmlns:r="http://schemas.openxmlformats.org/officeDocument/2006/relationships" xmlns:p="http://schemas.openxmlformats.org/presentationml/2006/main">
   <p:cSld>
     <p:spTree>
@@ -4961,7 +5587,7 @@
 </p:sld>
 </file>
 
-<file path=ppt/slides/slide14.xml><?xml version="1.0" encoding="utf-8"?>
+<file path=ppt/slides/slide16.xml><?xml version="1.0" encoding="utf-8"?>
 <p:sld xmlns:a="http://schemas.openxmlformats.org/drawingml/2006/main" xmlns:r="http://schemas.openxmlformats.org/officeDocument/2006/relationships" xmlns:p="http://schemas.openxmlformats.org/presentationml/2006/main">
   <p:cSld>
     <p:spTree>
@@ -5022,12 +5648,7 @@
             <p:ph idx="1"/>
           </p:nvPr>
         </p:nvSpPr>
-        <p:spPr>
-          <a:xfrm>
-            <a:off x="1066800" y="2103120"/>
-            <a:ext cx="6221505" cy="1715845"/>
-          </a:xfrm>
-        </p:spPr>
+        <p:spPr/>
         <p:txBody>
           <a:bodyPr/>
           <a:lstStyle/>
@@ -5037,8 +5658,42 @@
             </a:pPr>
             <a:r>
               <a:rPr lang="ru-RU" dirty="0"/>
+              <a:t>В ходе анализа, алгоритм может подметить серьёзные ошибки (далее без </a:t>
+            </a:r>
+            <a:r>
+              <a:rPr lang="en-US" dirty="0"/>
+              <a:t>‘</a:t>
+            </a:r>
+            <a:r>
+              <a:rPr lang="ru-RU" dirty="0"/>
+              <a:t>серьёзные</a:t>
+            </a:r>
+            <a:r>
+              <a:rPr lang="en-US" dirty="0"/>
+              <a:t>’</a:t>
+            </a:r>
+            <a:r>
+              <a:rPr lang="ru-RU" dirty="0"/>
+              <a:t>) и не очень – предупреждения.</a:t>
+            </a:r>
+            <a:endParaRPr lang="en-US" dirty="0"/>
+          </a:p>
+          <a:p>
+            <a:pPr marL="0" indent="0">
+              <a:buNone/>
+            </a:pPr>
+            <a:br>
+              <a:rPr lang="en-US" dirty="0"/>
+            </a:br>
+            <a:r>
+              <a:rPr lang="ru-RU" dirty="0"/>
               <a:t>Код из блок-схемы проходит 2 этапа проверки</a:t>
             </a:r>
+            <a:r>
+              <a:rPr lang="en-US" dirty="0"/>
+              <a:t>.</a:t>
+            </a:r>
+            <a:endParaRPr lang="ru-RU" dirty="0"/>
           </a:p>
         </p:txBody>
       </p:sp>
@@ -5055,7 +5710,7 @@
 </p:sld>
 </file>
 
-<file path=ppt/slides/slide15.xml><?xml version="1.0" encoding="utf-8"?>
+<file path=ppt/slides/slide17.xml><?xml version="1.0" encoding="utf-8"?>
 <p:sld xmlns:a="http://schemas.openxmlformats.org/drawingml/2006/main" xmlns:r="http://schemas.openxmlformats.org/officeDocument/2006/relationships" xmlns:p="http://schemas.openxmlformats.org/presentationml/2006/main">
   <p:cSld>
     <p:spTree>
@@ -5095,7 +5750,6 @@
           </a:bodyPr>
           <a:lstStyle/>
           <a:p>
-            <a:pPr algn="ctr"/>
             <a:r>
               <a:rPr lang="ru-RU" dirty="0"/>
               <a:t>1. Первичный анализ блок-схемы</a:t>
@@ -5144,31 +5798,7 @@
               <a:rPr lang="ru-RU" dirty="0"/>
               <a:t> - проверка блок-схемы.</a:t>
             </a:r>
-          </a:p>
-          <a:p>
-            <a:pPr marL="0" indent="0">
-              <a:buNone/>
-            </a:pPr>
-            <a:r>
-              <a:rPr lang="ru-RU" dirty="0"/>
-              <a:t>В ходе этого шага, алгоритм может подметить серьёзные ошибки (далее без </a:t>
-            </a:r>
-            <a:r>
-              <a:rPr lang="en-US" dirty="0"/>
-              <a:t>‘</a:t>
-            </a:r>
-            <a:r>
-              <a:rPr lang="ru-RU" dirty="0"/>
-              <a:t>серьёзные</a:t>
-            </a:r>
-            <a:r>
-              <a:rPr lang="en-US" dirty="0"/>
-              <a:t>’</a:t>
-            </a:r>
-            <a:r>
-              <a:rPr lang="ru-RU" dirty="0"/>
-              <a:t>) и не очень – предупреждения.</a:t>
-            </a:r>
+            <a:endParaRPr lang="en-US" dirty="0"/>
           </a:p>
         </p:txBody>
       </p:sp>
@@ -5286,7 +5916,7 @@
 </p:sld>
 </file>
 
-<file path=ppt/slides/slide16.xml><?xml version="1.0" encoding="utf-8"?>
+<file path=ppt/slides/slide18.xml><?xml version="1.0" encoding="utf-8"?>
 <p:sld xmlns:a="http://schemas.openxmlformats.org/drawingml/2006/main" xmlns:r="http://schemas.openxmlformats.org/officeDocument/2006/relationships" xmlns:p="http://schemas.openxmlformats.org/presentationml/2006/main">
   <p:cSld>
     <p:spTree>
@@ -5326,7 +5956,6 @@
           </a:bodyPr>
           <a:lstStyle/>
           <a:p>
-            <a:pPr algn="ctr"/>
             <a:r>
               <a:rPr lang="ru-RU" dirty="0"/>
               <a:t>1. Первичный анализ блок-схемы</a:t>
@@ -5448,238 +6077,6 @@
 </p:sld>
 </file>
 
-<file path=ppt/slides/slide17.xml><?xml version="1.0" encoding="utf-8"?>
-<p:sld xmlns:a="http://schemas.openxmlformats.org/drawingml/2006/main" xmlns:r="http://schemas.openxmlformats.org/officeDocument/2006/relationships" xmlns:p="http://schemas.openxmlformats.org/presentationml/2006/main">
-  <p:cSld>
-    <p:spTree>
-      <p:nvGrpSpPr>
-        <p:cNvPr id="1" name=""/>
-        <p:cNvGrpSpPr/>
-        <p:nvPr/>
-      </p:nvGrpSpPr>
-      <p:grpSpPr>
-        <a:xfrm>
-          <a:off x="0" y="0"/>
-          <a:ext cx="0" cy="0"/>
-          <a:chOff x="0" y="0"/>
-          <a:chExt cx="0" cy="0"/>
-        </a:xfrm>
-      </p:grpSpPr>
-      <p:sp>
-        <p:nvSpPr>
-          <p:cNvPr id="2" name="Заголовок 1">
-            <a:extLst>
-              <a:ext uri="{FF2B5EF4-FFF2-40B4-BE49-F238E27FC236}">
-                <a16:creationId xmlns:a16="http://schemas.microsoft.com/office/drawing/2014/main" id="{F5C967F1-C92B-4BAD-9C4A-69BFBDCD530F}"/>
-              </a:ext>
-            </a:extLst>
-          </p:cNvPr>
-          <p:cNvSpPr>
-            <a:spLocks noGrp="1"/>
-          </p:cNvSpPr>
-          <p:nvPr>
-            <p:ph type="title"/>
-          </p:nvPr>
-        </p:nvSpPr>
-        <p:spPr/>
-        <p:txBody>
-          <a:bodyPr>
-            <a:normAutofit fontScale="90000"/>
-          </a:bodyPr>
-          <a:lstStyle/>
-          <a:p>
-            <a:pPr algn="ctr"/>
-            <a:r>
-              <a:rPr lang="en-US" dirty="0"/>
-              <a:t>2. </a:t>
-            </a:r>
-            <a:r>
-              <a:rPr lang="ru-RU" dirty="0"/>
-              <a:t>Синтаксический анализ</a:t>
-            </a:r>
-            <a:br>
-              <a:rPr lang="ru-RU" dirty="0"/>
-            </a:br>
-            <a:r>
-              <a:rPr lang="ru-RU" dirty="0"/>
-              <a:t>всего кода</a:t>
-            </a:r>
-          </a:p>
-        </p:txBody>
-      </p:sp>
-      <p:sp>
-        <p:nvSpPr>
-          <p:cNvPr id="3" name="Объект 2">
-            <a:extLst>
-              <a:ext uri="{FF2B5EF4-FFF2-40B4-BE49-F238E27FC236}">
-                <a16:creationId xmlns:a16="http://schemas.microsoft.com/office/drawing/2014/main" id="{EC255B3F-BD92-43BA-847A-C57D1065E5CD}"/>
-              </a:ext>
-            </a:extLst>
-          </p:cNvPr>
-          <p:cNvSpPr>
-            <a:spLocks noGrp="1"/>
-          </p:cNvSpPr>
-          <p:nvPr>
-            <p:ph idx="1"/>
-          </p:nvPr>
-        </p:nvSpPr>
-        <p:spPr/>
-        <p:txBody>
-          <a:bodyPr/>
-          <a:lstStyle/>
-          <a:p>
-            <a:pPr marL="0" indent="0">
-              <a:buNone/>
-            </a:pPr>
-            <a:r>
-              <a:rPr lang="ru-RU" dirty="0"/>
-              <a:t>Синтаксический анализ разбивается на 2 простых этапа:</a:t>
-            </a:r>
-          </a:p>
-          <a:p>
-            <a:pPr marL="342900" indent="-342900">
-              <a:buFont typeface="+mj-lt"/>
-              <a:buAutoNum type="arabicParenR"/>
-            </a:pPr>
-            <a:r>
-              <a:rPr lang="ru-RU" dirty="0"/>
-              <a:t>Разделение списка лексем на «ветки.</a:t>
-            </a:r>
-          </a:p>
-          <a:p>
-            <a:pPr marL="342900" indent="-342900">
-              <a:buFont typeface="+mj-lt"/>
-              <a:buAutoNum type="arabicParenR"/>
-            </a:pPr>
-            <a:r>
-              <a:rPr lang="ru-RU" dirty="0"/>
-              <a:t>Синтаксический разбор каждой ветки.</a:t>
-            </a:r>
-          </a:p>
-        </p:txBody>
-      </p:sp>
-    </p:spTree>
-    <p:extLst>
-      <p:ext uri="{BB962C8B-B14F-4D97-AF65-F5344CB8AC3E}">
-        <p14:creationId xmlns:p14="http://schemas.microsoft.com/office/powerpoint/2010/main" val="1475249208"/>
-      </p:ext>
-    </p:extLst>
-  </p:cSld>
-  <p:clrMapOvr>
-    <a:masterClrMapping/>
-  </p:clrMapOvr>
-</p:sld>
-</file>
-
-<file path=ppt/slides/slide18.xml><?xml version="1.0" encoding="utf-8"?>
-<p:sld xmlns:a="http://schemas.openxmlformats.org/drawingml/2006/main" xmlns:r="http://schemas.openxmlformats.org/officeDocument/2006/relationships" xmlns:p="http://schemas.openxmlformats.org/presentationml/2006/main">
-  <p:cSld>
-    <p:spTree>
-      <p:nvGrpSpPr>
-        <p:cNvPr id="1" name=""/>
-        <p:cNvGrpSpPr/>
-        <p:nvPr/>
-      </p:nvGrpSpPr>
-      <p:grpSpPr>
-        <a:xfrm>
-          <a:off x="0" y="0"/>
-          <a:ext cx="0" cy="0"/>
-          <a:chOff x="0" y="0"/>
-          <a:chExt cx="0" cy="0"/>
-        </a:xfrm>
-      </p:grpSpPr>
-      <p:sp>
-        <p:nvSpPr>
-          <p:cNvPr id="2" name="Заголовок 1">
-            <a:extLst>
-              <a:ext uri="{FF2B5EF4-FFF2-40B4-BE49-F238E27FC236}">
-                <a16:creationId xmlns:a16="http://schemas.microsoft.com/office/drawing/2014/main" id="{8180968A-1480-49E2-86D3-597F49CFA98E}"/>
-              </a:ext>
-            </a:extLst>
-          </p:cNvPr>
-          <p:cNvSpPr>
-            <a:spLocks noGrp="1"/>
-          </p:cNvSpPr>
-          <p:nvPr>
-            <p:ph type="title"/>
-          </p:nvPr>
-        </p:nvSpPr>
-        <p:spPr/>
-        <p:txBody>
-          <a:bodyPr>
-            <a:normAutofit fontScale="90000"/>
-          </a:bodyPr>
-          <a:lstStyle/>
-          <a:p>
-            <a:pPr algn="ctr"/>
-            <a:r>
-              <a:rPr lang="ru-RU" dirty="0"/>
-              <a:t>2.1. Разбор всего кода на части - «ветки»</a:t>
-            </a:r>
-          </a:p>
-        </p:txBody>
-      </p:sp>
-      <p:sp>
-        <p:nvSpPr>
-          <p:cNvPr id="3" name="Объект 2">
-            <a:extLst>
-              <a:ext uri="{FF2B5EF4-FFF2-40B4-BE49-F238E27FC236}">
-                <a16:creationId xmlns:a16="http://schemas.microsoft.com/office/drawing/2014/main" id="{D7E16845-DD7F-411E-A493-EAA2E6CB0211}"/>
-              </a:ext>
-            </a:extLst>
-          </p:cNvPr>
-          <p:cNvSpPr>
-            <a:spLocks noGrp="1"/>
-          </p:cNvSpPr>
-          <p:nvPr>
-            <p:ph idx="1"/>
-          </p:nvPr>
-        </p:nvSpPr>
-        <p:spPr/>
-        <p:txBody>
-          <a:bodyPr/>
-          <a:lstStyle/>
-          <a:p>
-            <a:pPr marL="0" indent="0">
-              <a:buNone/>
-            </a:pPr>
-            <a:r>
-              <a:rPr lang="ru-RU" dirty="0"/>
-              <a:t>Данный этап делит весь код на отдельные части – «ветки».</a:t>
-            </a:r>
-          </a:p>
-          <a:p>
-            <a:pPr marL="0" indent="0">
-              <a:buNone/>
-            </a:pPr>
-            <a:r>
-              <a:rPr lang="ru-RU" dirty="0"/>
-              <a:t>Разделителем на этом шаге служит синтаксический разделитель – </a:t>
-            </a:r>
-            <a:r>
-              <a:rPr lang="en-US" dirty="0"/>
-              <a:t>‘.’</a:t>
-            </a:r>
-            <a:r>
-              <a:rPr lang="ru-RU" dirty="0"/>
-              <a:t>.</a:t>
-            </a:r>
-          </a:p>
-        </p:txBody>
-      </p:sp>
-    </p:spTree>
-    <p:extLst>
-      <p:ext uri="{BB962C8B-B14F-4D97-AF65-F5344CB8AC3E}">
-        <p14:creationId xmlns:p14="http://schemas.microsoft.com/office/powerpoint/2010/main" val="1590368338"/>
-      </p:ext>
-    </p:extLst>
-  </p:cSld>
-  <p:clrMapOvr>
-    <a:masterClrMapping/>
-  </p:clrMapOvr>
-</p:sld>
-</file>
-
 <file path=ppt/slides/slide19.xml><?xml version="1.0" encoding="utf-8"?>
 <p:sld xmlns:a="http://schemas.openxmlformats.org/drawingml/2006/main" xmlns:r="http://schemas.openxmlformats.org/officeDocument/2006/relationships" xmlns:p="http://schemas.openxmlformats.org/presentationml/2006/main">
   <p:cSld>
@@ -5702,7 +6099,7 @@
           <p:cNvPr id="2" name="Заголовок 1">
             <a:extLst>
               <a:ext uri="{FF2B5EF4-FFF2-40B4-BE49-F238E27FC236}">
-                <a16:creationId xmlns:a16="http://schemas.microsoft.com/office/drawing/2014/main" id="{947BC419-40C9-4E87-9909-9EA717ED187B}"/>
+                <a16:creationId xmlns:a16="http://schemas.microsoft.com/office/drawing/2014/main" id="{F5C967F1-C92B-4BAD-9C4A-69BFBDCD530F}"/>
               </a:ext>
             </a:extLst>
           </p:cNvPr>
@@ -5715,13 +6112,25 @@
         </p:nvSpPr>
         <p:spPr/>
         <p:txBody>
-          <a:bodyPr/>
-          <a:lstStyle/>
-          <a:p>
-            <a:pPr algn="ctr"/>
+          <a:bodyPr>
+            <a:normAutofit fontScale="90000"/>
+          </a:bodyPr>
+          <a:lstStyle/>
+          <a:p>
+            <a:r>
+              <a:rPr lang="en-US" dirty="0"/>
+              <a:t>2. </a:t>
+            </a:r>
             <a:r>
               <a:rPr lang="ru-RU" dirty="0"/>
-              <a:t>2.2. Разбор ветки</a:t>
+              <a:t>Синтаксический анализ</a:t>
+            </a:r>
+            <a:br>
+              <a:rPr lang="ru-RU" dirty="0"/>
+            </a:br>
+            <a:r>
+              <a:rPr lang="ru-RU" dirty="0"/>
+              <a:t>всего кода</a:t>
             </a:r>
           </a:p>
         </p:txBody>
@@ -5731,7 +6140,7 @@
           <p:cNvPr id="3" name="Объект 2">
             <a:extLst>
               <a:ext uri="{FF2B5EF4-FFF2-40B4-BE49-F238E27FC236}">
-                <a16:creationId xmlns:a16="http://schemas.microsoft.com/office/drawing/2014/main" id="{E84275D0-35A4-4A21-8340-4653837C1C5B}"/>
+                <a16:creationId xmlns:a16="http://schemas.microsoft.com/office/drawing/2014/main" id="{EC255B3F-BD92-43BA-847A-C57D1065E5CD}"/>
               </a:ext>
             </a:extLst>
           </p:cNvPr>
@@ -5752,25 +6161,27 @@
             </a:pPr>
             <a:r>
               <a:rPr lang="ru-RU" dirty="0"/>
-              <a:t>Разбор ветки работает по принципу калькулятора, использующего 2 стека: операнды и операторы.</a:t>
-            </a:r>
-          </a:p>
-          <a:p>
-            <a:pPr marL="0" indent="0">
-              <a:buNone/>
+              <a:t>Синтаксический анализ разбивается на 2 простых этапа:</a:t>
+            </a:r>
+          </a:p>
+          <a:p>
+            <a:pPr marL="342900" indent="-342900">
+              <a:buFont typeface="+mj-lt"/>
+              <a:buAutoNum type="arabicParenR"/>
             </a:pPr>
             <a:r>
               <a:rPr lang="ru-RU" dirty="0"/>
-              <a:t>Операнды это все переменные.</a:t>
-            </a:r>
-          </a:p>
-          <a:p>
-            <a:pPr marL="0" indent="0">
-              <a:buNone/>
+              <a:t>Разделение списка лексем на части.</a:t>
+            </a:r>
+          </a:p>
+          <a:p>
+            <a:pPr marL="342900" indent="-342900">
+              <a:buFont typeface="+mj-lt"/>
+              <a:buAutoNum type="arabicParenR"/>
             </a:pPr>
             <a:r>
               <a:rPr lang="ru-RU" dirty="0"/>
-              <a:t>Операторы – всё остальное (не считая неидентифицированные лексемы).</a:t>
+              <a:t>Синтаксический разбор каждой части.</a:t>
             </a:r>
           </a:p>
         </p:txBody>
@@ -5778,7 +6189,7 @@
     </p:spTree>
     <p:extLst>
       <p:ext uri="{BB962C8B-B14F-4D97-AF65-F5344CB8AC3E}">
-        <p14:creationId xmlns:p14="http://schemas.microsoft.com/office/powerpoint/2010/main" val="2659840564"/>
+        <p14:creationId xmlns:p14="http://schemas.microsoft.com/office/powerpoint/2010/main" val="1475249208"/>
       </p:ext>
     </p:extLst>
   </p:cSld>
@@ -5900,6 +6311,221 @@
           <p:cNvPr id="2" name="Заголовок 1">
             <a:extLst>
               <a:ext uri="{FF2B5EF4-FFF2-40B4-BE49-F238E27FC236}">
+                <a16:creationId xmlns:a16="http://schemas.microsoft.com/office/drawing/2014/main" id="{8180968A-1480-49E2-86D3-597F49CFA98E}"/>
+              </a:ext>
+            </a:extLst>
+          </p:cNvPr>
+          <p:cNvSpPr>
+            <a:spLocks noGrp="1"/>
+          </p:cNvSpPr>
+          <p:nvPr>
+            <p:ph type="title"/>
+          </p:nvPr>
+        </p:nvSpPr>
+        <p:spPr/>
+        <p:txBody>
+          <a:bodyPr>
+            <a:normAutofit fontScale="90000"/>
+          </a:bodyPr>
+          <a:lstStyle/>
+          <a:p>
+            <a:r>
+              <a:rPr lang="ru-RU" dirty="0"/>
+              <a:t>2.1. Разбор всего кода на части - «ветки»</a:t>
+            </a:r>
+          </a:p>
+        </p:txBody>
+      </p:sp>
+      <p:sp>
+        <p:nvSpPr>
+          <p:cNvPr id="3" name="Объект 2">
+            <a:extLst>
+              <a:ext uri="{FF2B5EF4-FFF2-40B4-BE49-F238E27FC236}">
+                <a16:creationId xmlns:a16="http://schemas.microsoft.com/office/drawing/2014/main" id="{D7E16845-DD7F-411E-A493-EAA2E6CB0211}"/>
+              </a:ext>
+            </a:extLst>
+          </p:cNvPr>
+          <p:cNvSpPr>
+            <a:spLocks noGrp="1"/>
+          </p:cNvSpPr>
+          <p:nvPr>
+            <p:ph idx="1"/>
+          </p:nvPr>
+        </p:nvSpPr>
+        <p:spPr/>
+        <p:txBody>
+          <a:bodyPr/>
+          <a:lstStyle/>
+          <a:p>
+            <a:pPr marL="0" indent="0">
+              <a:buNone/>
+            </a:pPr>
+            <a:r>
+              <a:rPr lang="ru-RU" dirty="0"/>
+              <a:t>Данный этап делит весь код на отдельные части – «ветки».</a:t>
+            </a:r>
+          </a:p>
+          <a:p>
+            <a:pPr marL="0" indent="0">
+              <a:buNone/>
+            </a:pPr>
+            <a:r>
+              <a:rPr lang="ru-RU" dirty="0"/>
+              <a:t>Разделителем на этом шаге служит синтаксический разделитель – </a:t>
+            </a:r>
+            <a:r>
+              <a:rPr lang="en-US" dirty="0"/>
+              <a:t>‘.’</a:t>
+            </a:r>
+            <a:r>
+              <a:rPr lang="ru-RU" dirty="0"/>
+              <a:t>.</a:t>
+            </a:r>
+          </a:p>
+        </p:txBody>
+      </p:sp>
+    </p:spTree>
+    <p:extLst>
+      <p:ext uri="{BB962C8B-B14F-4D97-AF65-F5344CB8AC3E}">
+        <p14:creationId xmlns:p14="http://schemas.microsoft.com/office/powerpoint/2010/main" val="1590368338"/>
+      </p:ext>
+    </p:extLst>
+  </p:cSld>
+  <p:clrMapOvr>
+    <a:masterClrMapping/>
+  </p:clrMapOvr>
+</p:sld>
+</file>
+
+<file path=ppt/slides/slide21.xml><?xml version="1.0" encoding="utf-8"?>
+<p:sld xmlns:a="http://schemas.openxmlformats.org/drawingml/2006/main" xmlns:r="http://schemas.openxmlformats.org/officeDocument/2006/relationships" xmlns:p="http://schemas.openxmlformats.org/presentationml/2006/main">
+  <p:cSld>
+    <p:spTree>
+      <p:nvGrpSpPr>
+        <p:cNvPr id="1" name=""/>
+        <p:cNvGrpSpPr/>
+        <p:nvPr/>
+      </p:nvGrpSpPr>
+      <p:grpSpPr>
+        <a:xfrm>
+          <a:off x="0" y="0"/>
+          <a:ext cx="0" cy="0"/>
+          <a:chOff x="0" y="0"/>
+          <a:chExt cx="0" cy="0"/>
+        </a:xfrm>
+      </p:grpSpPr>
+      <p:sp>
+        <p:nvSpPr>
+          <p:cNvPr id="2" name="Заголовок 1">
+            <a:extLst>
+              <a:ext uri="{FF2B5EF4-FFF2-40B4-BE49-F238E27FC236}">
+                <a16:creationId xmlns:a16="http://schemas.microsoft.com/office/drawing/2014/main" id="{947BC419-40C9-4E87-9909-9EA717ED187B}"/>
+              </a:ext>
+            </a:extLst>
+          </p:cNvPr>
+          <p:cNvSpPr>
+            <a:spLocks noGrp="1"/>
+          </p:cNvSpPr>
+          <p:nvPr>
+            <p:ph type="title"/>
+          </p:nvPr>
+        </p:nvSpPr>
+        <p:spPr/>
+        <p:txBody>
+          <a:bodyPr/>
+          <a:lstStyle/>
+          <a:p>
+            <a:r>
+              <a:rPr lang="ru-RU" dirty="0"/>
+              <a:t>2.2. Разбор ветки</a:t>
+            </a:r>
+          </a:p>
+        </p:txBody>
+      </p:sp>
+      <p:sp>
+        <p:nvSpPr>
+          <p:cNvPr id="3" name="Объект 2">
+            <a:extLst>
+              <a:ext uri="{FF2B5EF4-FFF2-40B4-BE49-F238E27FC236}">
+                <a16:creationId xmlns:a16="http://schemas.microsoft.com/office/drawing/2014/main" id="{E84275D0-35A4-4A21-8340-4653837C1C5B}"/>
+              </a:ext>
+            </a:extLst>
+          </p:cNvPr>
+          <p:cNvSpPr>
+            <a:spLocks noGrp="1"/>
+          </p:cNvSpPr>
+          <p:nvPr>
+            <p:ph idx="1"/>
+          </p:nvPr>
+        </p:nvSpPr>
+        <p:spPr/>
+        <p:txBody>
+          <a:bodyPr/>
+          <a:lstStyle/>
+          <a:p>
+            <a:pPr marL="0" indent="0">
+              <a:buNone/>
+            </a:pPr>
+            <a:r>
+              <a:rPr lang="ru-RU" dirty="0"/>
+              <a:t>Разбор ветки работает по принципу калькулятора, использующего 2 стека: операнды и операторы.</a:t>
+            </a:r>
+          </a:p>
+          <a:p>
+            <a:pPr marL="0" indent="0">
+              <a:buNone/>
+            </a:pPr>
+            <a:r>
+              <a:rPr lang="ru-RU" dirty="0"/>
+              <a:t>Операнды это все переменные.</a:t>
+            </a:r>
+          </a:p>
+          <a:p>
+            <a:pPr marL="0" indent="0">
+              <a:buNone/>
+            </a:pPr>
+            <a:r>
+              <a:rPr lang="ru-RU" dirty="0"/>
+              <a:t>Операторы – всё остальное (не считая неидентифицированные лексемы).</a:t>
+            </a:r>
+          </a:p>
+        </p:txBody>
+      </p:sp>
+    </p:spTree>
+    <p:extLst>
+      <p:ext uri="{BB962C8B-B14F-4D97-AF65-F5344CB8AC3E}">
+        <p14:creationId xmlns:p14="http://schemas.microsoft.com/office/powerpoint/2010/main" val="2659840564"/>
+      </p:ext>
+    </p:extLst>
+  </p:cSld>
+  <p:clrMapOvr>
+    <a:masterClrMapping/>
+  </p:clrMapOvr>
+</p:sld>
+</file>
+
+<file path=ppt/slides/slide22.xml><?xml version="1.0" encoding="utf-8"?>
+<p:sld xmlns:a="http://schemas.openxmlformats.org/drawingml/2006/main" xmlns:r="http://schemas.openxmlformats.org/officeDocument/2006/relationships" xmlns:p="http://schemas.openxmlformats.org/presentationml/2006/main">
+  <p:cSld>
+    <p:spTree>
+      <p:nvGrpSpPr>
+        <p:cNvPr id="1" name=""/>
+        <p:cNvGrpSpPr/>
+        <p:nvPr/>
+      </p:nvGrpSpPr>
+      <p:grpSpPr>
+        <a:xfrm>
+          <a:off x="0" y="0"/>
+          <a:ext cx="0" cy="0"/>
+          <a:chOff x="0" y="0"/>
+          <a:chExt cx="0" cy="0"/>
+        </a:xfrm>
+      </p:grpSpPr>
+      <p:sp>
+        <p:nvSpPr>
+          <p:cNvPr id="2" name="Заголовок 1">
+            <a:extLst>
+              <a:ext uri="{FF2B5EF4-FFF2-40B4-BE49-F238E27FC236}">
                 <a16:creationId xmlns:a16="http://schemas.microsoft.com/office/drawing/2014/main" id="{6BE59CB9-EE51-4440-9B94-6C9E138BB592}"/>
               </a:ext>
             </a:extLst>
@@ -6055,7 +6681,10 @@
           <a:lstStyle/>
           <a:p>
             <a:pPr algn="ctr"/>
-            <a:endParaRPr lang="ru-RU" dirty="0"/>
+            <a:r>
+              <a:rPr lang="ru-RU" sz="1200" dirty="0"/>
+              <a:t>Операнды</a:t>
+            </a:r>
           </a:p>
         </p:txBody>
       </p:sp>
@@ -6099,7 +6728,10 @@
           <a:lstStyle/>
           <a:p>
             <a:pPr algn="ctr"/>
-            <a:endParaRPr lang="ru-RU"/>
+            <a:r>
+              <a:rPr lang="ru-RU" sz="1200" dirty="0"/>
+              <a:t>Операторы</a:t>
+            </a:r>
           </a:p>
         </p:txBody>
       </p:sp>
@@ -7325,172 +7957,6 @@
 </p:sld>
 </file>
 
-<file path=ppt/slides/slide21.xml><?xml version="1.0" encoding="utf-8"?>
-<p:sld xmlns:a="http://schemas.openxmlformats.org/drawingml/2006/main" xmlns:r="http://schemas.openxmlformats.org/officeDocument/2006/relationships" xmlns:p="http://schemas.openxmlformats.org/presentationml/2006/main">
-  <p:cSld>
-    <p:spTree>
-      <p:nvGrpSpPr>
-        <p:cNvPr id="1" name=""/>
-        <p:cNvGrpSpPr/>
-        <p:nvPr/>
-      </p:nvGrpSpPr>
-      <p:grpSpPr>
-        <a:xfrm>
-          <a:off x="0" y="0"/>
-          <a:ext cx="0" cy="0"/>
-          <a:chOff x="0" y="0"/>
-          <a:chExt cx="0" cy="0"/>
-        </a:xfrm>
-      </p:grpSpPr>
-      <p:sp>
-        <p:nvSpPr>
-          <p:cNvPr id="2" name="Заголовок 1">
-            <a:extLst>
-              <a:ext uri="{FF2B5EF4-FFF2-40B4-BE49-F238E27FC236}">
-                <a16:creationId xmlns:a16="http://schemas.microsoft.com/office/drawing/2014/main" id="{69C579A4-FD4C-43D8-A572-799576ED6B55}"/>
-              </a:ext>
-            </a:extLst>
-          </p:cNvPr>
-          <p:cNvSpPr>
-            <a:spLocks noGrp="1"/>
-          </p:cNvSpPr>
-          <p:nvPr>
-            <p:ph type="title"/>
-          </p:nvPr>
-        </p:nvSpPr>
-        <p:spPr/>
-        <p:txBody>
-          <a:bodyPr/>
-          <a:lstStyle/>
-          <a:p>
-            <a:r>
-              <a:rPr lang="ru-RU" dirty="0"/>
-              <a:t>Ещё пример</a:t>
-            </a:r>
-          </a:p>
-        </p:txBody>
-      </p:sp>
-      <p:sp>
-        <p:nvSpPr>
-          <p:cNvPr id="3" name="Объект 2">
-            <a:extLst>
-              <a:ext uri="{FF2B5EF4-FFF2-40B4-BE49-F238E27FC236}">
-                <a16:creationId xmlns:a16="http://schemas.microsoft.com/office/drawing/2014/main" id="{45821E19-0494-4C6E-8940-0EAEEAAAE798}"/>
-              </a:ext>
-            </a:extLst>
-          </p:cNvPr>
-          <p:cNvSpPr>
-            <a:spLocks noGrp="1"/>
-          </p:cNvSpPr>
-          <p:nvPr>
-            <p:ph idx="1"/>
-          </p:nvPr>
-        </p:nvSpPr>
-        <p:spPr/>
-        <p:txBody>
-          <a:bodyPr/>
-          <a:lstStyle/>
-          <a:p>
-            <a:endParaRPr lang="ru-RU"/>
-          </a:p>
-        </p:txBody>
-      </p:sp>
-    </p:spTree>
-    <p:extLst>
-      <p:ext uri="{BB962C8B-B14F-4D97-AF65-F5344CB8AC3E}">
-        <p14:creationId xmlns:p14="http://schemas.microsoft.com/office/powerpoint/2010/main" val="2594376310"/>
-      </p:ext>
-    </p:extLst>
-  </p:cSld>
-  <p:clrMapOvr>
-    <a:masterClrMapping/>
-  </p:clrMapOvr>
-</p:sld>
-</file>
-
-<file path=ppt/slides/slide22.xml><?xml version="1.0" encoding="utf-8"?>
-<p:sld xmlns:a="http://schemas.openxmlformats.org/drawingml/2006/main" xmlns:r="http://schemas.openxmlformats.org/officeDocument/2006/relationships" xmlns:p="http://schemas.openxmlformats.org/presentationml/2006/main">
-  <p:cSld>
-    <p:spTree>
-      <p:nvGrpSpPr>
-        <p:cNvPr id="1" name=""/>
-        <p:cNvGrpSpPr/>
-        <p:nvPr/>
-      </p:nvGrpSpPr>
-      <p:grpSpPr>
-        <a:xfrm>
-          <a:off x="0" y="0"/>
-          <a:ext cx="0" cy="0"/>
-          <a:chOff x="0" y="0"/>
-          <a:chExt cx="0" cy="0"/>
-        </a:xfrm>
-      </p:grpSpPr>
-      <p:sp>
-        <p:nvSpPr>
-          <p:cNvPr id="4" name="Заголовок 3">
-            <a:extLst>
-              <a:ext uri="{FF2B5EF4-FFF2-40B4-BE49-F238E27FC236}">
-                <a16:creationId xmlns:a16="http://schemas.microsoft.com/office/drawing/2014/main" id="{5818C9B9-7DEE-4277-8A0E-515A7A0A552A}"/>
-              </a:ext>
-            </a:extLst>
-          </p:cNvPr>
-          <p:cNvSpPr>
-            <a:spLocks noGrp="1"/>
-          </p:cNvSpPr>
-          <p:nvPr>
-            <p:ph type="title"/>
-          </p:nvPr>
-        </p:nvSpPr>
-        <p:spPr/>
-        <p:txBody>
-          <a:bodyPr/>
-          <a:lstStyle/>
-          <a:p>
-            <a:r>
-              <a:rPr lang="ru-RU" dirty="0"/>
-              <a:t>Транслятор</a:t>
-            </a:r>
-          </a:p>
-        </p:txBody>
-      </p:sp>
-      <p:sp>
-        <p:nvSpPr>
-          <p:cNvPr id="5" name="Текст 4">
-            <a:extLst>
-              <a:ext uri="{FF2B5EF4-FFF2-40B4-BE49-F238E27FC236}">
-                <a16:creationId xmlns:a16="http://schemas.microsoft.com/office/drawing/2014/main" id="{26A3E59F-913B-4979-A2C3-3509E48249F2}"/>
-              </a:ext>
-            </a:extLst>
-          </p:cNvPr>
-          <p:cNvSpPr>
-            <a:spLocks noGrp="1"/>
-          </p:cNvSpPr>
-          <p:nvPr>
-            <p:ph type="body" idx="1"/>
-          </p:nvPr>
-        </p:nvSpPr>
-        <p:spPr/>
-        <p:txBody>
-          <a:bodyPr/>
-          <a:lstStyle/>
-          <a:p>
-            <a:endParaRPr lang="ru-RU"/>
-          </a:p>
-        </p:txBody>
-      </p:sp>
-    </p:spTree>
-    <p:extLst>
-      <p:ext uri="{BB962C8B-B14F-4D97-AF65-F5344CB8AC3E}">
-        <p14:creationId xmlns:p14="http://schemas.microsoft.com/office/powerpoint/2010/main" val="3258080874"/>
-      </p:ext>
-    </p:extLst>
-  </p:cSld>
-  <p:clrMapOvr>
-    <a:masterClrMapping/>
-  </p:clrMapOvr>
-</p:sld>
-</file>
-
 <file path=ppt/slides/slide23.xml><?xml version="1.0" encoding="utf-8"?>
 <p:sld xmlns:a="http://schemas.openxmlformats.org/drawingml/2006/main" xmlns:r="http://schemas.openxmlformats.org/officeDocument/2006/relationships" xmlns:p="http://schemas.openxmlformats.org/presentationml/2006/main">
   <p:cSld>
@@ -7510,6 +7976,89 @@
       </p:grpSpPr>
       <p:sp>
         <p:nvSpPr>
+          <p:cNvPr id="4" name="Заголовок 3">
+            <a:extLst>
+              <a:ext uri="{FF2B5EF4-FFF2-40B4-BE49-F238E27FC236}">
+                <a16:creationId xmlns:a16="http://schemas.microsoft.com/office/drawing/2014/main" id="{5818C9B9-7DEE-4277-8A0E-515A7A0A552A}"/>
+              </a:ext>
+            </a:extLst>
+          </p:cNvPr>
+          <p:cNvSpPr>
+            <a:spLocks noGrp="1"/>
+          </p:cNvSpPr>
+          <p:nvPr>
+            <p:ph type="title"/>
+          </p:nvPr>
+        </p:nvSpPr>
+        <p:spPr/>
+        <p:txBody>
+          <a:bodyPr/>
+          <a:lstStyle/>
+          <a:p>
+            <a:r>
+              <a:rPr lang="ru-RU" dirty="0"/>
+              <a:t>Транслятор</a:t>
+            </a:r>
+          </a:p>
+        </p:txBody>
+      </p:sp>
+      <p:sp>
+        <p:nvSpPr>
+          <p:cNvPr id="5" name="Текст 4">
+            <a:extLst>
+              <a:ext uri="{FF2B5EF4-FFF2-40B4-BE49-F238E27FC236}">
+                <a16:creationId xmlns:a16="http://schemas.microsoft.com/office/drawing/2014/main" id="{26A3E59F-913B-4979-A2C3-3509E48249F2}"/>
+              </a:ext>
+            </a:extLst>
+          </p:cNvPr>
+          <p:cNvSpPr>
+            <a:spLocks noGrp="1"/>
+          </p:cNvSpPr>
+          <p:nvPr>
+            <p:ph type="body" idx="1"/>
+          </p:nvPr>
+        </p:nvSpPr>
+        <p:spPr/>
+        <p:txBody>
+          <a:bodyPr/>
+          <a:lstStyle/>
+          <a:p>
+            <a:endParaRPr lang="ru-RU"/>
+          </a:p>
+        </p:txBody>
+      </p:sp>
+    </p:spTree>
+    <p:extLst>
+      <p:ext uri="{BB962C8B-B14F-4D97-AF65-F5344CB8AC3E}">
+        <p14:creationId xmlns:p14="http://schemas.microsoft.com/office/powerpoint/2010/main" val="3258080874"/>
+      </p:ext>
+    </p:extLst>
+  </p:cSld>
+  <p:clrMapOvr>
+    <a:masterClrMapping/>
+  </p:clrMapOvr>
+</p:sld>
+</file>
+
+<file path=ppt/slides/slide24.xml><?xml version="1.0" encoding="utf-8"?>
+<p:sld xmlns:a="http://schemas.openxmlformats.org/drawingml/2006/main" xmlns:r="http://schemas.openxmlformats.org/officeDocument/2006/relationships" xmlns:p="http://schemas.openxmlformats.org/presentationml/2006/main">
+  <p:cSld>
+    <p:spTree>
+      <p:nvGrpSpPr>
+        <p:cNvPr id="1" name=""/>
+        <p:cNvGrpSpPr/>
+        <p:nvPr/>
+      </p:nvGrpSpPr>
+      <p:grpSpPr>
+        <a:xfrm>
+          <a:off x="0" y="0"/>
+          <a:ext cx="0" cy="0"/>
+          <a:chOff x="0" y="0"/>
+          <a:chExt cx="0" cy="0"/>
+        </a:xfrm>
+      </p:grpSpPr>
+      <p:sp>
+        <p:nvSpPr>
           <p:cNvPr id="2" name="Заголовок 1">
             <a:extLst>
               <a:ext uri="{FF2B5EF4-FFF2-40B4-BE49-F238E27FC236}">
@@ -7574,7 +8123,7 @@
 </p:sld>
 </file>
 
-<file path=ppt/slides/slide24.xml><?xml version="1.0" encoding="utf-8"?>
+<file path=ppt/slides/slide25.xml><?xml version="1.0" encoding="utf-8"?>
 <p:sld xmlns:a="http://schemas.openxmlformats.org/drawingml/2006/main" xmlns:r="http://schemas.openxmlformats.org/officeDocument/2006/relationships" xmlns:p="http://schemas.openxmlformats.org/presentationml/2006/main">
   <p:cSld>
     <p:spTree>
@@ -9022,10 +9571,15 @@
         </p:nvSpPr>
         <p:spPr/>
         <p:txBody>
-          <a:bodyPr/>
-          <a:lstStyle/>
-          <a:p>
-            <a:endParaRPr lang="ru-RU"/>
+          <a:bodyPr>
+            <a:normAutofit/>
+          </a:bodyPr>
+          <a:lstStyle/>
+          <a:p>
+            <a:r>
+              <a:rPr lang="ru-RU" dirty="0"/>
+              <a:t>Внешний вид</a:t>
+            </a:r>
           </a:p>
         </p:txBody>
       </p:sp>
@@ -9045,12 +9599,94 @@
             <p:ph idx="1"/>
           </p:nvPr>
         </p:nvSpPr>
-        <p:spPr/>
-        <p:txBody>
-          <a:bodyPr/>
-          <a:lstStyle/>
-          <a:p>
-            <a:endParaRPr lang="ru-RU"/>
+        <p:spPr>
+          <a:xfrm>
+            <a:off x="1066800" y="2669167"/>
+            <a:ext cx="4607859" cy="2174640"/>
+          </a:xfrm>
+        </p:spPr>
+        <p:txBody>
+          <a:bodyPr>
+            <a:normAutofit/>
+          </a:bodyPr>
+          <a:lstStyle/>
+          <a:p>
+            <a:r>
+              <a:rPr lang="ru-RU" dirty="0"/>
+              <a:t>Для создания блок схем был разработан встроенный редактор, который встречает пользователя при запуске приложения</a:t>
+            </a:r>
+          </a:p>
+          <a:p>
+            <a:r>
+              <a:rPr lang="ru-RU" dirty="0"/>
+              <a:t>Направление блок-схемы горизонтальное, слева-направо</a:t>
+            </a:r>
+          </a:p>
+        </p:txBody>
+      </p:sp>
+      <p:pic>
+        <p:nvPicPr>
+          <p:cNvPr id="3" name="Рисунок 2">
+            <a:extLst>
+              <a:ext uri="{FF2B5EF4-FFF2-40B4-BE49-F238E27FC236}">
+                <a16:creationId xmlns:a16="http://schemas.microsoft.com/office/drawing/2014/main" id="{80DBCBAD-EB6B-4C0A-A6A5-E5660A218258}"/>
+              </a:ext>
+            </a:extLst>
+          </p:cNvPr>
+          <p:cNvPicPr>
+            <a:picLocks noChangeAspect="1"/>
+          </p:cNvPicPr>
+          <p:nvPr/>
+        </p:nvPicPr>
+        <p:blipFill>
+          <a:blip r:embed="rId2"/>
+          <a:stretch>
+            <a:fillRect/>
+          </a:stretch>
+        </p:blipFill>
+        <p:spPr>
+          <a:xfrm>
+            <a:off x="5843583" y="1900518"/>
+            <a:ext cx="5677393" cy="3345431"/>
+          </a:xfrm>
+          <a:prstGeom prst="rect">
+            <a:avLst/>
+          </a:prstGeom>
+        </p:spPr>
+      </p:pic>
+      <p:sp>
+        <p:nvSpPr>
+          <p:cNvPr id="6" name="TextBox 5">
+            <a:extLst>
+              <a:ext uri="{FF2B5EF4-FFF2-40B4-BE49-F238E27FC236}">
+                <a16:creationId xmlns:a16="http://schemas.microsoft.com/office/drawing/2014/main" id="{F4E3D040-0CDC-4DBA-8A1B-ECDF9850CAC2}"/>
+              </a:ext>
+            </a:extLst>
+          </p:cNvPr>
+          <p:cNvSpPr txBox="1"/>
+          <p:nvPr/>
+        </p:nvSpPr>
+        <p:spPr>
+          <a:xfrm>
+            <a:off x="7310749" y="5245949"/>
+            <a:ext cx="2743059" cy="276999"/>
+          </a:xfrm>
+          <a:prstGeom prst="rect">
+            <a:avLst/>
+          </a:prstGeom>
+          <a:noFill/>
+        </p:spPr>
+        <p:txBody>
+          <a:bodyPr wrap="none" rtlCol="0">
+            <a:spAutoFit/>
+          </a:bodyPr>
+          <a:lstStyle/>
+          <a:p>
+            <a:pPr algn="ctr"/>
+            <a:r>
+              <a:rPr lang="ru-RU" sz="1200" dirty="0"/>
+              <a:t>Скриншот редактора блок-схем</a:t>
+            </a:r>
           </a:p>
         </p:txBody>
       </p:sp>
@@ -9086,10 +9722,10 @@
       </p:grpSpPr>
       <p:sp>
         <p:nvSpPr>
-          <p:cNvPr id="4" name="Заголовок 3">
+          <p:cNvPr id="2" name="Заголовок 1">
             <a:extLst>
               <a:ext uri="{FF2B5EF4-FFF2-40B4-BE49-F238E27FC236}">
-                <a16:creationId xmlns:a16="http://schemas.microsoft.com/office/drawing/2014/main" id="{AF072F7A-3279-493C-B66A-26385797ADED}"/>
+                <a16:creationId xmlns:a16="http://schemas.microsoft.com/office/drawing/2014/main" id="{431A8AEC-9301-43C3-A627-578E1165EFAB}"/>
               </a:ext>
             </a:extLst>
           </p:cNvPr>
@@ -9107,17 +9743,17 @@
           <a:p>
             <a:r>
               <a:rPr lang="ru-RU" dirty="0"/>
-              <a:t>Лексический анализатор</a:t>
-            </a:r>
-          </a:p>
-        </p:txBody>
-      </p:sp>
-      <p:sp>
-        <p:nvSpPr>
-          <p:cNvPr id="5" name="Текст 4">
+              <a:t>Возможности</a:t>
+            </a:r>
+          </a:p>
+        </p:txBody>
+      </p:sp>
+      <p:sp>
+        <p:nvSpPr>
+          <p:cNvPr id="3" name="Объект 2">
             <a:extLst>
               <a:ext uri="{FF2B5EF4-FFF2-40B4-BE49-F238E27FC236}">
-                <a16:creationId xmlns:a16="http://schemas.microsoft.com/office/drawing/2014/main" id="{B278DDF8-8FB4-47F9-8124-50236253961C}"/>
+                <a16:creationId xmlns:a16="http://schemas.microsoft.com/office/drawing/2014/main" id="{C0FDCEFD-90BE-420A-A048-CC240830A9D6}"/>
               </a:ext>
             </a:extLst>
           </p:cNvPr>
@@ -9125,22 +9761,102 @@
             <a:spLocks noGrp="1"/>
           </p:cNvSpPr>
           <p:nvPr>
-            <p:ph type="body" idx="1"/>
-          </p:nvPr>
-        </p:nvSpPr>
-        <p:spPr/>
+            <p:ph idx="1"/>
+          </p:nvPr>
+        </p:nvSpPr>
+        <p:spPr>
+          <a:xfrm>
+            <a:off x="1066800" y="3347421"/>
+            <a:ext cx="4392706" cy="844475"/>
+          </a:xfrm>
+        </p:spPr>
         <p:txBody>
           <a:bodyPr/>
           <a:lstStyle/>
           <a:p>
-            <a:endParaRPr lang="ru-RU"/>
+            <a:r>
+              <a:rPr lang="ru-RU" dirty="0"/>
+              <a:t>Добавлять/Убирать блоки</a:t>
+            </a:r>
+          </a:p>
+          <a:p>
+            <a:r>
+              <a:rPr lang="ru-RU" dirty="0"/>
+              <a:t>Сохранять/Загружать блок-схему</a:t>
+            </a:r>
+          </a:p>
+        </p:txBody>
+      </p:sp>
+      <p:pic>
+        <p:nvPicPr>
+          <p:cNvPr id="5" name="Рисунок 4">
+            <a:extLst>
+              <a:ext uri="{FF2B5EF4-FFF2-40B4-BE49-F238E27FC236}">
+                <a16:creationId xmlns:a16="http://schemas.microsoft.com/office/drawing/2014/main" id="{856EFEE4-6BA6-45E7-B05D-12F7EE260826}"/>
+              </a:ext>
+            </a:extLst>
+          </p:cNvPr>
+          <p:cNvPicPr>
+            <a:picLocks noChangeAspect="1"/>
+          </p:cNvPicPr>
+          <p:nvPr/>
+        </p:nvPicPr>
+        <p:blipFill>
+          <a:blip r:embed="rId2"/>
+          <a:stretch>
+            <a:fillRect/>
+          </a:stretch>
+        </p:blipFill>
+        <p:spPr>
+          <a:xfrm>
+            <a:off x="5916706" y="1727945"/>
+            <a:ext cx="5496692" cy="3238952"/>
+          </a:xfrm>
+          <a:prstGeom prst="rect">
+            <a:avLst/>
+          </a:prstGeom>
+        </p:spPr>
+      </p:pic>
+      <p:sp>
+        <p:nvSpPr>
+          <p:cNvPr id="6" name="TextBox 5">
+            <a:extLst>
+              <a:ext uri="{FF2B5EF4-FFF2-40B4-BE49-F238E27FC236}">
+                <a16:creationId xmlns:a16="http://schemas.microsoft.com/office/drawing/2014/main" id="{4944E297-696B-4D90-B38D-B92844BC8C3E}"/>
+              </a:ext>
+            </a:extLst>
+          </p:cNvPr>
+          <p:cNvSpPr txBox="1"/>
+          <p:nvPr/>
+        </p:nvSpPr>
+        <p:spPr>
+          <a:xfrm>
+            <a:off x="6858307" y="4966897"/>
+            <a:ext cx="3613490" cy="276999"/>
+          </a:xfrm>
+          <a:prstGeom prst="rect">
+            <a:avLst/>
+          </a:prstGeom>
+          <a:noFill/>
+        </p:spPr>
+        <p:txBody>
+          <a:bodyPr wrap="none" rtlCol="0">
+            <a:spAutoFit/>
+          </a:bodyPr>
+          <a:lstStyle/>
+          <a:p>
+            <a:pPr algn="ctr"/>
+            <a:r>
+              <a:rPr lang="ru-RU" sz="1200" dirty="0"/>
+              <a:t>Скриншот меню инструментов в редакторе</a:t>
+            </a:r>
           </a:p>
         </p:txBody>
       </p:sp>
     </p:spTree>
     <p:extLst>
       <p:ext uri="{BB962C8B-B14F-4D97-AF65-F5344CB8AC3E}">
-        <p14:creationId xmlns:p14="http://schemas.microsoft.com/office/powerpoint/2010/main" val="2644764702"/>
+        <p14:creationId xmlns:p14="http://schemas.microsoft.com/office/powerpoint/2010/main" val="1747733016"/>
       </p:ext>
     </p:extLst>
   </p:cSld>
@@ -9429,4 +10145,299 @@
     </a:ext>
   </a:extLst>
 </a:theme>
+</file>
+
+<file path=ppt/theme/theme2.xml><?xml version="1.0" encoding="utf-8"?>
+<a:theme xmlns:a="http://schemas.openxmlformats.org/drawingml/2006/main" name="Тема Office">
+  <a:themeElements>
+    <a:clrScheme name="Стандартная">
+      <a:dk1>
+        <a:sysClr val="windowText" lastClr="000000"/>
+      </a:dk1>
+      <a:lt1>
+        <a:sysClr val="window" lastClr="FFFFFF"/>
+      </a:lt1>
+      <a:dk2>
+        <a:srgbClr val="44546A"/>
+      </a:dk2>
+      <a:lt2>
+        <a:srgbClr val="E7E6E6"/>
+      </a:lt2>
+      <a:accent1>
+        <a:srgbClr val="4472C4"/>
+      </a:accent1>
+      <a:accent2>
+        <a:srgbClr val="ED7D31"/>
+      </a:accent2>
+      <a:accent3>
+        <a:srgbClr val="A5A5A5"/>
+      </a:accent3>
+      <a:accent4>
+        <a:srgbClr val="FFC000"/>
+      </a:accent4>
+      <a:accent5>
+        <a:srgbClr val="5B9BD5"/>
+      </a:accent5>
+      <a:accent6>
+        <a:srgbClr val="70AD47"/>
+      </a:accent6>
+      <a:hlink>
+        <a:srgbClr val="0563C1"/>
+      </a:hlink>
+      <a:folHlink>
+        <a:srgbClr val="954F72"/>
+      </a:folHlink>
+    </a:clrScheme>
+    <a:fontScheme name="Стандартная">
+      <a:majorFont>
+        <a:latin typeface="Calibri Light" panose="020F0302020204030204"/>
+        <a:ea typeface=""/>
+        <a:cs typeface=""/>
+        <a:font script="Jpan" typeface="游ゴシック Light"/>
+        <a:font script="Hang" typeface="맑은 고딕"/>
+        <a:font script="Hans" typeface="等线 Light"/>
+        <a:font script="Hant" typeface="新細明體"/>
+        <a:font script="Arab" typeface="Times New Roman"/>
+        <a:font script="Hebr" typeface="Times New Roman"/>
+        <a:font script="Thai" typeface="Angsana New"/>
+        <a:font script="Ethi" typeface="Nyala"/>
+        <a:font script="Beng" typeface="Vrinda"/>
+        <a:font script="Gujr" typeface="Shruti"/>
+        <a:font script="Khmr" typeface="MoolBoran"/>
+        <a:font script="Knda" typeface="Tunga"/>
+        <a:font script="Guru" typeface="Raavi"/>
+        <a:font script="Cans" typeface="Euphemia"/>
+        <a:font script="Cher" typeface="Plantagenet Cherokee"/>
+        <a:font script="Yiii" typeface="Microsoft Yi Baiti"/>
+        <a:font script="Tibt" typeface="Microsoft Himalaya"/>
+        <a:font script="Thaa" typeface="MV Boli"/>
+        <a:font script="Deva" typeface="Mangal"/>
+        <a:font script="Telu" typeface="Gautami"/>
+        <a:font script="Taml" typeface="Latha"/>
+        <a:font script="Syrc" typeface="Estrangelo Edessa"/>
+        <a:font script="Orya" typeface="Kalinga"/>
+        <a:font script="Mlym" typeface="Kartika"/>
+        <a:font script="Laoo" typeface="DokChampa"/>
+        <a:font script="Sinh" typeface="Iskoola Pota"/>
+        <a:font script="Mong" typeface="Mongolian Baiti"/>
+        <a:font script="Viet" typeface="Times New Roman"/>
+        <a:font script="Uigh" typeface="Microsoft Uighur"/>
+        <a:font script="Geor" typeface="Sylfaen"/>
+        <a:font script="Armn" typeface="Arial"/>
+        <a:font script="Bugi" typeface="Leelawadee UI"/>
+        <a:font script="Bopo" typeface="Microsoft JhengHei"/>
+        <a:font script="Java" typeface="Javanese Text"/>
+        <a:font script="Lisu" typeface="Segoe UI"/>
+        <a:font script="Mymr" typeface="Myanmar Text"/>
+        <a:font script="Nkoo" typeface="Ebrima"/>
+        <a:font script="Olck" typeface="Nirmala UI"/>
+        <a:font script="Osma" typeface="Ebrima"/>
+        <a:font script="Phag" typeface="Phagspa"/>
+        <a:font script="Syrn" typeface="Estrangelo Edessa"/>
+        <a:font script="Syrj" typeface="Estrangelo Edessa"/>
+        <a:font script="Syre" typeface="Estrangelo Edessa"/>
+        <a:font script="Sora" typeface="Nirmala UI"/>
+        <a:font script="Tale" typeface="Microsoft Tai Le"/>
+        <a:font script="Talu" typeface="Microsoft New Tai Lue"/>
+        <a:font script="Tfng" typeface="Ebrima"/>
+      </a:majorFont>
+      <a:minorFont>
+        <a:latin typeface="Calibri" panose="020F0502020204030204"/>
+        <a:ea typeface=""/>
+        <a:cs typeface=""/>
+        <a:font script="Jpan" typeface="游ゴシック"/>
+        <a:font script="Hang" typeface="맑은 고딕"/>
+        <a:font script="Hans" typeface="等线"/>
+        <a:font script="Hant" typeface="新細明體"/>
+        <a:font script="Arab" typeface="Arial"/>
+        <a:font script="Hebr" typeface="Arial"/>
+        <a:font script="Thai" typeface="Cordia New"/>
+        <a:font script="Ethi" typeface="Nyala"/>
+        <a:font script="Beng" typeface="Vrinda"/>
+        <a:font script="Gujr" typeface="Shruti"/>
+        <a:font script="Khmr" typeface="DaunPenh"/>
+        <a:font script="Knda" typeface="Tunga"/>
+        <a:font script="Guru" typeface="Raavi"/>
+        <a:font script="Cans" typeface="Euphemia"/>
+        <a:font script="Cher" typeface="Plantagenet Cherokee"/>
+        <a:font script="Yiii" typeface="Microsoft Yi Baiti"/>
+        <a:font script="Tibt" typeface="Microsoft Himalaya"/>
+        <a:font script="Thaa" typeface="MV Boli"/>
+        <a:font script="Deva" typeface="Mangal"/>
+        <a:font script="Telu" typeface="Gautami"/>
+        <a:font script="Taml" typeface="Latha"/>
+        <a:font script="Syrc" typeface="Estrangelo Edessa"/>
+        <a:font script="Orya" typeface="Kalinga"/>
+        <a:font script="Mlym" typeface="Kartika"/>
+        <a:font script="Laoo" typeface="DokChampa"/>
+        <a:font script="Sinh" typeface="Iskoola Pota"/>
+        <a:font script="Mong" typeface="Mongolian Baiti"/>
+        <a:font script="Viet" typeface="Arial"/>
+        <a:font script="Uigh" typeface="Microsoft Uighur"/>
+        <a:font script="Geor" typeface="Sylfaen"/>
+        <a:font script="Armn" typeface="Arial"/>
+        <a:font script="Bugi" typeface="Leelawadee UI"/>
+        <a:font script="Bopo" typeface="Microsoft JhengHei"/>
+        <a:font script="Java" typeface="Javanese Text"/>
+        <a:font script="Lisu" typeface="Segoe UI"/>
+        <a:font script="Mymr" typeface="Myanmar Text"/>
+        <a:font script="Nkoo" typeface="Ebrima"/>
+        <a:font script="Olck" typeface="Nirmala UI"/>
+        <a:font script="Osma" typeface="Ebrima"/>
+        <a:font script="Phag" typeface="Phagspa"/>
+        <a:font script="Syrn" typeface="Estrangelo Edessa"/>
+        <a:font script="Syrj" typeface="Estrangelo Edessa"/>
+        <a:font script="Syre" typeface="Estrangelo Edessa"/>
+        <a:font script="Sora" typeface="Nirmala UI"/>
+        <a:font script="Tale" typeface="Microsoft Tai Le"/>
+        <a:font script="Talu" typeface="Microsoft New Tai Lue"/>
+        <a:font script="Tfng" typeface="Ebrima"/>
+      </a:minorFont>
+    </a:fontScheme>
+    <a:fmtScheme name="Стандартная">
+      <a:fillStyleLst>
+        <a:solidFill>
+          <a:schemeClr val="phClr"/>
+        </a:solidFill>
+        <a:gradFill rotWithShape="1">
+          <a:gsLst>
+            <a:gs pos="0">
+              <a:schemeClr val="phClr">
+                <a:lumMod val="110000"/>
+                <a:satMod val="105000"/>
+                <a:tint val="67000"/>
+              </a:schemeClr>
+            </a:gs>
+            <a:gs pos="50000">
+              <a:schemeClr val="phClr">
+                <a:lumMod val="105000"/>
+                <a:satMod val="103000"/>
+                <a:tint val="73000"/>
+              </a:schemeClr>
+            </a:gs>
+            <a:gs pos="100000">
+              <a:schemeClr val="phClr">
+                <a:lumMod val="105000"/>
+                <a:satMod val="109000"/>
+                <a:tint val="81000"/>
+              </a:schemeClr>
+            </a:gs>
+          </a:gsLst>
+          <a:lin ang="5400000" scaled="0"/>
+        </a:gradFill>
+        <a:gradFill rotWithShape="1">
+          <a:gsLst>
+            <a:gs pos="0">
+              <a:schemeClr val="phClr">
+                <a:satMod val="103000"/>
+                <a:lumMod val="102000"/>
+                <a:tint val="94000"/>
+              </a:schemeClr>
+            </a:gs>
+            <a:gs pos="50000">
+              <a:schemeClr val="phClr">
+                <a:satMod val="110000"/>
+                <a:lumMod val="100000"/>
+                <a:shade val="100000"/>
+              </a:schemeClr>
+            </a:gs>
+            <a:gs pos="100000">
+              <a:schemeClr val="phClr">
+                <a:lumMod val="99000"/>
+                <a:satMod val="120000"/>
+                <a:shade val="78000"/>
+              </a:schemeClr>
+            </a:gs>
+          </a:gsLst>
+          <a:lin ang="5400000" scaled="0"/>
+        </a:gradFill>
+      </a:fillStyleLst>
+      <a:lnStyleLst>
+        <a:ln w="6350" cap="flat" cmpd="sng" algn="ctr">
+          <a:solidFill>
+            <a:schemeClr val="phClr"/>
+          </a:solidFill>
+          <a:prstDash val="solid"/>
+          <a:miter lim="800000"/>
+        </a:ln>
+        <a:ln w="12700" cap="flat" cmpd="sng" algn="ctr">
+          <a:solidFill>
+            <a:schemeClr val="phClr"/>
+          </a:solidFill>
+          <a:prstDash val="solid"/>
+          <a:miter lim="800000"/>
+        </a:ln>
+        <a:ln w="19050" cap="flat" cmpd="sng" algn="ctr">
+          <a:solidFill>
+            <a:schemeClr val="phClr"/>
+          </a:solidFill>
+          <a:prstDash val="solid"/>
+          <a:miter lim="800000"/>
+        </a:ln>
+      </a:lnStyleLst>
+      <a:effectStyleLst>
+        <a:effectStyle>
+          <a:effectLst/>
+        </a:effectStyle>
+        <a:effectStyle>
+          <a:effectLst/>
+        </a:effectStyle>
+        <a:effectStyle>
+          <a:effectLst>
+            <a:outerShdw blurRad="57150" dist="19050" dir="5400000" algn="ctr" rotWithShape="0">
+              <a:srgbClr val="000000">
+                <a:alpha val="63000"/>
+              </a:srgbClr>
+            </a:outerShdw>
+          </a:effectLst>
+        </a:effectStyle>
+      </a:effectStyleLst>
+      <a:bgFillStyleLst>
+        <a:solidFill>
+          <a:schemeClr val="phClr"/>
+        </a:solidFill>
+        <a:solidFill>
+          <a:schemeClr val="phClr">
+            <a:tint val="95000"/>
+            <a:satMod val="170000"/>
+          </a:schemeClr>
+        </a:solidFill>
+        <a:gradFill rotWithShape="1">
+          <a:gsLst>
+            <a:gs pos="0">
+              <a:schemeClr val="phClr">
+                <a:tint val="93000"/>
+                <a:satMod val="150000"/>
+                <a:shade val="98000"/>
+                <a:lumMod val="102000"/>
+              </a:schemeClr>
+            </a:gs>
+            <a:gs pos="50000">
+              <a:schemeClr val="phClr">
+                <a:tint val="98000"/>
+                <a:satMod val="130000"/>
+                <a:shade val="90000"/>
+                <a:lumMod val="103000"/>
+              </a:schemeClr>
+            </a:gs>
+            <a:gs pos="100000">
+              <a:schemeClr val="phClr">
+                <a:shade val="63000"/>
+                <a:satMod val="120000"/>
+              </a:schemeClr>
+            </a:gs>
+          </a:gsLst>
+          <a:lin ang="5400000" scaled="0"/>
+        </a:gradFill>
+      </a:bgFillStyleLst>
+    </a:fmtScheme>
+  </a:themeElements>
+  <a:objectDefaults/>
+  <a:extraClrSchemeLst/>
+  <a:extLst>
+    <a:ext uri="{05A4C25C-085E-4340-85A3-A5531E510DB2}">
+      <thm15:themeFamily xmlns:thm15="http://schemas.microsoft.com/office/thememl/2012/main" name="Office Theme" id="{62F939B6-93AF-4DB8-9C6B-D6C7DFDC589F}" vid="{4A3C46E8-61CC-4603-A589-7422A47A8E4A}"/>
+    </a:ext>
+  </a:extLst>
+</a:theme>
 </file>
--- a/Lab-s/Translator/Presentation.pptx
+++ b/Lab-s/Translator/Presentation.pptx
@@ -5,7 +5,7 @@
     <p:sldMasterId id="2147483660" r:id="rId1"/>
   </p:sldMasterIdLst>
   <p:notesMasterIdLst>
-    <p:notesMasterId r:id="rId27"/>
+    <p:notesMasterId r:id="rId24"/>
   </p:notesMasterIdLst>
   <p:sldIdLst>
     <p:sldId id="256" r:id="rId2"/>
@@ -18,21 +18,18 @@
     <p:sldId id="275" r:id="rId9"/>
     <p:sldId id="281" r:id="rId10"/>
     <p:sldId id="282" r:id="rId11"/>
-    <p:sldId id="276" r:id="rId12"/>
-    <p:sldId id="261" r:id="rId13"/>
-    <p:sldId id="262" r:id="rId14"/>
-    <p:sldId id="263" r:id="rId15"/>
-    <p:sldId id="264" r:id="rId16"/>
-    <p:sldId id="265" r:id="rId17"/>
-    <p:sldId id="266" r:id="rId18"/>
-    <p:sldId id="267" r:id="rId19"/>
-    <p:sldId id="268" r:id="rId20"/>
-    <p:sldId id="278" r:id="rId21"/>
-    <p:sldId id="269" r:id="rId22"/>
-    <p:sldId id="270" r:id="rId23"/>
-    <p:sldId id="277" r:id="rId24"/>
-    <p:sldId id="280" r:id="rId25"/>
-    <p:sldId id="271" r:id="rId26"/>
+    <p:sldId id="261" r:id="rId12"/>
+    <p:sldId id="262" r:id="rId13"/>
+    <p:sldId id="263" r:id="rId14"/>
+    <p:sldId id="264" r:id="rId15"/>
+    <p:sldId id="265" r:id="rId16"/>
+    <p:sldId id="266" r:id="rId17"/>
+    <p:sldId id="267" r:id="rId18"/>
+    <p:sldId id="268" r:id="rId19"/>
+    <p:sldId id="278" r:id="rId20"/>
+    <p:sldId id="269" r:id="rId21"/>
+    <p:sldId id="270" r:id="rId22"/>
+    <p:sldId id="271" r:id="rId23"/>
   </p:sldIdLst>
   <p:sldSz cx="12192000" cy="6858000"/>
   <p:notesSz cx="6858000" cy="9144000"/>
@@ -221,7 +218,7 @@
           <a:p>
             <a:fld id="{61B98E9C-44E4-49A8-B30A-7E4853FF701B}" type="datetimeFigureOut">
               <a:rPr lang="ru-RU" smtClean="0"/>
-              <a:t>21.01.2024</a:t>
+              <a:t>22.01.2024</a:t>
             </a:fld>
             <a:endParaRPr lang="ru-RU"/>
           </a:p>
@@ -950,7 +947,7 @@
           <a:p>
             <a:fld id="{047DAAB8-F489-4990-BDC5-4079E9F0595A}" type="datetimeFigureOut">
               <a:rPr lang="ru-RU" smtClean="0"/>
-              <a:t>21.01.2024</a:t>
+              <a:t>22.01.2024</a:t>
             </a:fld>
             <a:endParaRPr lang="ru-RU"/>
           </a:p>
@@ -1152,7 +1149,7 @@
           <a:p>
             <a:fld id="{047DAAB8-F489-4990-BDC5-4079E9F0595A}" type="datetimeFigureOut">
               <a:rPr lang="ru-RU" smtClean="0"/>
-              <a:t>21.01.2024</a:t>
+              <a:t>22.01.2024</a:t>
             </a:fld>
             <a:endParaRPr lang="ru-RU"/>
           </a:p>
@@ -1332,7 +1329,7 @@
           <a:p>
             <a:fld id="{047DAAB8-F489-4990-BDC5-4079E9F0595A}" type="datetimeFigureOut">
               <a:rPr lang="ru-RU" smtClean="0"/>
-              <a:t>21.01.2024</a:t>
+              <a:t>22.01.2024</a:t>
             </a:fld>
             <a:endParaRPr lang="ru-RU"/>
           </a:p>
@@ -1502,7 +1499,7 @@
           <a:p>
             <a:fld id="{047DAAB8-F489-4990-BDC5-4079E9F0595A}" type="datetimeFigureOut">
               <a:rPr lang="ru-RU" smtClean="0"/>
-              <a:t>21.01.2024</a:t>
+              <a:t>22.01.2024</a:t>
             </a:fld>
             <a:endParaRPr lang="ru-RU"/>
           </a:p>
@@ -2073,7 +2070,7 @@
           <a:p>
             <a:fld id="{047DAAB8-F489-4990-BDC5-4079E9F0595A}" type="datetimeFigureOut">
               <a:rPr lang="ru-RU" smtClean="0"/>
-              <a:t>21.01.2024</a:t>
+              <a:t>22.01.2024</a:t>
             </a:fld>
             <a:endParaRPr lang="ru-RU"/>
           </a:p>
@@ -2375,7 +2372,7 @@
           <a:p>
             <a:fld id="{047DAAB8-F489-4990-BDC5-4079E9F0595A}" type="datetimeFigureOut">
               <a:rPr lang="ru-RU" smtClean="0"/>
-              <a:t>21.01.2024</a:t>
+              <a:t>22.01.2024</a:t>
             </a:fld>
             <a:endParaRPr lang="ru-RU"/>
           </a:p>
@@ -2812,7 +2809,7 @@
           <a:p>
             <a:fld id="{047DAAB8-F489-4990-BDC5-4079E9F0595A}" type="datetimeFigureOut">
               <a:rPr lang="ru-RU" smtClean="0"/>
-              <a:t>21.01.2024</a:t>
+              <a:t>22.01.2024</a:t>
             </a:fld>
             <a:endParaRPr lang="ru-RU"/>
           </a:p>
@@ -2930,7 +2927,7 @@
           <a:p>
             <a:fld id="{047DAAB8-F489-4990-BDC5-4079E9F0595A}" type="datetimeFigureOut">
               <a:rPr lang="ru-RU" smtClean="0"/>
-              <a:t>21.01.2024</a:t>
+              <a:t>22.01.2024</a:t>
             </a:fld>
             <a:endParaRPr lang="ru-RU"/>
           </a:p>
@@ -3025,7 +3022,7 @@
           <a:p>
             <a:fld id="{047DAAB8-F489-4990-BDC5-4079E9F0595A}" type="datetimeFigureOut">
               <a:rPr lang="ru-RU" smtClean="0"/>
-              <a:t>21.01.2024</a:t>
+              <a:t>22.01.2024</a:t>
             </a:fld>
             <a:endParaRPr lang="ru-RU"/>
           </a:p>
@@ -3407,7 +3404,7 @@
           <a:p>
             <a:fld id="{047DAAB8-F489-4990-BDC5-4079E9F0595A}" type="datetimeFigureOut">
               <a:rPr lang="ru-RU" smtClean="0"/>
-              <a:t>21.01.2024</a:t>
+              <a:t>22.01.2024</a:t>
             </a:fld>
             <a:endParaRPr lang="ru-RU"/>
           </a:p>
@@ -3801,7 +3798,7 @@
           <a:p>
             <a:fld id="{047DAAB8-F489-4990-BDC5-4079E9F0595A}" type="datetimeFigureOut">
               <a:rPr lang="ru-RU" smtClean="0"/>
-              <a:t>21.01.2024</a:t>
+              <a:t>22.01.2024</a:t>
             </a:fld>
             <a:endParaRPr lang="ru-RU"/>
           </a:p>
@@ -4114,7 +4111,7 @@
           <a:p>
             <a:fld id="{047DAAB8-F489-4990-BDC5-4079E9F0595A}" type="datetimeFigureOut">
               <a:rPr lang="ru-RU" smtClean="0"/>
-              <a:t>21.01.2024</a:t>
+              <a:t>22.01.2024</a:t>
             </a:fld>
             <a:endParaRPr lang="ru-RU"/>
           </a:p>
@@ -4958,7 +4955,7 @@
           <p:cNvPr id="4" name="Заголовок 3">
             <a:extLst>
               <a:ext uri="{FF2B5EF4-FFF2-40B4-BE49-F238E27FC236}">
-                <a16:creationId xmlns:a16="http://schemas.microsoft.com/office/drawing/2014/main" id="{AF072F7A-3279-493C-B66A-26385797ADED}"/>
+                <a16:creationId xmlns:a16="http://schemas.microsoft.com/office/drawing/2014/main" id="{6DF9A571-F9CB-410F-9877-CB0700881B7A}"/>
               </a:ext>
             </a:extLst>
           </p:cNvPr>
@@ -4976,7 +4973,7 @@
           <a:p>
             <a:r>
               <a:rPr lang="ru-RU" dirty="0"/>
-              <a:t>Лексический анализатор</a:t>
+              <a:t>Синтактический анализатор</a:t>
             </a:r>
           </a:p>
         </p:txBody>
@@ -4986,7 +4983,7 @@
           <p:cNvPr id="5" name="Текст 4">
             <a:extLst>
               <a:ext uri="{FF2B5EF4-FFF2-40B4-BE49-F238E27FC236}">
-                <a16:creationId xmlns:a16="http://schemas.microsoft.com/office/drawing/2014/main" id="{B278DDF8-8FB4-47F9-8124-50236253961C}"/>
+                <a16:creationId xmlns:a16="http://schemas.microsoft.com/office/drawing/2014/main" id="{6AC571B2-D883-475C-AC67-E73E6559E594}"/>
               </a:ext>
             </a:extLst>
           </p:cNvPr>
@@ -5009,7 +5006,7 @@
     </p:spTree>
     <p:extLst>
       <p:ext uri="{BB962C8B-B14F-4D97-AF65-F5344CB8AC3E}">
-        <p14:creationId xmlns:p14="http://schemas.microsoft.com/office/powerpoint/2010/main" val="2644764702"/>
+        <p14:creationId xmlns:p14="http://schemas.microsoft.com/office/powerpoint/2010/main" val="2284071136"/>
       </p:ext>
     </p:extLst>
   </p:cSld>
@@ -5041,89 +5038,6 @@
           <p:cNvPr id="4" name="Заголовок 3">
             <a:extLst>
               <a:ext uri="{FF2B5EF4-FFF2-40B4-BE49-F238E27FC236}">
-                <a16:creationId xmlns:a16="http://schemas.microsoft.com/office/drawing/2014/main" id="{6DF9A571-F9CB-410F-9877-CB0700881B7A}"/>
-              </a:ext>
-            </a:extLst>
-          </p:cNvPr>
-          <p:cNvSpPr>
-            <a:spLocks noGrp="1"/>
-          </p:cNvSpPr>
-          <p:nvPr>
-            <p:ph type="title"/>
-          </p:nvPr>
-        </p:nvSpPr>
-        <p:spPr/>
-        <p:txBody>
-          <a:bodyPr/>
-          <a:lstStyle/>
-          <a:p>
-            <a:r>
-              <a:rPr lang="ru-RU" dirty="0"/>
-              <a:t>Синтактический анализатор</a:t>
-            </a:r>
-          </a:p>
-        </p:txBody>
-      </p:sp>
-      <p:sp>
-        <p:nvSpPr>
-          <p:cNvPr id="5" name="Текст 4">
-            <a:extLst>
-              <a:ext uri="{FF2B5EF4-FFF2-40B4-BE49-F238E27FC236}">
-                <a16:creationId xmlns:a16="http://schemas.microsoft.com/office/drawing/2014/main" id="{6AC571B2-D883-475C-AC67-E73E6559E594}"/>
-              </a:ext>
-            </a:extLst>
-          </p:cNvPr>
-          <p:cNvSpPr>
-            <a:spLocks noGrp="1"/>
-          </p:cNvSpPr>
-          <p:nvPr>
-            <p:ph type="body" idx="1"/>
-          </p:nvPr>
-        </p:nvSpPr>
-        <p:spPr/>
-        <p:txBody>
-          <a:bodyPr/>
-          <a:lstStyle/>
-          <a:p>
-            <a:endParaRPr lang="ru-RU"/>
-          </a:p>
-        </p:txBody>
-      </p:sp>
-    </p:spTree>
-    <p:extLst>
-      <p:ext uri="{BB962C8B-B14F-4D97-AF65-F5344CB8AC3E}">
-        <p14:creationId xmlns:p14="http://schemas.microsoft.com/office/powerpoint/2010/main" val="2284071136"/>
-      </p:ext>
-    </p:extLst>
-  </p:cSld>
-  <p:clrMapOvr>
-    <a:masterClrMapping/>
-  </p:clrMapOvr>
-</p:sld>
-</file>
-
-<file path=ppt/slides/slide13.xml><?xml version="1.0" encoding="utf-8"?>
-<p:sld xmlns:a="http://schemas.openxmlformats.org/drawingml/2006/main" xmlns:r="http://schemas.openxmlformats.org/officeDocument/2006/relationships" xmlns:p="http://schemas.openxmlformats.org/presentationml/2006/main">
-  <p:cSld>
-    <p:spTree>
-      <p:nvGrpSpPr>
-        <p:cNvPr id="1" name=""/>
-        <p:cNvGrpSpPr/>
-        <p:nvPr/>
-      </p:nvGrpSpPr>
-      <p:grpSpPr>
-        <a:xfrm>
-          <a:off x="0" y="0"/>
-          <a:ext cx="0" cy="0"/>
-          <a:chOff x="0" y="0"/>
-          <a:chExt cx="0" cy="0"/>
-        </a:xfrm>
-      </p:grpSpPr>
-      <p:sp>
-        <p:nvSpPr>
-          <p:cNvPr id="4" name="Заголовок 3">
-            <a:extLst>
-              <a:ext uri="{FF2B5EF4-FFF2-40B4-BE49-F238E27FC236}">
                 <a16:creationId xmlns:a16="http://schemas.microsoft.com/office/drawing/2014/main" id="{123E0E61-6D06-4D5C-8A4C-CB2E115959D1}"/>
               </a:ext>
             </a:extLst>
@@ -5289,7 +5203,7 @@
 </p:sld>
 </file>
 
-<file path=ppt/slides/slide14.xml><?xml version="1.0" encoding="utf-8"?>
+<file path=ppt/slides/slide13.xml><?xml version="1.0" encoding="utf-8"?>
 <p:sld xmlns:a="http://schemas.openxmlformats.org/drawingml/2006/main" xmlns:r="http://schemas.openxmlformats.org/officeDocument/2006/relationships" xmlns:p="http://schemas.openxmlformats.org/presentationml/2006/main">
   <p:cSld>
     <p:spTree>
@@ -5437,7 +5351,7 @@
 </p:sld>
 </file>
 
-<file path=ppt/slides/slide15.xml><?xml version="1.0" encoding="utf-8"?>
+<file path=ppt/slides/slide14.xml><?xml version="1.0" encoding="utf-8"?>
 <p:sld xmlns:a="http://schemas.openxmlformats.org/drawingml/2006/main" xmlns:r="http://schemas.openxmlformats.org/officeDocument/2006/relationships" xmlns:p="http://schemas.openxmlformats.org/presentationml/2006/main">
   <p:cSld>
     <p:spTree>
@@ -5587,7 +5501,7 @@
 </p:sld>
 </file>
 
-<file path=ppt/slides/slide16.xml><?xml version="1.0" encoding="utf-8"?>
+<file path=ppt/slides/slide15.xml><?xml version="1.0" encoding="utf-8"?>
 <p:sld xmlns:a="http://schemas.openxmlformats.org/drawingml/2006/main" xmlns:r="http://schemas.openxmlformats.org/officeDocument/2006/relationships" xmlns:p="http://schemas.openxmlformats.org/presentationml/2006/main">
   <p:cSld>
     <p:spTree>
@@ -5710,7 +5624,7 @@
 </p:sld>
 </file>
 
-<file path=ppt/slides/slide17.xml><?xml version="1.0" encoding="utf-8"?>
+<file path=ppt/slides/slide16.xml><?xml version="1.0" encoding="utf-8"?>
 <p:sld xmlns:a="http://schemas.openxmlformats.org/drawingml/2006/main" xmlns:r="http://schemas.openxmlformats.org/officeDocument/2006/relationships" xmlns:p="http://schemas.openxmlformats.org/presentationml/2006/main">
   <p:cSld>
     <p:spTree>
@@ -5916,7 +5830,7 @@
 </p:sld>
 </file>
 
-<file path=ppt/slides/slide18.xml><?xml version="1.0" encoding="utf-8"?>
+<file path=ppt/slides/slide17.xml><?xml version="1.0" encoding="utf-8"?>
 <p:sld xmlns:a="http://schemas.openxmlformats.org/drawingml/2006/main" xmlns:r="http://schemas.openxmlformats.org/officeDocument/2006/relationships" xmlns:p="http://schemas.openxmlformats.org/presentationml/2006/main">
   <p:cSld>
     <p:spTree>
@@ -6077,6 +5991,128 @@
 </p:sld>
 </file>
 
+<file path=ppt/slides/slide18.xml><?xml version="1.0" encoding="utf-8"?>
+<p:sld xmlns:a="http://schemas.openxmlformats.org/drawingml/2006/main" xmlns:r="http://schemas.openxmlformats.org/officeDocument/2006/relationships" xmlns:p="http://schemas.openxmlformats.org/presentationml/2006/main">
+  <p:cSld>
+    <p:spTree>
+      <p:nvGrpSpPr>
+        <p:cNvPr id="1" name=""/>
+        <p:cNvGrpSpPr/>
+        <p:nvPr/>
+      </p:nvGrpSpPr>
+      <p:grpSpPr>
+        <a:xfrm>
+          <a:off x="0" y="0"/>
+          <a:ext cx="0" cy="0"/>
+          <a:chOff x="0" y="0"/>
+          <a:chExt cx="0" cy="0"/>
+        </a:xfrm>
+      </p:grpSpPr>
+      <p:sp>
+        <p:nvSpPr>
+          <p:cNvPr id="2" name="Заголовок 1">
+            <a:extLst>
+              <a:ext uri="{FF2B5EF4-FFF2-40B4-BE49-F238E27FC236}">
+                <a16:creationId xmlns:a16="http://schemas.microsoft.com/office/drawing/2014/main" id="{F5C967F1-C92B-4BAD-9C4A-69BFBDCD530F}"/>
+              </a:ext>
+            </a:extLst>
+          </p:cNvPr>
+          <p:cNvSpPr>
+            <a:spLocks noGrp="1"/>
+          </p:cNvSpPr>
+          <p:nvPr>
+            <p:ph type="title"/>
+          </p:nvPr>
+        </p:nvSpPr>
+        <p:spPr/>
+        <p:txBody>
+          <a:bodyPr>
+            <a:normAutofit fontScale="90000"/>
+          </a:bodyPr>
+          <a:lstStyle/>
+          <a:p>
+            <a:r>
+              <a:rPr lang="en-US" dirty="0"/>
+              <a:t>2. </a:t>
+            </a:r>
+            <a:r>
+              <a:rPr lang="ru-RU" dirty="0"/>
+              <a:t>Синтаксический анализ</a:t>
+            </a:r>
+            <a:br>
+              <a:rPr lang="ru-RU" dirty="0"/>
+            </a:br>
+            <a:r>
+              <a:rPr lang="ru-RU" dirty="0"/>
+              <a:t>всего кода</a:t>
+            </a:r>
+          </a:p>
+        </p:txBody>
+      </p:sp>
+      <p:sp>
+        <p:nvSpPr>
+          <p:cNvPr id="3" name="Объект 2">
+            <a:extLst>
+              <a:ext uri="{FF2B5EF4-FFF2-40B4-BE49-F238E27FC236}">
+                <a16:creationId xmlns:a16="http://schemas.microsoft.com/office/drawing/2014/main" id="{EC255B3F-BD92-43BA-847A-C57D1065E5CD}"/>
+              </a:ext>
+            </a:extLst>
+          </p:cNvPr>
+          <p:cNvSpPr>
+            <a:spLocks noGrp="1"/>
+          </p:cNvSpPr>
+          <p:nvPr>
+            <p:ph idx="1"/>
+          </p:nvPr>
+        </p:nvSpPr>
+        <p:spPr/>
+        <p:txBody>
+          <a:bodyPr/>
+          <a:lstStyle/>
+          <a:p>
+            <a:pPr marL="0" indent="0">
+              <a:buNone/>
+            </a:pPr>
+            <a:r>
+              <a:rPr lang="ru-RU" dirty="0"/>
+              <a:t>Синтаксический анализ разбивается на 2 простых этапа:</a:t>
+            </a:r>
+          </a:p>
+          <a:p>
+            <a:pPr marL="342900" indent="-342900">
+              <a:buFont typeface="+mj-lt"/>
+              <a:buAutoNum type="arabicParenR"/>
+            </a:pPr>
+            <a:r>
+              <a:rPr lang="ru-RU" dirty="0"/>
+              <a:t>Разделение списка лексем на части.</a:t>
+            </a:r>
+          </a:p>
+          <a:p>
+            <a:pPr marL="342900" indent="-342900">
+              <a:buFont typeface="+mj-lt"/>
+              <a:buAutoNum type="arabicParenR"/>
+            </a:pPr>
+            <a:r>
+              <a:rPr lang="ru-RU" dirty="0"/>
+              <a:t>Синтаксический разбор каждой части.</a:t>
+            </a:r>
+          </a:p>
+        </p:txBody>
+      </p:sp>
+    </p:spTree>
+    <p:extLst>
+      <p:ext uri="{BB962C8B-B14F-4D97-AF65-F5344CB8AC3E}">
+        <p14:creationId xmlns:p14="http://schemas.microsoft.com/office/powerpoint/2010/main" val="1475249208"/>
+      </p:ext>
+    </p:extLst>
+  </p:cSld>
+  <p:clrMapOvr>
+    <a:masterClrMapping/>
+  </p:clrMapOvr>
+</p:sld>
+</file>
+
 <file path=ppt/slides/slide19.xml><?xml version="1.0" encoding="utf-8"?>
 <p:sld xmlns:a="http://schemas.openxmlformats.org/drawingml/2006/main" xmlns:r="http://schemas.openxmlformats.org/officeDocument/2006/relationships" xmlns:p="http://schemas.openxmlformats.org/presentationml/2006/main">
   <p:cSld>
@@ -6099,7 +6135,7 @@
           <p:cNvPr id="2" name="Заголовок 1">
             <a:extLst>
               <a:ext uri="{FF2B5EF4-FFF2-40B4-BE49-F238E27FC236}">
-                <a16:creationId xmlns:a16="http://schemas.microsoft.com/office/drawing/2014/main" id="{F5C967F1-C92B-4BAD-9C4A-69BFBDCD530F}"/>
+                <a16:creationId xmlns:a16="http://schemas.microsoft.com/office/drawing/2014/main" id="{8180968A-1480-49E2-86D3-597F49CFA98E}"/>
               </a:ext>
             </a:extLst>
           </p:cNvPr>
@@ -6118,19 +6154,8 @@
           <a:lstStyle/>
           <a:p>
             <a:r>
-              <a:rPr lang="en-US" dirty="0"/>
-              <a:t>2. </a:t>
-            </a:r>
-            <a:r>
               <a:rPr lang="ru-RU" dirty="0"/>
-              <a:t>Синтаксический анализ</a:t>
-            </a:r>
-            <a:br>
-              <a:rPr lang="ru-RU" dirty="0"/>
-            </a:br>
-            <a:r>
-              <a:rPr lang="ru-RU" dirty="0"/>
-              <a:t>всего кода</a:t>
+              <a:t>2.1. Разбор всего кода на части - «ветки»</a:t>
             </a:r>
           </a:p>
         </p:txBody>
@@ -6140,7 +6165,7 @@
           <p:cNvPr id="3" name="Объект 2">
             <a:extLst>
               <a:ext uri="{FF2B5EF4-FFF2-40B4-BE49-F238E27FC236}">
-                <a16:creationId xmlns:a16="http://schemas.microsoft.com/office/drawing/2014/main" id="{EC255B3F-BD92-43BA-847A-C57D1065E5CD}"/>
+                <a16:creationId xmlns:a16="http://schemas.microsoft.com/office/drawing/2014/main" id="{D7E16845-DD7F-411E-A493-EAA2E6CB0211}"/>
               </a:ext>
             </a:extLst>
           </p:cNvPr>
@@ -6161,27 +6186,24 @@
             </a:pPr>
             <a:r>
               <a:rPr lang="ru-RU" dirty="0"/>
-              <a:t>Синтаксический анализ разбивается на 2 простых этапа:</a:t>
-            </a:r>
-          </a:p>
-          <a:p>
-            <a:pPr marL="342900" indent="-342900">
-              <a:buFont typeface="+mj-lt"/>
-              <a:buAutoNum type="arabicParenR"/>
+              <a:t>Данный этап делит весь код на отдельные части – «ветки».</a:t>
+            </a:r>
+          </a:p>
+          <a:p>
+            <a:pPr marL="0" indent="0">
+              <a:buNone/>
             </a:pPr>
             <a:r>
               <a:rPr lang="ru-RU" dirty="0"/>
-              <a:t>Разделение списка лексем на части.</a:t>
-            </a:r>
-          </a:p>
-          <a:p>
-            <a:pPr marL="342900" indent="-342900">
-              <a:buFont typeface="+mj-lt"/>
-              <a:buAutoNum type="arabicParenR"/>
-            </a:pPr>
+              <a:t>Разделителем на этом шаге служит синтаксический разделитель – </a:t>
+            </a:r>
+            <a:r>
+              <a:rPr lang="en-US" dirty="0"/>
+              <a:t>‘.’</a:t>
+            </a:r>
             <a:r>
               <a:rPr lang="ru-RU" dirty="0"/>
-              <a:t>Синтаксический разбор каждой части.</a:t>
+              <a:t>.</a:t>
             </a:r>
           </a:p>
         </p:txBody>
@@ -6189,7 +6211,7 @@
     </p:spTree>
     <p:extLst>
       <p:ext uri="{BB962C8B-B14F-4D97-AF65-F5344CB8AC3E}">
-        <p14:creationId xmlns:p14="http://schemas.microsoft.com/office/powerpoint/2010/main" val="1475249208"/>
+        <p14:creationId xmlns:p14="http://schemas.microsoft.com/office/powerpoint/2010/main" val="1590368338"/>
       </p:ext>
     </p:extLst>
   </p:cSld>
@@ -6311,7 +6333,7 @@
           <p:cNvPr id="2" name="Заголовок 1">
             <a:extLst>
               <a:ext uri="{FF2B5EF4-FFF2-40B4-BE49-F238E27FC236}">
-                <a16:creationId xmlns:a16="http://schemas.microsoft.com/office/drawing/2014/main" id="{8180968A-1480-49E2-86D3-597F49CFA98E}"/>
+                <a16:creationId xmlns:a16="http://schemas.microsoft.com/office/drawing/2014/main" id="{947BC419-40C9-4E87-9909-9EA717ED187B}"/>
               </a:ext>
             </a:extLst>
           </p:cNvPr>
@@ -6324,14 +6346,12 @@
         </p:nvSpPr>
         <p:spPr/>
         <p:txBody>
-          <a:bodyPr>
-            <a:normAutofit fontScale="90000"/>
-          </a:bodyPr>
+          <a:bodyPr/>
           <a:lstStyle/>
           <a:p>
             <a:r>
               <a:rPr lang="ru-RU" dirty="0"/>
-              <a:t>2.1. Разбор всего кода на части - «ветки»</a:t>
+              <a:t>2.2. Разбор ветки</a:t>
             </a:r>
           </a:p>
         </p:txBody>
@@ -6341,7 +6361,7 @@
           <p:cNvPr id="3" name="Объект 2">
             <a:extLst>
               <a:ext uri="{FF2B5EF4-FFF2-40B4-BE49-F238E27FC236}">
-                <a16:creationId xmlns:a16="http://schemas.microsoft.com/office/drawing/2014/main" id="{D7E16845-DD7F-411E-A493-EAA2E6CB0211}"/>
+                <a16:creationId xmlns:a16="http://schemas.microsoft.com/office/drawing/2014/main" id="{E84275D0-35A4-4A21-8340-4653837C1C5B}"/>
               </a:ext>
             </a:extLst>
           </p:cNvPr>
@@ -6362,7 +6382,7 @@
             </a:pPr>
             <a:r>
               <a:rPr lang="ru-RU" dirty="0"/>
-              <a:t>Данный этап делит весь код на отдельные части – «ветки».</a:t>
+              <a:t>Разбор ветки работает по принципу калькулятора, использующего 2 стека: операнды и операторы.</a:t>
             </a:r>
           </a:p>
           <a:p>
@@ -6371,15 +6391,16 @@
             </a:pPr>
             <a:r>
               <a:rPr lang="ru-RU" dirty="0"/>
-              <a:t>Разделителем на этом шаге служит синтаксический разделитель – </a:t>
-            </a:r>
-            <a:r>
-              <a:rPr lang="en-US" dirty="0"/>
-              <a:t>‘.’</a:t>
-            </a:r>
+              <a:t>Операнды это все переменные.</a:t>
+            </a:r>
+          </a:p>
+          <a:p>
+            <a:pPr marL="0" indent="0">
+              <a:buNone/>
+            </a:pPr>
             <a:r>
               <a:rPr lang="ru-RU" dirty="0"/>
-              <a:t>.</a:t>
+              <a:t>Операторы – всё остальное (не считая неидентифицированные лексемы).</a:t>
             </a:r>
           </a:p>
         </p:txBody>
@@ -6387,7 +6408,7 @@
     </p:spTree>
     <p:extLst>
       <p:ext uri="{BB962C8B-B14F-4D97-AF65-F5344CB8AC3E}">
-        <p14:creationId xmlns:p14="http://schemas.microsoft.com/office/powerpoint/2010/main" val="1590368338"/>
+        <p14:creationId xmlns:p14="http://schemas.microsoft.com/office/powerpoint/2010/main" val="2659840564"/>
       </p:ext>
     </p:extLst>
   </p:cSld>
@@ -6419,113 +6440,6 @@
           <p:cNvPr id="2" name="Заголовок 1">
             <a:extLst>
               <a:ext uri="{FF2B5EF4-FFF2-40B4-BE49-F238E27FC236}">
-                <a16:creationId xmlns:a16="http://schemas.microsoft.com/office/drawing/2014/main" id="{947BC419-40C9-4E87-9909-9EA717ED187B}"/>
-              </a:ext>
-            </a:extLst>
-          </p:cNvPr>
-          <p:cNvSpPr>
-            <a:spLocks noGrp="1"/>
-          </p:cNvSpPr>
-          <p:nvPr>
-            <p:ph type="title"/>
-          </p:nvPr>
-        </p:nvSpPr>
-        <p:spPr/>
-        <p:txBody>
-          <a:bodyPr/>
-          <a:lstStyle/>
-          <a:p>
-            <a:r>
-              <a:rPr lang="ru-RU" dirty="0"/>
-              <a:t>2.2. Разбор ветки</a:t>
-            </a:r>
-          </a:p>
-        </p:txBody>
-      </p:sp>
-      <p:sp>
-        <p:nvSpPr>
-          <p:cNvPr id="3" name="Объект 2">
-            <a:extLst>
-              <a:ext uri="{FF2B5EF4-FFF2-40B4-BE49-F238E27FC236}">
-                <a16:creationId xmlns:a16="http://schemas.microsoft.com/office/drawing/2014/main" id="{E84275D0-35A4-4A21-8340-4653837C1C5B}"/>
-              </a:ext>
-            </a:extLst>
-          </p:cNvPr>
-          <p:cNvSpPr>
-            <a:spLocks noGrp="1"/>
-          </p:cNvSpPr>
-          <p:nvPr>
-            <p:ph idx="1"/>
-          </p:nvPr>
-        </p:nvSpPr>
-        <p:spPr/>
-        <p:txBody>
-          <a:bodyPr/>
-          <a:lstStyle/>
-          <a:p>
-            <a:pPr marL="0" indent="0">
-              <a:buNone/>
-            </a:pPr>
-            <a:r>
-              <a:rPr lang="ru-RU" dirty="0"/>
-              <a:t>Разбор ветки работает по принципу калькулятора, использующего 2 стека: операнды и операторы.</a:t>
-            </a:r>
-          </a:p>
-          <a:p>
-            <a:pPr marL="0" indent="0">
-              <a:buNone/>
-            </a:pPr>
-            <a:r>
-              <a:rPr lang="ru-RU" dirty="0"/>
-              <a:t>Операнды это все переменные.</a:t>
-            </a:r>
-          </a:p>
-          <a:p>
-            <a:pPr marL="0" indent="0">
-              <a:buNone/>
-            </a:pPr>
-            <a:r>
-              <a:rPr lang="ru-RU" dirty="0"/>
-              <a:t>Операторы – всё остальное (не считая неидентифицированные лексемы).</a:t>
-            </a:r>
-          </a:p>
-        </p:txBody>
-      </p:sp>
-    </p:spTree>
-    <p:extLst>
-      <p:ext uri="{BB962C8B-B14F-4D97-AF65-F5344CB8AC3E}">
-        <p14:creationId xmlns:p14="http://schemas.microsoft.com/office/powerpoint/2010/main" val="2659840564"/>
-      </p:ext>
-    </p:extLst>
-  </p:cSld>
-  <p:clrMapOvr>
-    <a:masterClrMapping/>
-  </p:clrMapOvr>
-</p:sld>
-</file>
-
-<file path=ppt/slides/slide22.xml><?xml version="1.0" encoding="utf-8"?>
-<p:sld xmlns:a="http://schemas.openxmlformats.org/drawingml/2006/main" xmlns:r="http://schemas.openxmlformats.org/officeDocument/2006/relationships" xmlns:p="http://schemas.openxmlformats.org/presentationml/2006/main">
-  <p:cSld>
-    <p:spTree>
-      <p:nvGrpSpPr>
-        <p:cNvPr id="1" name=""/>
-        <p:cNvGrpSpPr/>
-        <p:nvPr/>
-      </p:nvGrpSpPr>
-      <p:grpSpPr>
-        <a:xfrm>
-          <a:off x="0" y="0"/>
-          <a:ext cx="0" cy="0"/>
-          <a:chOff x="0" y="0"/>
-          <a:chExt cx="0" cy="0"/>
-        </a:xfrm>
-      </p:grpSpPr>
-      <p:sp>
-        <p:nvSpPr>
-          <p:cNvPr id="2" name="Заголовок 1">
-            <a:extLst>
-              <a:ext uri="{FF2B5EF4-FFF2-40B4-BE49-F238E27FC236}">
                 <a16:creationId xmlns:a16="http://schemas.microsoft.com/office/drawing/2014/main" id="{6BE59CB9-EE51-4440-9B94-6C9E138BB592}"/>
               </a:ext>
             </a:extLst>
@@ -6567,12 +6481,14 @@
         </p:nvSpPr>
         <p:spPr>
           <a:xfrm>
-            <a:off x="1066800" y="2103120"/>
-            <a:ext cx="10058400" cy="415962"/>
+            <a:off x="1066800" y="2103119"/>
+            <a:ext cx="10058400" cy="988785"/>
           </a:xfrm>
         </p:spPr>
         <p:txBody>
-          <a:bodyPr/>
+          <a:bodyPr>
+            <a:normAutofit/>
+          </a:bodyPr>
           <a:lstStyle/>
           <a:p>
             <a:pPr marL="0" indent="0">
@@ -6584,11 +6500,19 @@
             </a:r>
             <a:r>
               <a:rPr lang="en-US" dirty="0"/>
-              <a:t>[ (‘</a:t>
+              <a:t>[ (‘2’, </a:t>
             </a:r>
             <a:r>
               <a:rPr lang="ru-RU" dirty="0"/>
-              <a:t>пер</a:t>
+              <a:t>Число), (</a:t>
+            </a:r>
+            <a:r>
+              <a:rPr lang="en-US" dirty="0"/>
+              <a:t>‘</a:t>
+            </a:r>
+            <a:r>
+              <a:rPr lang="ru-RU" dirty="0"/>
+              <a:t>плюс</a:t>
             </a:r>
             <a:r>
               <a:rPr lang="en-US" dirty="0"/>
@@ -6596,7 +6520,31 @@
             </a:r>
             <a:r>
               <a:rPr lang="ru-RU" dirty="0"/>
-              <a:t>Переменная), (</a:t>
+              <a:t>Прибавление</a:t>
+            </a:r>
+            <a:r>
+              <a:rPr lang="en-US" dirty="0"/>
+              <a:t>), (‘</a:t>
+            </a:r>
+            <a:r>
+              <a:rPr lang="ru-RU" dirty="0"/>
+              <a:t>2</a:t>
+            </a:r>
+            <a:r>
+              <a:rPr lang="en-US" dirty="0"/>
+              <a:t>’, </a:t>
+            </a:r>
+            <a:r>
+              <a:rPr lang="ru-RU" dirty="0"/>
+              <a:t>Число</a:t>
+            </a:r>
+            <a:r>
+              <a:rPr lang="en-US" dirty="0"/>
+              <a:t>), </a:t>
+            </a:r>
+            <a:r>
+              <a:rPr lang="ru-RU" dirty="0"/>
+              <a:t>(</a:t>
             </a:r>
             <a:r>
               <a:rPr lang="en-US" dirty="0"/>
@@ -6604,7 +6552,7 @@
             </a:r>
             <a:r>
               <a:rPr lang="ru-RU" dirty="0"/>
-              <a:t>будет</a:t>
+              <a:t>умножить</a:t>
             </a:r>
             <a:r>
               <a:rPr lang="en-US" dirty="0"/>
@@ -6612,7 +6560,7 @@
             </a:r>
             <a:r>
               <a:rPr lang="ru-RU" dirty="0"/>
-              <a:t>Присваивание</a:t>
+              <a:t>Умножение</a:t>
             </a:r>
             <a:r>
               <a:rPr lang="en-US" dirty="0"/>
@@ -6632,7 +6580,15 @@
             </a:r>
             <a:r>
               <a:rPr lang="en-US" dirty="0"/>
-              <a:t>) ]</a:t>
+              <a:t>)</a:t>
+            </a:r>
+            <a:r>
+              <a:rPr lang="ru-RU" dirty="0"/>
+              <a:t> </a:t>
+            </a:r>
+            <a:r>
+              <a:rPr lang="en-US" dirty="0"/>
+              <a:t>]</a:t>
             </a:r>
             <a:endParaRPr lang="ru-RU" dirty="0"/>
           </a:p>
@@ -6751,14 +6707,15 @@
         </p:nvCxnSpPr>
         <p:spPr>
           <a:xfrm flipV="1">
-            <a:off x="3352800" y="2519082"/>
+            <a:off x="2724150" y="2558303"/>
             <a:ext cx="0" cy="504888"/>
           </a:xfrm>
           <a:prstGeom prst="straightConnector1">
             <a:avLst/>
           </a:prstGeom>
           <a:ln>
-            <a:tailEnd type="triangle"/>
+            <a:headEnd type="none" w="med" len="med"/>
+            <a:tailEnd type="arrow" w="med" len="med"/>
           </a:ln>
         </p:spPr>
         <p:style>
@@ -6778,76 +6735,6 @@
       </p:cxnSp>
       <p:sp>
         <p:nvSpPr>
-          <p:cNvPr id="15" name="TextBox 14">
-            <a:extLst>
-              <a:ext uri="{FF2B5EF4-FFF2-40B4-BE49-F238E27FC236}">
-                <a16:creationId xmlns:a16="http://schemas.microsoft.com/office/drawing/2014/main" id="{D53E0779-8B49-4A91-BCF6-443BBDD714E4}"/>
-              </a:ext>
-            </a:extLst>
-          </p:cNvPr>
-          <p:cNvSpPr txBox="1"/>
-          <p:nvPr/>
-        </p:nvSpPr>
-        <p:spPr>
-          <a:xfrm>
-            <a:off x="3718967" y="5237019"/>
-            <a:ext cx="630301" cy="369332"/>
-          </a:xfrm>
-          <a:prstGeom prst="rect">
-            <a:avLst/>
-          </a:prstGeom>
-          <a:noFill/>
-        </p:spPr>
-        <p:txBody>
-          <a:bodyPr wrap="none" rtlCol="0">
-            <a:spAutoFit/>
-          </a:bodyPr>
-          <a:lstStyle/>
-          <a:p>
-            <a:r>
-              <a:rPr lang="ru-RU" dirty="0"/>
-              <a:t>пер</a:t>
-            </a:r>
-          </a:p>
-        </p:txBody>
-      </p:sp>
-      <p:sp>
-        <p:nvSpPr>
-          <p:cNvPr id="22" name="TextBox 21">
-            <a:extLst>
-              <a:ext uri="{FF2B5EF4-FFF2-40B4-BE49-F238E27FC236}">
-                <a16:creationId xmlns:a16="http://schemas.microsoft.com/office/drawing/2014/main" id="{64993BF4-9BF9-4357-B507-CA4D55BC0433}"/>
-              </a:ext>
-            </a:extLst>
-          </p:cNvPr>
-          <p:cNvSpPr txBox="1"/>
-          <p:nvPr/>
-        </p:nvSpPr>
-        <p:spPr>
-          <a:xfrm>
-            <a:off x="7473241" y="5375055"/>
-            <a:ext cx="1369286" cy="369332"/>
-          </a:xfrm>
-          <a:prstGeom prst="rect">
-            <a:avLst/>
-          </a:prstGeom>
-          <a:noFill/>
-        </p:spPr>
-        <p:txBody>
-          <a:bodyPr wrap="none" rtlCol="0">
-            <a:spAutoFit/>
-          </a:bodyPr>
-          <a:lstStyle/>
-          <a:p>
-            <a:r>
-              <a:rPr lang="ru-RU" dirty="0"/>
-              <a:t>присвоить</a:t>
-            </a:r>
-          </a:p>
-        </p:txBody>
-      </p:sp>
-      <p:sp>
-        <p:nvSpPr>
           <p:cNvPr id="23" name="TextBox 22">
             <a:extLst>
               <a:ext uri="{FF2B5EF4-FFF2-40B4-BE49-F238E27FC236}">
@@ -6860,7 +6747,7 @@
         </p:nvSpPr>
         <p:spPr>
           <a:xfrm>
-            <a:off x="3877664" y="4846164"/>
+            <a:off x="3877664" y="5326224"/>
             <a:ext cx="312906" cy="369332"/>
           </a:xfrm>
           <a:prstGeom prst="rect">
@@ -6881,28 +6768,173 @@
           </a:p>
         </p:txBody>
       </p:sp>
-      <p:cxnSp>
-        <p:nvCxnSpPr>
-          <p:cNvPr id="25" name="Прямая со стрелкой 24">
+      <p:sp>
+        <p:nvSpPr>
+          <p:cNvPr id="18" name="TextBox 17">
             <a:extLst>
               <a:ext uri="{FF2B5EF4-FFF2-40B4-BE49-F238E27FC236}">
-                <a16:creationId xmlns:a16="http://schemas.microsoft.com/office/drawing/2014/main" id="{B2A75ACF-FDE1-4164-B9E8-1D87AC43B63F}"/>
+                <a16:creationId xmlns:a16="http://schemas.microsoft.com/office/drawing/2014/main" id="{0CEC1248-7B1D-4B59-95B0-1F8A76650E9F}"/>
               </a:ext>
             </a:extLst>
           </p:cNvPr>
-          <p:cNvCxnSpPr/>
+          <p:cNvSpPr txBox="1"/>
+          <p:nvPr/>
+        </p:nvSpPr>
+        <p:spPr>
+          <a:xfrm>
+            <a:off x="7761782" y="5326224"/>
+            <a:ext cx="792205" cy="369332"/>
+          </a:xfrm>
+          <a:prstGeom prst="rect">
+            <a:avLst/>
+          </a:prstGeom>
+          <a:noFill/>
+        </p:spPr>
+        <p:txBody>
+          <a:bodyPr wrap="none" rtlCol="0">
+            <a:spAutoFit/>
+          </a:bodyPr>
+          <a:lstStyle/>
+          <a:p>
+            <a:pPr algn="ctr"/>
+            <a:r>
+              <a:rPr lang="ru-RU" dirty="0"/>
+              <a:t>плюс</a:t>
+            </a:r>
+          </a:p>
+        </p:txBody>
+      </p:sp>
+      <p:sp>
+        <p:nvSpPr>
+          <p:cNvPr id="29" name="TextBox 28">
+            <a:extLst>
+              <a:ext uri="{FF2B5EF4-FFF2-40B4-BE49-F238E27FC236}">
+                <a16:creationId xmlns:a16="http://schemas.microsoft.com/office/drawing/2014/main" id="{D6EBEEDB-00DF-4195-98BF-2ABD45E5DECD}"/>
+              </a:ext>
+            </a:extLst>
+          </p:cNvPr>
+          <p:cNvSpPr txBox="1"/>
+          <p:nvPr/>
+        </p:nvSpPr>
+        <p:spPr>
+          <a:xfrm>
+            <a:off x="3877664" y="4843319"/>
+            <a:ext cx="312906" cy="369332"/>
+          </a:xfrm>
+          <a:prstGeom prst="rect">
+            <a:avLst/>
+          </a:prstGeom>
+          <a:noFill/>
+        </p:spPr>
+        <p:txBody>
+          <a:bodyPr wrap="none" rtlCol="0">
+            <a:spAutoFit/>
+          </a:bodyPr>
+          <a:lstStyle/>
+          <a:p>
+            <a:r>
+              <a:rPr lang="ru-RU" dirty="0"/>
+              <a:t>2</a:t>
+            </a:r>
+          </a:p>
+        </p:txBody>
+      </p:sp>
+      <p:sp>
+        <p:nvSpPr>
+          <p:cNvPr id="42" name="TextBox 41">
+            <a:extLst>
+              <a:ext uri="{FF2B5EF4-FFF2-40B4-BE49-F238E27FC236}">
+                <a16:creationId xmlns:a16="http://schemas.microsoft.com/office/drawing/2014/main" id="{A07F8707-5C54-4C64-B424-A560A7CBEDB8}"/>
+              </a:ext>
+            </a:extLst>
+          </p:cNvPr>
+          <p:cNvSpPr txBox="1"/>
+          <p:nvPr/>
+        </p:nvSpPr>
+        <p:spPr>
+          <a:xfrm>
+            <a:off x="7498891" y="4843319"/>
+            <a:ext cx="1317990" cy="369332"/>
+          </a:xfrm>
+          <a:prstGeom prst="rect">
+            <a:avLst/>
+          </a:prstGeom>
+          <a:noFill/>
+        </p:spPr>
+        <p:txBody>
+          <a:bodyPr wrap="none" rtlCol="0">
+            <a:spAutoFit/>
+          </a:bodyPr>
+          <a:lstStyle/>
+          <a:p>
+            <a:pPr algn="ctr"/>
+            <a:r>
+              <a:rPr lang="ru-RU" dirty="0"/>
+              <a:t>умножить</a:t>
+            </a:r>
+          </a:p>
+        </p:txBody>
+      </p:sp>
+      <p:sp>
+        <p:nvSpPr>
+          <p:cNvPr id="47" name="TextBox 46">
+            <a:extLst>
+              <a:ext uri="{FF2B5EF4-FFF2-40B4-BE49-F238E27FC236}">
+                <a16:creationId xmlns:a16="http://schemas.microsoft.com/office/drawing/2014/main" id="{C25F5C3A-F655-4129-A182-BA8B1B0EADFF}"/>
+              </a:ext>
+            </a:extLst>
+          </p:cNvPr>
+          <p:cNvSpPr txBox="1"/>
+          <p:nvPr/>
+        </p:nvSpPr>
+        <p:spPr>
+          <a:xfrm>
+            <a:off x="3877664" y="4308569"/>
+            <a:ext cx="312906" cy="369332"/>
+          </a:xfrm>
+          <a:prstGeom prst="rect">
+            <a:avLst/>
+          </a:prstGeom>
+          <a:noFill/>
+        </p:spPr>
+        <p:txBody>
+          <a:bodyPr wrap="none" rtlCol="0">
+            <a:spAutoFit/>
+          </a:bodyPr>
+          <a:lstStyle/>
+          <a:p>
+            <a:r>
+              <a:rPr lang="ru-RU" dirty="0"/>
+              <a:t>2</a:t>
+            </a:r>
+          </a:p>
+        </p:txBody>
+      </p:sp>
+      <p:cxnSp>
+        <p:nvCxnSpPr>
+          <p:cNvPr id="65" name="Прямая со стрелкой 64">
+            <a:extLst>
+              <a:ext uri="{FF2B5EF4-FFF2-40B4-BE49-F238E27FC236}">
+                <a16:creationId xmlns:a16="http://schemas.microsoft.com/office/drawing/2014/main" id="{1061B393-2E4E-4638-9E52-74F992B745E6}"/>
+              </a:ext>
+            </a:extLst>
+          </p:cNvPr>
+          <p:cNvCxnSpPr>
+            <a:cxnSpLocks/>
+          </p:cNvCxnSpPr>
           <p:nvPr/>
         </p:nvCxnSpPr>
         <p:spPr>
-          <a:xfrm flipH="1">
-            <a:off x="8956964" y="5559721"/>
-            <a:ext cx="550718" cy="0"/>
+          <a:xfrm flipV="1">
+            <a:off x="1783080" y="2810747"/>
+            <a:ext cx="0" cy="504887"/>
           </a:xfrm>
           <a:prstGeom prst="straightConnector1">
             <a:avLst/>
           </a:prstGeom>
           <a:ln>
-            <a:tailEnd type="triangle"/>
+            <a:headEnd type="none" w="med" len="med"/>
+            <a:tailEnd type="arrow" w="med" len="med"/>
           </a:ln>
         </p:spPr>
         <p:style>
@@ -6922,10 +6954,10 @@
       </p:cxnSp>
       <p:cxnSp>
         <p:nvCxnSpPr>
-          <p:cNvPr id="27" name="Прямая соединительная линия 26">
+          <p:cNvPr id="71" name="Прямая со стрелкой 70">
             <a:extLst>
               <a:ext uri="{FF2B5EF4-FFF2-40B4-BE49-F238E27FC236}">
-                <a16:creationId xmlns:a16="http://schemas.microsoft.com/office/drawing/2014/main" id="{7C427684-6432-4676-AA9C-0DDD96ADE44E}"/>
+                <a16:creationId xmlns:a16="http://schemas.microsoft.com/office/drawing/2014/main" id="{2DBFD246-A784-4CF5-B043-432F2065E803}"/>
               </a:ext>
             </a:extLst>
           </p:cNvPr>
@@ -6934,31 +6966,25 @@
         </p:nvCxnSpPr>
         <p:spPr>
           <a:xfrm flipH="1">
-            <a:off x="5621482" y="3896591"/>
-            <a:ext cx="342900" cy="467591"/>
+            <a:off x="5669280" y="3966210"/>
+            <a:ext cx="251460" cy="342359"/>
           </a:xfrm>
-          <a:prstGeom prst="line">
+          <a:prstGeom prst="straightConnector1">
             <a:avLst/>
           </a:prstGeom>
-          <a:ln w="9525" cap="flat" cmpd="sng" algn="ctr">
-            <a:solidFill>
-              <a:schemeClr val="dk1"/>
-            </a:solidFill>
-            <a:prstDash val="solid"/>
-            <a:round/>
-            <a:headEnd type="none" w="med" len="med"/>
-            <a:tailEnd type="arrow" w="med" len="med"/>
+          <a:ln>
+            <a:tailEnd type="triangle"/>
           </a:ln>
         </p:spPr>
         <p:style>
-          <a:lnRef idx="0">
-            <a:scrgbClr r="0" g="0" b="0"/>
+          <a:lnRef idx="1">
+            <a:schemeClr val="dk1"/>
           </a:lnRef>
           <a:fillRef idx="0">
-            <a:scrgbClr r="0" g="0" b="0"/>
+            <a:schemeClr val="dk1"/>
           </a:fillRef>
           <a:effectRef idx="0">
-            <a:scrgbClr r="0" g="0" b="0"/>
+            <a:schemeClr val="dk1"/>
           </a:effectRef>
           <a:fontRef idx="minor">
             <a:schemeClr val="tx1"/>
@@ -6967,10 +6993,10 @@
       </p:cxnSp>
       <p:cxnSp>
         <p:nvCxnSpPr>
-          <p:cNvPr id="28" name="Прямая соединительная линия 27">
+          <p:cNvPr id="72" name="Прямая со стрелкой 71">
             <a:extLst>
               <a:ext uri="{FF2B5EF4-FFF2-40B4-BE49-F238E27FC236}">
-                <a16:creationId xmlns:a16="http://schemas.microsoft.com/office/drawing/2014/main" id="{D84FCF91-40F1-4296-A5CC-26CF05D00E03}"/>
+                <a16:creationId xmlns:a16="http://schemas.microsoft.com/office/drawing/2014/main" id="{4B5192EB-D06F-410E-BD0A-0B0DBF8088D1}"/>
               </a:ext>
             </a:extLst>
           </p:cNvPr>
@@ -6981,31 +7007,25 @@
         </p:nvCxnSpPr>
         <p:spPr>
           <a:xfrm>
-            <a:off x="6227620" y="3896590"/>
-            <a:ext cx="361745" cy="467591"/>
+            <a:off x="6271262" y="3966210"/>
+            <a:ext cx="278128" cy="342359"/>
           </a:xfrm>
-          <a:prstGeom prst="line">
+          <a:prstGeom prst="straightConnector1">
             <a:avLst/>
           </a:prstGeom>
-          <a:ln w="9525" cap="flat" cmpd="sng" algn="ctr">
-            <a:solidFill>
-              <a:schemeClr val="dk1"/>
-            </a:solidFill>
-            <a:prstDash val="solid"/>
-            <a:round/>
-            <a:headEnd type="none" w="med" len="med"/>
-            <a:tailEnd type="arrow" w="med" len="med"/>
+          <a:ln>
+            <a:tailEnd type="triangle"/>
           </a:ln>
         </p:spPr>
         <p:style>
-          <a:lnRef idx="0">
-            <a:scrgbClr r="0" g="0" b="0"/>
+          <a:lnRef idx="1">
+            <a:schemeClr val="dk1"/>
           </a:lnRef>
           <a:fillRef idx="0">
-            <a:scrgbClr r="0" g="0" b="0"/>
+            <a:schemeClr val="dk1"/>
           </a:fillRef>
           <a:effectRef idx="0">
-            <a:scrgbClr r="0" g="0" b="0"/>
+            <a:schemeClr val="dk1"/>
           </a:effectRef>
           <a:fontRef idx="minor">
             <a:schemeClr val="tx1"/>
@@ -7014,67 +7034,70 @@
       </p:cxnSp>
       <p:sp>
         <p:nvSpPr>
-          <p:cNvPr id="31" name="Прямоугольник 30">
+          <p:cNvPr id="75" name="TextBox 74">
             <a:extLst>
               <a:ext uri="{FF2B5EF4-FFF2-40B4-BE49-F238E27FC236}">
-                <a16:creationId xmlns:a16="http://schemas.microsoft.com/office/drawing/2014/main" id="{167C107A-D6BE-4C4F-A2AF-0AAF9E359B1D}"/>
+                <a16:creationId xmlns:a16="http://schemas.microsoft.com/office/drawing/2014/main" id="{1B90CF1F-791D-4AE4-A5DF-2EF391014BAE}"/>
               </a:ext>
             </a:extLst>
           </p:cNvPr>
-          <p:cNvSpPr/>
+          <p:cNvSpPr txBox="1"/>
           <p:nvPr/>
         </p:nvSpPr>
         <p:spPr>
           <a:xfrm>
-            <a:off x="4634753" y="3667990"/>
-            <a:ext cx="2922496" cy="1500875"/>
+            <a:off x="5933719" y="4308569"/>
+            <a:ext cx="312906" cy="369332"/>
           </a:xfrm>
           <a:prstGeom prst="rect">
             <a:avLst/>
           </a:prstGeom>
+          <a:noFill/>
         </p:spPr>
-        <p:style>
-          <a:lnRef idx="0">
-            <a:schemeClr val="accent3"/>
-          </a:lnRef>
-          <a:fillRef idx="3">
-            <a:schemeClr val="accent3"/>
-          </a:fillRef>
-          <a:effectRef idx="3">
-            <a:schemeClr val="accent3"/>
-          </a:effectRef>
-          <a:fontRef idx="minor">
-            <a:schemeClr val="lt1"/>
-          </a:fontRef>
-        </p:style>
-        <p:txBody>
-          <a:bodyPr rtlCol="0" anchor="ctr"/>
+        <p:txBody>
+          <a:bodyPr wrap="none" rtlCol="0">
+            <a:spAutoFit/>
+          </a:bodyPr>
           <a:lstStyle/>
           <a:p>
-            <a:pPr algn="ctr"/>
-            <a:r>
-              <a:rPr lang="ru-RU" dirty="0">
-                <a:solidFill>
-                  <a:schemeClr val="tx1"/>
-                </a:solidFill>
-              </a:rPr>
-              <a:t>Пер: (</a:t>
-            </a:r>
-            <a:r>
-              <a:rPr lang="en-US" dirty="0">
-                <a:solidFill>
-                  <a:schemeClr val="tx1"/>
-                </a:solidFill>
-              </a:rPr>
-              <a:t>‘2’, </a:t>
-            </a:r>
-            <a:r>
-              <a:rPr lang="ru-RU" dirty="0">
-                <a:solidFill>
-                  <a:schemeClr val="tx1"/>
-                </a:solidFill>
-              </a:rPr>
-              <a:t>Число)</a:t>
+            <a:r>
+              <a:rPr lang="ru-RU" dirty="0"/>
+              <a:t>4</a:t>
+            </a:r>
+          </a:p>
+        </p:txBody>
+      </p:sp>
+      <p:sp>
+        <p:nvSpPr>
+          <p:cNvPr id="108" name="TextBox 107">
+            <a:extLst>
+              <a:ext uri="{FF2B5EF4-FFF2-40B4-BE49-F238E27FC236}">
+                <a16:creationId xmlns:a16="http://schemas.microsoft.com/office/drawing/2014/main" id="{2FA16D52-B6D8-4C0F-BEFB-F42055DA7ABA}"/>
+              </a:ext>
+            </a:extLst>
+          </p:cNvPr>
+          <p:cNvSpPr txBox="1"/>
+          <p:nvPr/>
+        </p:nvSpPr>
+        <p:spPr>
+          <a:xfrm>
+            <a:off x="5933719" y="4308569"/>
+            <a:ext cx="312906" cy="369332"/>
+          </a:xfrm>
+          <a:prstGeom prst="rect">
+            <a:avLst/>
+          </a:prstGeom>
+          <a:noFill/>
+        </p:spPr>
+        <p:txBody>
+          <a:bodyPr wrap="none" rtlCol="0">
+            <a:spAutoFit/>
+          </a:bodyPr>
+          <a:lstStyle/>
+          <a:p>
+            <a:r>
+              <a:rPr lang="ru-RU" dirty="0"/>
+              <a:t>6</a:t>
             </a:r>
           </a:p>
         </p:txBody>
@@ -7110,7 +7133,7 @@
                             </p:stCondLst>
                             <p:childTnLst>
                               <p:par>
-                                <p:cTn id="5" presetID="1" presetClass="entr" presetSubtype="0" fill="hold" nodeType="clickEffect">
+                                <p:cTn id="5" presetID="53" presetClass="entr" presetSubtype="16" fill="hold" nodeType="clickEffect">
                                   <p:stCondLst>
                                     <p:cond delay="0"/>
                                   </p:stCondLst>
@@ -7133,6 +7156,222 @@
                                         <p:strVal val="visible"/>
                                       </p:to>
                                     </p:set>
+                                    <p:anim calcmode="lin" valueType="num">
+                                      <p:cBhvr>
+                                        <p:cTn id="7" dur="500" fill="hold"/>
+                                        <p:tgtEl>
+                                          <p:spTgt spid="12"/>
+                                        </p:tgtEl>
+                                        <p:attrNameLst>
+                                          <p:attrName>ppt_w</p:attrName>
+                                        </p:attrNameLst>
+                                      </p:cBhvr>
+                                      <p:tavLst>
+                                        <p:tav tm="0">
+                                          <p:val>
+                                            <p:fltVal val="0"/>
+                                          </p:val>
+                                        </p:tav>
+                                        <p:tav tm="100000">
+                                          <p:val>
+                                            <p:strVal val="#ppt_w"/>
+                                          </p:val>
+                                        </p:tav>
+                                      </p:tavLst>
+                                    </p:anim>
+                                    <p:anim calcmode="lin" valueType="num">
+                                      <p:cBhvr>
+                                        <p:cTn id="8" dur="500" fill="hold"/>
+                                        <p:tgtEl>
+                                          <p:spTgt spid="12"/>
+                                        </p:tgtEl>
+                                        <p:attrNameLst>
+                                          <p:attrName>ppt_h</p:attrName>
+                                        </p:attrNameLst>
+                                      </p:cBhvr>
+                                      <p:tavLst>
+                                        <p:tav tm="0">
+                                          <p:val>
+                                            <p:fltVal val="0"/>
+                                          </p:val>
+                                        </p:tav>
+                                        <p:tav tm="100000">
+                                          <p:val>
+                                            <p:strVal val="#ppt_h"/>
+                                          </p:val>
+                                        </p:tav>
+                                      </p:tavLst>
+                                    </p:anim>
+                                    <p:animEffect transition="in" filter="fade">
+                                      <p:cBhvr>
+                                        <p:cTn id="9" dur="500"/>
+                                        <p:tgtEl>
+                                          <p:spTgt spid="12"/>
+                                        </p:tgtEl>
+                                      </p:cBhvr>
+                                    </p:animEffect>
+                                  </p:childTnLst>
+                                </p:cTn>
+                              </p:par>
+                              <p:par>
+                                <p:cTn id="10" presetID="53" presetClass="entr" presetSubtype="16" fill="hold" grpId="0" nodeType="withEffect">
+                                  <p:stCondLst>
+                                    <p:cond delay="0"/>
+                                  </p:stCondLst>
+                                  <p:childTnLst>
+                                    <p:set>
+                                      <p:cBhvr>
+                                        <p:cTn id="11" dur="1" fill="hold">
+                                          <p:stCondLst>
+                                            <p:cond delay="0"/>
+                                          </p:stCondLst>
+                                        </p:cTn>
+                                        <p:tgtEl>
+                                          <p:spTgt spid="4"/>
+                                        </p:tgtEl>
+                                        <p:attrNameLst>
+                                          <p:attrName>style.visibility</p:attrName>
+                                        </p:attrNameLst>
+                                      </p:cBhvr>
+                                      <p:to>
+                                        <p:strVal val="visible"/>
+                                      </p:to>
+                                    </p:set>
+                                    <p:anim calcmode="lin" valueType="num">
+                                      <p:cBhvr>
+                                        <p:cTn id="12" dur="500" fill="hold"/>
+                                        <p:tgtEl>
+                                          <p:spTgt spid="4"/>
+                                        </p:tgtEl>
+                                        <p:attrNameLst>
+                                          <p:attrName>ppt_w</p:attrName>
+                                        </p:attrNameLst>
+                                      </p:cBhvr>
+                                      <p:tavLst>
+                                        <p:tav tm="0">
+                                          <p:val>
+                                            <p:fltVal val="0"/>
+                                          </p:val>
+                                        </p:tav>
+                                        <p:tav tm="100000">
+                                          <p:val>
+                                            <p:strVal val="#ppt_w"/>
+                                          </p:val>
+                                        </p:tav>
+                                      </p:tavLst>
+                                    </p:anim>
+                                    <p:anim calcmode="lin" valueType="num">
+                                      <p:cBhvr>
+                                        <p:cTn id="13" dur="500" fill="hold"/>
+                                        <p:tgtEl>
+                                          <p:spTgt spid="4"/>
+                                        </p:tgtEl>
+                                        <p:attrNameLst>
+                                          <p:attrName>ppt_h</p:attrName>
+                                        </p:attrNameLst>
+                                      </p:cBhvr>
+                                      <p:tavLst>
+                                        <p:tav tm="0">
+                                          <p:val>
+                                            <p:fltVal val="0"/>
+                                          </p:val>
+                                        </p:tav>
+                                        <p:tav tm="100000">
+                                          <p:val>
+                                            <p:strVal val="#ppt_h"/>
+                                          </p:val>
+                                        </p:tav>
+                                      </p:tavLst>
+                                    </p:anim>
+                                    <p:animEffect transition="in" filter="fade">
+                                      <p:cBhvr>
+                                        <p:cTn id="14" dur="500"/>
+                                        <p:tgtEl>
+                                          <p:spTgt spid="4"/>
+                                        </p:tgtEl>
+                                      </p:cBhvr>
+                                    </p:animEffect>
+                                  </p:childTnLst>
+                                </p:cTn>
+                              </p:par>
+                              <p:par>
+                                <p:cTn id="15" presetID="53" presetClass="entr" presetSubtype="16" fill="hold" grpId="0" nodeType="withEffect">
+                                  <p:stCondLst>
+                                    <p:cond delay="0"/>
+                                  </p:stCondLst>
+                                  <p:childTnLst>
+                                    <p:set>
+                                      <p:cBhvr>
+                                        <p:cTn id="16" dur="1" fill="hold">
+                                          <p:stCondLst>
+                                            <p:cond delay="0"/>
+                                          </p:stCondLst>
+                                        </p:cTn>
+                                        <p:tgtEl>
+                                          <p:spTgt spid="5"/>
+                                        </p:tgtEl>
+                                        <p:attrNameLst>
+                                          <p:attrName>style.visibility</p:attrName>
+                                        </p:attrNameLst>
+                                      </p:cBhvr>
+                                      <p:to>
+                                        <p:strVal val="visible"/>
+                                      </p:to>
+                                    </p:set>
+                                    <p:anim calcmode="lin" valueType="num">
+                                      <p:cBhvr>
+                                        <p:cTn id="17" dur="500" fill="hold"/>
+                                        <p:tgtEl>
+                                          <p:spTgt spid="5"/>
+                                        </p:tgtEl>
+                                        <p:attrNameLst>
+                                          <p:attrName>ppt_w</p:attrName>
+                                        </p:attrNameLst>
+                                      </p:cBhvr>
+                                      <p:tavLst>
+                                        <p:tav tm="0">
+                                          <p:val>
+                                            <p:fltVal val="0"/>
+                                          </p:val>
+                                        </p:tav>
+                                        <p:tav tm="100000">
+                                          <p:val>
+                                            <p:strVal val="#ppt_w"/>
+                                          </p:val>
+                                        </p:tav>
+                                      </p:tavLst>
+                                    </p:anim>
+                                    <p:anim calcmode="lin" valueType="num">
+                                      <p:cBhvr>
+                                        <p:cTn id="18" dur="500" fill="hold"/>
+                                        <p:tgtEl>
+                                          <p:spTgt spid="5"/>
+                                        </p:tgtEl>
+                                        <p:attrNameLst>
+                                          <p:attrName>ppt_h</p:attrName>
+                                        </p:attrNameLst>
+                                      </p:cBhvr>
+                                      <p:tavLst>
+                                        <p:tav tm="0">
+                                          <p:val>
+                                            <p:fltVal val="0"/>
+                                          </p:val>
+                                        </p:tav>
+                                        <p:tav tm="100000">
+                                          <p:val>
+                                            <p:strVal val="#ppt_h"/>
+                                          </p:val>
+                                        </p:tav>
+                                      </p:tavLst>
+                                    </p:anim>
+                                    <p:animEffect transition="in" filter="fade">
+                                      <p:cBhvr>
+                                        <p:cTn id="19" dur="500"/>
+                                        <p:tgtEl>
+                                          <p:spTgt spid="5"/>
+                                        </p:tgtEl>
+                                      </p:cBhvr>
+                                    </p:animEffect>
                                   </p:childTnLst>
                                 </p:cTn>
                               </p:par>
@@ -7143,32 +7382,32 @@
                     </p:cTn>
                   </p:par>
                   <p:par>
-                    <p:cTn id="7" fill="hold">
+                    <p:cTn id="20" fill="hold">
                       <p:stCondLst>
                         <p:cond delay="indefinite"/>
                       </p:stCondLst>
                       <p:childTnLst>
                         <p:par>
-                          <p:cTn id="8" fill="hold">
+                          <p:cTn id="21" fill="hold">
                             <p:stCondLst>
                               <p:cond delay="0"/>
                             </p:stCondLst>
                             <p:childTnLst>
                               <p:par>
-                                <p:cTn id="9" presetID="1" presetClass="entr" presetSubtype="0" fill="hold" grpId="0" nodeType="clickEffect">
+                                <p:cTn id="22" presetID="53" presetClass="entr" presetSubtype="16" fill="hold" grpId="0" nodeType="clickEffect">
                                   <p:stCondLst>
                                     <p:cond delay="0"/>
                                   </p:stCondLst>
                                   <p:childTnLst>
                                     <p:set>
                                       <p:cBhvr>
-                                        <p:cTn id="10" dur="1" fill="hold">
+                                        <p:cTn id="23" dur="1" fill="hold">
                                           <p:stCondLst>
                                             <p:cond delay="0"/>
                                           </p:stCondLst>
                                         </p:cTn>
                                         <p:tgtEl>
-                                          <p:spTgt spid="15"/>
+                                          <p:spTgt spid="23"/>
                                         </p:tgtEl>
                                         <p:attrNameLst>
                                           <p:attrName>style.visibility</p:attrName>
@@ -7178,176 +7417,60 @@
                                         <p:strVal val="visible"/>
                                       </p:to>
                                     </p:set>
-                                  </p:childTnLst>
-                                </p:cTn>
-                              </p:par>
-                            </p:childTnLst>
-                          </p:cTn>
-                        </p:par>
-                      </p:childTnLst>
-                    </p:cTn>
-                  </p:par>
-                  <p:par>
-                    <p:cTn id="11" fill="hold">
-                      <p:stCondLst>
-                        <p:cond delay="indefinite"/>
-                      </p:stCondLst>
-                      <p:childTnLst>
-                        <p:par>
-                          <p:cTn id="12" fill="hold">
-                            <p:stCondLst>
-                              <p:cond delay="0"/>
-                            </p:stCondLst>
-                            <p:childTnLst>
-                              <p:par>
-                                <p:cTn id="13" presetID="42" presetClass="path" presetSubtype="0" accel="50000" decel="50000" fill="hold" nodeType="clickEffect">
-                                  <p:stCondLst>
-                                    <p:cond delay="0"/>
-                                  </p:stCondLst>
-                                  <p:childTnLst>
-                                    <p:animMotion origin="layout" path="M 0 3.33333E-6 L 0.225 -0.00672 " pathEditMode="relative" rAng="0" ptsTypes="AA">
-                                      <p:cBhvr>
-                                        <p:cTn id="14" dur="2000" fill="hold"/>
-                                        <p:tgtEl>
-                                          <p:spTgt spid="12"/>
+                                    <p:anim calcmode="lin" valueType="num">
+                                      <p:cBhvr>
+                                        <p:cTn id="24" dur="500" fill="hold"/>
+                                        <p:tgtEl>
+                                          <p:spTgt spid="23"/>
                                         </p:tgtEl>
                                         <p:attrNameLst>
-                                          <p:attrName>ppt_x</p:attrName>
-                                          <p:attrName>ppt_y</p:attrName>
+                                          <p:attrName>ppt_w</p:attrName>
                                         </p:attrNameLst>
                                       </p:cBhvr>
-                                      <p:rCtr x="11250" y="-347"/>
-                                    </p:animMotion>
-                                  </p:childTnLst>
-                                </p:cTn>
-                              </p:par>
-                            </p:childTnLst>
-                          </p:cTn>
-                        </p:par>
-                      </p:childTnLst>
-                    </p:cTn>
-                  </p:par>
-                  <p:par>
-                    <p:cTn id="15" fill="hold">
-                      <p:stCondLst>
-                        <p:cond delay="indefinite"/>
-                      </p:stCondLst>
-                      <p:childTnLst>
-                        <p:par>
-                          <p:cTn id="16" fill="hold">
-                            <p:stCondLst>
-                              <p:cond delay="0"/>
-                            </p:stCondLst>
-                            <p:childTnLst>
-                              <p:par>
-                                <p:cTn id="17" presetID="1" presetClass="entr" presetSubtype="0" fill="hold" grpId="0" nodeType="clickEffect">
-                                  <p:stCondLst>
-                                    <p:cond delay="0"/>
-                                  </p:stCondLst>
-                                  <p:childTnLst>
-                                    <p:set>
-                                      <p:cBhvr>
-                                        <p:cTn id="18" dur="1" fill="hold">
-                                          <p:stCondLst>
-                                            <p:cond delay="0"/>
-                                          </p:stCondLst>
-                                        </p:cTn>
-                                        <p:tgtEl>
-                                          <p:spTgt spid="22"/>
+                                      <p:tavLst>
+                                        <p:tav tm="0">
+                                          <p:val>
+                                            <p:fltVal val="0"/>
+                                          </p:val>
+                                        </p:tav>
+                                        <p:tav tm="100000">
+                                          <p:val>
+                                            <p:strVal val="#ppt_w"/>
+                                          </p:val>
+                                        </p:tav>
+                                      </p:tavLst>
+                                    </p:anim>
+                                    <p:anim calcmode="lin" valueType="num">
+                                      <p:cBhvr>
+                                        <p:cTn id="25" dur="500" fill="hold"/>
+                                        <p:tgtEl>
+                                          <p:spTgt spid="23"/>
                                         </p:tgtEl>
                                         <p:attrNameLst>
-                                          <p:attrName>style.visibility</p:attrName>
+                                          <p:attrName>ppt_h</p:attrName>
                                         </p:attrNameLst>
                                       </p:cBhvr>
-                                      <p:to>
-                                        <p:strVal val="visible"/>
-                                      </p:to>
-                                    </p:set>
-                                  </p:childTnLst>
-                                </p:cTn>
-                              </p:par>
-                            </p:childTnLst>
-                          </p:cTn>
-                        </p:par>
-                      </p:childTnLst>
-                    </p:cTn>
-                  </p:par>
-                  <p:par>
-                    <p:cTn id="19" fill="hold">
-                      <p:stCondLst>
-                        <p:cond delay="indefinite"/>
-                      </p:stCondLst>
-                      <p:childTnLst>
-                        <p:par>
-                          <p:cTn id="20" fill="hold">
-                            <p:stCondLst>
-                              <p:cond delay="0"/>
-                            </p:stCondLst>
-                            <p:childTnLst>
-                              <p:par>
-                                <p:cTn id="21" presetID="42" presetClass="path" presetSubtype="0" accel="50000" decel="50000" fill="hold" nodeType="clickEffect">
-                                  <p:stCondLst>
-                                    <p:cond delay="0"/>
-                                  </p:stCondLst>
-                                  <p:childTnLst>
-                                    <p:animMotion origin="layout" path="M 0.225 -0.00672 L 0.39154 -0.00672 " pathEditMode="relative" rAng="0" ptsTypes="AA">
-                                      <p:cBhvr>
-                                        <p:cTn id="22" dur="2000" fill="hold"/>
-                                        <p:tgtEl>
-                                          <p:spTgt spid="12"/>
-                                        </p:tgtEl>
-                                        <p:attrNameLst>
-                                          <p:attrName>ppt_x</p:attrName>
-                                          <p:attrName>ppt_y</p:attrName>
-                                        </p:attrNameLst>
-                                      </p:cBhvr>
-                                      <p:rCtr x="8320" y="0"/>
-                                    </p:animMotion>
-                                  </p:childTnLst>
-                                </p:cTn>
-                              </p:par>
-                            </p:childTnLst>
-                          </p:cTn>
-                        </p:par>
-                      </p:childTnLst>
-                    </p:cTn>
-                  </p:par>
-                  <p:par>
-                    <p:cTn id="23" fill="hold">
-                      <p:stCondLst>
-                        <p:cond delay="indefinite"/>
-                      </p:stCondLst>
-                      <p:childTnLst>
-                        <p:par>
-                          <p:cTn id="24" fill="hold">
-                            <p:stCondLst>
-                              <p:cond delay="0"/>
-                            </p:stCondLst>
-                            <p:childTnLst>
-                              <p:par>
-                                <p:cTn id="25" presetID="1" presetClass="entr" presetSubtype="0" fill="hold" grpId="0" nodeType="clickEffect">
-                                  <p:stCondLst>
-                                    <p:cond delay="0"/>
-                                  </p:stCondLst>
-                                  <p:childTnLst>
-                                    <p:set>
-                                      <p:cBhvr>
-                                        <p:cTn id="26" dur="1" fill="hold">
-                                          <p:stCondLst>
-                                            <p:cond delay="0"/>
-                                          </p:stCondLst>
-                                        </p:cTn>
+                                      <p:tavLst>
+                                        <p:tav tm="0">
+                                          <p:val>
+                                            <p:fltVal val="0"/>
+                                          </p:val>
+                                        </p:tav>
+                                        <p:tav tm="100000">
+                                          <p:val>
+                                            <p:strVal val="#ppt_h"/>
+                                          </p:val>
+                                        </p:tav>
+                                      </p:tavLst>
+                                    </p:anim>
+                                    <p:animEffect transition="in" filter="fade">
+                                      <p:cBhvr>
+                                        <p:cTn id="26" dur="500"/>
                                         <p:tgtEl>
                                           <p:spTgt spid="23"/>
                                         </p:tgtEl>
-                                        <p:attrNameLst>
-                                          <p:attrName>style.visibility</p:attrName>
-                                        </p:attrNameLst>
-                                      </p:cBhvr>
-                                      <p:to>
-                                        <p:strVal val="visible"/>
-                                      </p:to>
-                                    </p:set>
+                                      </p:cBhvr>
+                                    </p:animEffect>
                                   </p:childTnLst>
                                 </p:cTn>
                               </p:par>
@@ -7370,29 +7493,24 @@
                             </p:stCondLst>
                             <p:childTnLst>
                               <p:par>
-                                <p:cTn id="29" presetID="1" presetClass="entr" presetSubtype="0" fill="hold" nodeType="clickEffect">
+                                <p:cTn id="29" presetID="42" presetClass="path" presetSubtype="0" accel="50000" decel="50000" fill="hold" nodeType="clickEffect">
                                   <p:stCondLst>
                                     <p:cond delay="0"/>
                                   </p:stCondLst>
                                   <p:childTnLst>
-                                    <p:set>
-                                      <p:cBhvr>
-                                        <p:cTn id="30" dur="1" fill="hold">
-                                          <p:stCondLst>
-                                            <p:cond delay="0"/>
-                                          </p:stCondLst>
-                                        </p:cTn>
-                                        <p:tgtEl>
-                                          <p:spTgt spid="25"/>
+                                    <p:animMotion origin="layout" path="M 2.5E-6 -3.7037E-6 L 0.17969 -3.7037E-6 " pathEditMode="relative" rAng="0" ptsTypes="AA">
+                                      <p:cBhvr>
+                                        <p:cTn id="30" dur="1000" fill="hold"/>
+                                        <p:tgtEl>
+                                          <p:spTgt spid="12"/>
                                         </p:tgtEl>
                                         <p:attrNameLst>
-                                          <p:attrName>style.visibility</p:attrName>
+                                          <p:attrName>ppt_x</p:attrName>
+                                          <p:attrName>ppt_y</p:attrName>
                                         </p:attrNameLst>
                                       </p:cBhvr>
-                                      <p:to>
-                                        <p:strVal val="visible"/>
-                                      </p:to>
-                                    </p:set>
+                                      <p:rCtr x="8984" y="0"/>
+                                    </p:animMotion>
                                   </p:childTnLst>
                                 </p:cTn>
                               </p:par>
@@ -7415,23 +7533,122 @@
                             </p:stCondLst>
                             <p:childTnLst>
                               <p:par>
-                                <p:cTn id="33" presetID="42" presetClass="path" presetSubtype="0" accel="50000" decel="50000" fill="hold" grpId="1" nodeType="clickEffect">
+                                <p:cTn id="33" presetID="53" presetClass="entr" presetSubtype="16" fill="hold" grpId="0" nodeType="clickEffect">
                                   <p:stCondLst>
                                     <p:cond delay="0"/>
                                   </p:stCondLst>
                                   <p:childTnLst>
-                                    <p:animMotion origin="layout" path="M -6.25E-7 1.85185E-6 L -0.16914 -0.26968 " pathEditMode="relative" rAng="0" ptsTypes="AA">
-                                      <p:cBhvr>
-                                        <p:cTn id="34" dur="2000" fill="hold"/>
-                                        <p:tgtEl>
-                                          <p:spTgt spid="22"/>
+                                    <p:set>
+                                      <p:cBhvr>
+                                        <p:cTn id="34" dur="1" fill="hold">
+                                          <p:stCondLst>
+                                            <p:cond delay="0"/>
+                                          </p:stCondLst>
+                                        </p:cTn>
+                                        <p:tgtEl>
+                                          <p:spTgt spid="18"/>
+                                        </p:tgtEl>
+                                        <p:attrNameLst>
+                                          <p:attrName>style.visibility</p:attrName>
+                                        </p:attrNameLst>
+                                      </p:cBhvr>
+                                      <p:to>
+                                        <p:strVal val="visible"/>
+                                      </p:to>
+                                    </p:set>
+                                    <p:anim calcmode="lin" valueType="num">
+                                      <p:cBhvr>
+                                        <p:cTn id="35" dur="500" fill="hold"/>
+                                        <p:tgtEl>
+                                          <p:spTgt spid="18"/>
+                                        </p:tgtEl>
+                                        <p:attrNameLst>
+                                          <p:attrName>ppt_w</p:attrName>
+                                        </p:attrNameLst>
+                                      </p:cBhvr>
+                                      <p:tavLst>
+                                        <p:tav tm="0">
+                                          <p:val>
+                                            <p:fltVal val="0"/>
+                                          </p:val>
+                                        </p:tav>
+                                        <p:tav tm="100000">
+                                          <p:val>
+                                            <p:strVal val="#ppt_w"/>
+                                          </p:val>
+                                        </p:tav>
+                                      </p:tavLst>
+                                    </p:anim>
+                                    <p:anim calcmode="lin" valueType="num">
+                                      <p:cBhvr>
+                                        <p:cTn id="36" dur="500" fill="hold"/>
+                                        <p:tgtEl>
+                                          <p:spTgt spid="18"/>
+                                        </p:tgtEl>
+                                        <p:attrNameLst>
+                                          <p:attrName>ppt_h</p:attrName>
+                                        </p:attrNameLst>
+                                      </p:cBhvr>
+                                      <p:tavLst>
+                                        <p:tav tm="0">
+                                          <p:val>
+                                            <p:fltVal val="0"/>
+                                          </p:val>
+                                        </p:tav>
+                                        <p:tav tm="100000">
+                                          <p:val>
+                                            <p:strVal val="#ppt_h"/>
+                                          </p:val>
+                                        </p:tav>
+                                      </p:tavLst>
+                                    </p:anim>
+                                    <p:animEffect transition="in" filter="fade">
+                                      <p:cBhvr>
+                                        <p:cTn id="37" dur="500"/>
+                                        <p:tgtEl>
+                                          <p:spTgt spid="18"/>
+                                        </p:tgtEl>
+                                      </p:cBhvr>
+                                    </p:animEffect>
+                                  </p:childTnLst>
+                                </p:cTn>
+                              </p:par>
+                            </p:childTnLst>
+                          </p:cTn>
+                        </p:par>
+                      </p:childTnLst>
+                    </p:cTn>
+                  </p:par>
+                  <p:par>
+                    <p:cTn id="38" fill="hold">
+                      <p:stCondLst>
+                        <p:cond delay="indefinite"/>
+                      </p:stCondLst>
+                      <p:childTnLst>
+                        <p:par>
+                          <p:cTn id="39" fill="hold">
+                            <p:stCondLst>
+                              <p:cond delay="0"/>
+                            </p:stCondLst>
+                            <p:childTnLst>
+                              <p:par>
+                                <p:cTn id="40" presetID="42" presetClass="path" presetSubtype="0" accel="50000" decel="50000" fill="hold" nodeType="clickEffect">
+                                  <p:stCondLst>
+                                    <p:cond delay="0"/>
+                                  </p:stCondLst>
+                                  <p:childTnLst>
+                                    <p:animMotion origin="layout" path="M 0.17969 -0.00023 L 0.33997 -3.7037E-6 " pathEditMode="relative" rAng="0" ptsTypes="AA">
+                                      <p:cBhvr>
+                                        <p:cTn id="41" dur="1000" fill="hold"/>
+                                        <p:tgtEl>
+                                          <p:spTgt spid="12"/>
                                         </p:tgtEl>
                                         <p:attrNameLst>
                                           <p:attrName>ppt_x</p:attrName>
                                           <p:attrName>ppt_y</p:attrName>
                                         </p:attrNameLst>
                                       </p:cBhvr>
-                                      <p:rCtr x="-8464" y="-13495"/>
+                                      <p:rCtr x="8008" y="0"/>
                                     </p:animMotion>
                                   </p:childTnLst>
                                 </p:cTn>
@@ -7443,112 +7660,32 @@
                     </p:cTn>
                   </p:par>
                   <p:par>
-                    <p:cTn id="35" fill="hold">
+                    <p:cTn id="42" fill="hold">
                       <p:stCondLst>
                         <p:cond delay="indefinite"/>
                       </p:stCondLst>
                       <p:childTnLst>
                         <p:par>
-                          <p:cTn id="36" fill="hold">
+                          <p:cTn id="43" fill="hold">
                             <p:stCondLst>
                               <p:cond delay="0"/>
                             </p:stCondLst>
                             <p:childTnLst>
                               <p:par>
-                                <p:cTn id="37" presetID="42" presetClass="path" presetSubtype="0" accel="50000" decel="50000" fill="hold" grpId="1" nodeType="clickEffect">
-                                  <p:stCondLst>
-                                    <p:cond delay="0"/>
-                                  </p:stCondLst>
-                                  <p:childTnLst>
-                                    <p:animMotion origin="layout" path="M 6.25E-7 -4.81481E-6 L 0.21797 -0.06064 " pathEditMode="relative" rAng="0" ptsTypes="AA">
-                                      <p:cBhvr>
-                                        <p:cTn id="38" dur="2000" fill="hold"/>
-                                        <p:tgtEl>
-                                          <p:spTgt spid="23"/>
-                                        </p:tgtEl>
-                                        <p:attrNameLst>
-                                          <p:attrName>ppt_x</p:attrName>
-                                          <p:attrName>ppt_y</p:attrName>
-                                        </p:attrNameLst>
-                                      </p:cBhvr>
-                                      <p:rCtr x="10898" y="-3032"/>
-                                    </p:animMotion>
-                                  </p:childTnLst>
-                                </p:cTn>
-                              </p:par>
-                            </p:childTnLst>
-                          </p:cTn>
-                        </p:par>
-                      </p:childTnLst>
-                    </p:cTn>
-                  </p:par>
-                  <p:par>
-                    <p:cTn id="39" fill="hold">
-                      <p:stCondLst>
-                        <p:cond delay="indefinite"/>
-                      </p:stCondLst>
-                      <p:childTnLst>
-                        <p:par>
-                          <p:cTn id="40" fill="hold">
-                            <p:stCondLst>
-                              <p:cond delay="0"/>
-                            </p:stCondLst>
-                            <p:childTnLst>
-                              <p:par>
-                                <p:cTn id="41" presetID="42" presetClass="path" presetSubtype="0" accel="50000" decel="50000" fill="hold" grpId="1" nodeType="clickEffect">
-                                  <p:stCondLst>
-                                    <p:cond delay="0"/>
-                                  </p:stCondLst>
-                                  <p:childTnLst>
-                                    <p:animMotion origin="layout" path="M 6.25E-7 7.40741E-7 L 0.12422 -0.11782 " pathEditMode="relative" rAng="0" ptsTypes="AA">
-                                      <p:cBhvr>
-                                        <p:cTn id="42" dur="2000" fill="hold"/>
-                                        <p:tgtEl>
-                                          <p:spTgt spid="15"/>
-                                        </p:tgtEl>
-                                        <p:attrNameLst>
-                                          <p:attrName>ppt_x</p:attrName>
-                                          <p:attrName>ppt_y</p:attrName>
-                                        </p:attrNameLst>
-                                      </p:cBhvr>
-                                      <p:rCtr x="6211" y="-5903"/>
-                                    </p:animMotion>
-                                  </p:childTnLst>
-                                </p:cTn>
-                              </p:par>
-                            </p:childTnLst>
-                          </p:cTn>
-                        </p:par>
-                      </p:childTnLst>
-                    </p:cTn>
-                  </p:par>
-                  <p:par>
-                    <p:cTn id="43" fill="hold">
-                      <p:stCondLst>
-                        <p:cond delay="indefinite"/>
-                      </p:stCondLst>
-                      <p:childTnLst>
-                        <p:par>
-                          <p:cTn id="44" fill="hold">
-                            <p:stCondLst>
-                              <p:cond delay="0"/>
-                            </p:stCondLst>
-                            <p:childTnLst>
-                              <p:par>
-                                <p:cTn id="45" presetID="1" presetClass="entr" presetSubtype="0" fill="hold" nodeType="clickEffect">
+                                <p:cTn id="44" presetID="53" presetClass="entr" presetSubtype="16" fill="hold" grpId="0" nodeType="clickEffect">
                                   <p:stCondLst>
                                     <p:cond delay="0"/>
                                   </p:stCondLst>
                                   <p:childTnLst>
                                     <p:set>
                                       <p:cBhvr>
-                                        <p:cTn id="46" dur="1" fill="hold">
+                                        <p:cTn id="45" dur="1" fill="hold">
                                           <p:stCondLst>
                                             <p:cond delay="0"/>
                                           </p:stCondLst>
                                         </p:cTn>
                                         <p:tgtEl>
-                                          <p:spTgt spid="27"/>
+                                          <p:spTgt spid="29"/>
                                         </p:tgtEl>
                                         <p:attrNameLst>
                                           <p:attrName>style.visibility</p:attrName>
@@ -7558,33 +7695,60 @@
                                         <p:strVal val="visible"/>
                                       </p:to>
                                     </p:set>
-                                  </p:childTnLst>
-                                </p:cTn>
-                              </p:par>
-                              <p:par>
-                                <p:cTn id="47" presetID="1" presetClass="entr" presetSubtype="0" fill="hold" nodeType="withEffect">
-                                  <p:stCondLst>
-                                    <p:cond delay="0"/>
-                                  </p:stCondLst>
-                                  <p:childTnLst>
-                                    <p:set>
-                                      <p:cBhvr>
-                                        <p:cTn id="48" dur="1" fill="hold">
-                                          <p:stCondLst>
-                                            <p:cond delay="0"/>
-                                          </p:stCondLst>
-                                        </p:cTn>
-                                        <p:tgtEl>
-                                          <p:spTgt spid="28"/>
+                                    <p:anim calcmode="lin" valueType="num">
+                                      <p:cBhvr>
+                                        <p:cTn id="46" dur="500" fill="hold"/>
+                                        <p:tgtEl>
+                                          <p:spTgt spid="29"/>
                                         </p:tgtEl>
                                         <p:attrNameLst>
-                                          <p:attrName>style.visibility</p:attrName>
+                                          <p:attrName>ppt_w</p:attrName>
                                         </p:attrNameLst>
                                       </p:cBhvr>
-                                      <p:to>
-                                        <p:strVal val="visible"/>
-                                      </p:to>
-                                    </p:set>
+                                      <p:tavLst>
+                                        <p:tav tm="0">
+                                          <p:val>
+                                            <p:fltVal val="0"/>
+                                          </p:val>
+                                        </p:tav>
+                                        <p:tav tm="100000">
+                                          <p:val>
+                                            <p:strVal val="#ppt_w"/>
+                                          </p:val>
+                                        </p:tav>
+                                      </p:tavLst>
+                                    </p:anim>
+                                    <p:anim calcmode="lin" valueType="num">
+                                      <p:cBhvr>
+                                        <p:cTn id="47" dur="500" fill="hold"/>
+                                        <p:tgtEl>
+                                          <p:spTgt spid="29"/>
+                                        </p:tgtEl>
+                                        <p:attrNameLst>
+                                          <p:attrName>ppt_h</p:attrName>
+                                        </p:attrNameLst>
+                                      </p:cBhvr>
+                                      <p:tavLst>
+                                        <p:tav tm="0">
+                                          <p:val>
+                                            <p:fltVal val="0"/>
+                                          </p:val>
+                                        </p:tav>
+                                        <p:tav tm="100000">
+                                          <p:val>
+                                            <p:strVal val="#ppt_h"/>
+                                          </p:val>
+                                        </p:tav>
+                                      </p:tavLst>
+                                    </p:anim>
+                                    <p:animEffect transition="in" filter="fade">
+                                      <p:cBhvr>
+                                        <p:cTn id="48" dur="500"/>
+                                        <p:tgtEl>
+                                          <p:spTgt spid="29"/>
+                                        </p:tgtEl>
+                                      </p:cBhvr>
+                                    </p:animEffect>
                                   </p:childTnLst>
                                 </p:cTn>
                               </p:par>
@@ -7607,191 +7771,24 @@
                             </p:stCondLst>
                             <p:childTnLst>
                               <p:par>
-                                <p:cTn id="51" presetID="1" presetClass="exit" presetSubtype="0" fill="hold" nodeType="clickEffect">
+                                <p:cTn id="51" presetID="42" presetClass="path" presetSubtype="0" accel="50000" decel="50000" fill="hold" nodeType="clickEffect">
                                   <p:stCondLst>
                                     <p:cond delay="0"/>
                                   </p:stCondLst>
                                   <p:childTnLst>
-                                    <p:set>
-                                      <p:cBhvr>
-                                        <p:cTn id="52" dur="1" fill="hold">
-                                          <p:stCondLst>
-                                            <p:cond delay="0"/>
-                                          </p:stCondLst>
-                                        </p:cTn>
+                                    <p:animMotion origin="layout" path="M 0.33997 -3.7037E-6 L 0.5237 -3.7037E-6 " pathEditMode="relative" rAng="0" ptsTypes="AA">
+                                      <p:cBhvr>
+                                        <p:cTn id="52" dur="1000" fill="hold"/>
                                         <p:tgtEl>
                                           <p:spTgt spid="12"/>
                                         </p:tgtEl>
                                         <p:attrNameLst>
-                                          <p:attrName>style.visibility</p:attrName>
+                                          <p:attrName>ppt_x</p:attrName>
+                                          <p:attrName>ppt_y</p:attrName>
                                         </p:attrNameLst>
                                       </p:cBhvr>
-                                      <p:to>
-                                        <p:strVal val="hidden"/>
-                                      </p:to>
-                                    </p:set>
-                                  </p:childTnLst>
-                                </p:cTn>
-                              </p:par>
-                              <p:par>
-                                <p:cTn id="53" presetID="1" presetClass="exit" presetSubtype="0" fill="hold" grpId="2" nodeType="withEffect">
-                                  <p:stCondLst>
-                                    <p:cond delay="0"/>
-                                  </p:stCondLst>
-                                  <p:childTnLst>
-                                    <p:set>
-                                      <p:cBhvr>
-                                        <p:cTn id="54" dur="1" fill="hold">
-                                          <p:stCondLst>
-                                            <p:cond delay="0"/>
-                                          </p:stCondLst>
-                                        </p:cTn>
-                                        <p:tgtEl>
-                                          <p:spTgt spid="15"/>
-                                        </p:tgtEl>
-                                        <p:attrNameLst>
-                                          <p:attrName>style.visibility</p:attrName>
-                                        </p:attrNameLst>
-                                      </p:cBhvr>
-                                      <p:to>
-                                        <p:strVal val="hidden"/>
-                                      </p:to>
-                                    </p:set>
-                                  </p:childTnLst>
-                                </p:cTn>
-                              </p:par>
-                              <p:par>
-                                <p:cTn id="55" presetID="1" presetClass="exit" presetSubtype="0" fill="hold" grpId="2" nodeType="withEffect">
-                                  <p:stCondLst>
-                                    <p:cond delay="0"/>
-                                  </p:stCondLst>
-                                  <p:childTnLst>
-                                    <p:set>
-                                      <p:cBhvr>
-                                        <p:cTn id="56" dur="1" fill="hold">
-                                          <p:stCondLst>
-                                            <p:cond delay="0"/>
-                                          </p:stCondLst>
-                                        </p:cTn>
-                                        <p:tgtEl>
-                                          <p:spTgt spid="22"/>
-                                        </p:tgtEl>
-                                        <p:attrNameLst>
-                                          <p:attrName>style.visibility</p:attrName>
-                                        </p:attrNameLst>
-                                      </p:cBhvr>
-                                      <p:to>
-                                        <p:strVal val="hidden"/>
-                                      </p:to>
-                                    </p:set>
-                                  </p:childTnLst>
-                                </p:cTn>
-                              </p:par>
-                              <p:par>
-                                <p:cTn id="57" presetID="1" presetClass="exit" presetSubtype="0" fill="hold" grpId="2" nodeType="withEffect">
-                                  <p:stCondLst>
-                                    <p:cond delay="0"/>
-                                  </p:stCondLst>
-                                  <p:childTnLst>
-                                    <p:set>
-                                      <p:cBhvr>
-                                        <p:cTn id="58" dur="1" fill="hold">
-                                          <p:stCondLst>
-                                            <p:cond delay="0"/>
-                                          </p:stCondLst>
-                                        </p:cTn>
-                                        <p:tgtEl>
-                                          <p:spTgt spid="23"/>
-                                        </p:tgtEl>
-                                        <p:attrNameLst>
-                                          <p:attrName>style.visibility</p:attrName>
-                                        </p:attrNameLst>
-                                      </p:cBhvr>
-                                      <p:to>
-                                        <p:strVal val="hidden"/>
-                                      </p:to>
-                                    </p:set>
-                                  </p:childTnLst>
-                                </p:cTn>
-                              </p:par>
-                              <p:par>
-                                <p:cTn id="59" presetID="1" presetClass="exit" presetSubtype="0" fill="hold" nodeType="withEffect">
-                                  <p:stCondLst>
-                                    <p:cond delay="0"/>
-                                  </p:stCondLst>
-                                  <p:childTnLst>
-                                    <p:set>
-                                      <p:cBhvr>
-                                        <p:cTn id="60" dur="1" fill="hold">
-                                          <p:stCondLst>
-                                            <p:cond delay="0"/>
-                                          </p:stCondLst>
-                                        </p:cTn>
-                                        <p:tgtEl>
-                                          <p:spTgt spid="25"/>
-                                        </p:tgtEl>
-                                        <p:attrNameLst>
-                                          <p:attrName>style.visibility</p:attrName>
-                                        </p:attrNameLst>
-                                      </p:cBhvr>
-                                      <p:to>
-                                        <p:strVal val="hidden"/>
-                                      </p:to>
-                                    </p:set>
-                                  </p:childTnLst>
-                                </p:cTn>
-                              </p:par>
-                              <p:par>
-                                <p:cTn id="61" presetID="1" presetClass="exit" presetSubtype="0" fill="hold" nodeType="withEffect">
-                                  <p:stCondLst>
-                                    <p:cond delay="0"/>
-                                  </p:stCondLst>
-                                  <p:childTnLst>
-                                    <p:set>
-                                      <p:cBhvr>
-                                        <p:cTn id="62" dur="1" fill="hold">
-                                          <p:stCondLst>
-                                            <p:cond delay="0"/>
-                                          </p:stCondLst>
-                                        </p:cTn>
-                                        <p:tgtEl>
-                                          <p:spTgt spid="27"/>
-                                        </p:tgtEl>
-                                        <p:attrNameLst>
-                                          <p:attrName>style.visibility</p:attrName>
-                                        </p:attrNameLst>
-                                      </p:cBhvr>
-                                      <p:to>
-                                        <p:strVal val="hidden"/>
-                                      </p:to>
-                                    </p:set>
-                                  </p:childTnLst>
-                                </p:cTn>
-                              </p:par>
-                              <p:par>
-                                <p:cTn id="63" presetID="1" presetClass="exit" presetSubtype="0" fill="hold" nodeType="withEffect">
-                                  <p:stCondLst>
-                                    <p:cond delay="0"/>
-                                  </p:stCondLst>
-                                  <p:childTnLst>
-                                    <p:set>
-                                      <p:cBhvr>
-                                        <p:cTn id="64" dur="1" fill="hold">
-                                          <p:stCondLst>
-                                            <p:cond delay="0"/>
-                                          </p:stCondLst>
-                                        </p:cTn>
-                                        <p:tgtEl>
-                                          <p:spTgt spid="28"/>
-                                        </p:tgtEl>
-                                        <p:attrNameLst>
-                                          <p:attrName>style.visibility</p:attrName>
-                                        </p:attrNameLst>
-                                      </p:cBhvr>
-                                      <p:to>
-                                        <p:strVal val="hidden"/>
-                                      </p:to>
-                                    </p:set>
+                                      <p:rCtr x="9180" y="0"/>
+                                    </p:animMotion>
                                   </p:childTnLst>
                                 </p:cTn>
                               </p:par>
@@ -7802,68 +7799,234 @@
                     </p:cTn>
                   </p:par>
                   <p:par>
-                    <p:cTn id="65" fill="hold">
+                    <p:cTn id="53" fill="hold">
                       <p:stCondLst>
                         <p:cond delay="indefinite"/>
                       </p:stCondLst>
                       <p:childTnLst>
                         <p:par>
-                          <p:cTn id="66" fill="hold">
+                          <p:cTn id="54" fill="hold">
                             <p:stCondLst>
                               <p:cond delay="0"/>
                             </p:stCondLst>
                             <p:childTnLst>
                               <p:par>
-                                <p:cTn id="67" presetID="1" presetClass="exit" presetSubtype="0" fill="hold" grpId="0" nodeType="clickEffect">
+                                <p:cTn id="55" presetID="53" presetClass="entr" presetSubtype="16" fill="hold" grpId="0" nodeType="clickEffect">
                                   <p:stCondLst>
                                     <p:cond delay="0"/>
                                   </p:stCondLst>
                                   <p:childTnLst>
                                     <p:set>
                                       <p:cBhvr>
-                                        <p:cTn id="68" dur="1" fill="hold">
+                                        <p:cTn id="56" dur="1" fill="hold">
                                           <p:stCondLst>
                                             <p:cond delay="0"/>
                                           </p:stCondLst>
                                         </p:cTn>
                                         <p:tgtEl>
-                                          <p:spTgt spid="5"/>
+                                          <p:spTgt spid="42"/>
                                         </p:tgtEl>
                                         <p:attrNameLst>
                                           <p:attrName>style.visibility</p:attrName>
                                         </p:attrNameLst>
                                       </p:cBhvr>
                                       <p:to>
-                                        <p:strVal val="hidden"/>
+                                        <p:strVal val="visible"/>
                                       </p:to>
                                     </p:set>
+                                    <p:anim calcmode="lin" valueType="num">
+                                      <p:cBhvr>
+                                        <p:cTn id="57" dur="500" fill="hold"/>
+                                        <p:tgtEl>
+                                          <p:spTgt spid="42"/>
+                                        </p:tgtEl>
+                                        <p:attrNameLst>
+                                          <p:attrName>ppt_w</p:attrName>
+                                        </p:attrNameLst>
+                                      </p:cBhvr>
+                                      <p:tavLst>
+                                        <p:tav tm="0">
+                                          <p:val>
+                                            <p:fltVal val="0"/>
+                                          </p:val>
+                                        </p:tav>
+                                        <p:tav tm="100000">
+                                          <p:val>
+                                            <p:strVal val="#ppt_w"/>
+                                          </p:val>
+                                        </p:tav>
+                                      </p:tavLst>
+                                    </p:anim>
+                                    <p:anim calcmode="lin" valueType="num">
+                                      <p:cBhvr>
+                                        <p:cTn id="58" dur="500" fill="hold"/>
+                                        <p:tgtEl>
+                                          <p:spTgt spid="42"/>
+                                        </p:tgtEl>
+                                        <p:attrNameLst>
+                                          <p:attrName>ppt_h</p:attrName>
+                                        </p:attrNameLst>
+                                      </p:cBhvr>
+                                      <p:tavLst>
+                                        <p:tav tm="0">
+                                          <p:val>
+                                            <p:fltVal val="0"/>
+                                          </p:val>
+                                        </p:tav>
+                                        <p:tav tm="100000">
+                                          <p:val>
+                                            <p:strVal val="#ppt_h"/>
+                                          </p:val>
+                                        </p:tav>
+                                      </p:tavLst>
+                                    </p:anim>
+                                    <p:animEffect transition="in" filter="fade">
+                                      <p:cBhvr>
+                                        <p:cTn id="59" dur="500"/>
+                                        <p:tgtEl>
+                                          <p:spTgt spid="42"/>
+                                        </p:tgtEl>
+                                      </p:cBhvr>
+                                    </p:animEffect>
                                   </p:childTnLst>
                                 </p:cTn>
                               </p:par>
+                            </p:childTnLst>
+                          </p:cTn>
+                        </p:par>
+                      </p:childTnLst>
+                    </p:cTn>
+                  </p:par>
+                  <p:par>
+                    <p:cTn id="60" fill="hold">
+                      <p:stCondLst>
+                        <p:cond delay="indefinite"/>
+                      </p:stCondLst>
+                      <p:childTnLst>
+                        <p:par>
+                          <p:cTn id="61" fill="hold">
+                            <p:stCondLst>
+                              <p:cond delay="0"/>
+                            </p:stCondLst>
+                            <p:childTnLst>
                               <p:par>
-                                <p:cTn id="69" presetID="1" presetClass="exit" presetSubtype="0" fill="hold" grpId="0" nodeType="withEffect">
+                                <p:cTn id="62" presetID="42" presetClass="path" presetSubtype="0" accel="50000" decel="50000" fill="hold" nodeType="clickEffect">
+                                  <p:stCondLst>
+                                    <p:cond delay="0"/>
+                                  </p:stCondLst>
+                                  <p:childTnLst>
+                                    <p:animMotion origin="layout" path="M 0.5237 -3.7037E-6 L -0.0763 0.03681 " pathEditMode="relative" rAng="0" ptsTypes="AA">
+                                      <p:cBhvr>
+                                        <p:cTn id="63" dur="1000" fill="hold"/>
+                                        <p:tgtEl>
+                                          <p:spTgt spid="12"/>
+                                        </p:tgtEl>
+                                        <p:attrNameLst>
+                                          <p:attrName>ppt_x</p:attrName>
+                                          <p:attrName>ppt_y</p:attrName>
+                                        </p:attrNameLst>
+                                      </p:cBhvr>
+                                      <p:rCtr x="-30000" y="1829"/>
+                                    </p:animMotion>
+                                  </p:childTnLst>
+                                </p:cTn>
+                              </p:par>
+                            </p:childTnLst>
+                          </p:cTn>
+                        </p:par>
+                      </p:childTnLst>
+                    </p:cTn>
+                  </p:par>
+                  <p:par>
+                    <p:cTn id="64" fill="hold">
+                      <p:stCondLst>
+                        <p:cond delay="indefinite"/>
+                      </p:stCondLst>
+                      <p:childTnLst>
+                        <p:par>
+                          <p:cTn id="65" fill="hold">
+                            <p:stCondLst>
+                              <p:cond delay="0"/>
+                            </p:stCondLst>
+                            <p:childTnLst>
+                              <p:par>
+                                <p:cTn id="66" presetID="53" presetClass="entr" presetSubtype="16" fill="hold" grpId="0" nodeType="clickEffect">
                                   <p:stCondLst>
                                     <p:cond delay="0"/>
                                   </p:stCondLst>
                                   <p:childTnLst>
                                     <p:set>
                                       <p:cBhvr>
-                                        <p:cTn id="70" dur="1" fill="hold">
+                                        <p:cTn id="67" dur="1" fill="hold">
                                           <p:stCondLst>
                                             <p:cond delay="0"/>
                                           </p:stCondLst>
                                         </p:cTn>
                                         <p:tgtEl>
-                                          <p:spTgt spid="4"/>
+                                          <p:spTgt spid="47"/>
                                         </p:tgtEl>
                                         <p:attrNameLst>
                                           <p:attrName>style.visibility</p:attrName>
                                         </p:attrNameLst>
                                       </p:cBhvr>
                                       <p:to>
-                                        <p:strVal val="hidden"/>
+                                        <p:strVal val="visible"/>
                                       </p:to>
                                     </p:set>
+                                    <p:anim calcmode="lin" valueType="num">
+                                      <p:cBhvr>
+                                        <p:cTn id="68" dur="500" fill="hold"/>
+                                        <p:tgtEl>
+                                          <p:spTgt spid="47"/>
+                                        </p:tgtEl>
+                                        <p:attrNameLst>
+                                          <p:attrName>ppt_w</p:attrName>
+                                        </p:attrNameLst>
+                                      </p:cBhvr>
+                                      <p:tavLst>
+                                        <p:tav tm="0">
+                                          <p:val>
+                                            <p:fltVal val="0"/>
+                                          </p:val>
+                                        </p:tav>
+                                        <p:tav tm="100000">
+                                          <p:val>
+                                            <p:strVal val="#ppt_w"/>
+                                          </p:val>
+                                        </p:tav>
+                                      </p:tavLst>
+                                    </p:anim>
+                                    <p:anim calcmode="lin" valueType="num">
+                                      <p:cBhvr>
+                                        <p:cTn id="69" dur="500" fill="hold"/>
+                                        <p:tgtEl>
+                                          <p:spTgt spid="47"/>
+                                        </p:tgtEl>
+                                        <p:attrNameLst>
+                                          <p:attrName>ppt_h</p:attrName>
+                                        </p:attrNameLst>
+                                      </p:cBhvr>
+                                      <p:tavLst>
+                                        <p:tav tm="0">
+                                          <p:val>
+                                            <p:fltVal val="0"/>
+                                          </p:val>
+                                        </p:tav>
+                                        <p:tav tm="100000">
+                                          <p:val>
+                                            <p:strVal val="#ppt_h"/>
+                                          </p:val>
+                                        </p:tav>
+                                      </p:tavLst>
+                                    </p:anim>
+                                    <p:animEffect transition="in" filter="fade">
+                                      <p:cBhvr>
+                                        <p:cTn id="70" dur="500"/>
+                                        <p:tgtEl>
+                                          <p:spTgt spid="47"/>
+                                        </p:tgtEl>
+                                      </p:cBhvr>
+                                    </p:animEffect>
                                   </p:childTnLst>
                                 </p:cTn>
                               </p:par>
@@ -7886,7 +8049,7 @@
                             </p:stCondLst>
                             <p:childTnLst>
                               <p:par>
-                                <p:cTn id="73" presetID="1" presetClass="entr" presetSubtype="0" fill="hold" grpId="0" nodeType="clickEffect">
+                                <p:cTn id="73" presetID="1" presetClass="entr" presetSubtype="0" fill="hold" nodeType="clickEffect">
                                   <p:stCondLst>
                                     <p:cond delay="0"/>
                                   </p:stCondLst>
@@ -7895,11 +8058,246 @@
                                       <p:cBhvr>
                                         <p:cTn id="74" dur="1" fill="hold">
                                           <p:stCondLst>
+                                            <p:cond delay="9"/>
+                                          </p:stCondLst>
+                                        </p:cTn>
+                                        <p:tgtEl>
+                                          <p:spTgt spid="65"/>
+                                        </p:tgtEl>
+                                        <p:attrNameLst>
+                                          <p:attrName>style.visibility</p:attrName>
+                                        </p:attrNameLst>
+                                      </p:cBhvr>
+                                      <p:to>
+                                        <p:strVal val="visible"/>
+                                      </p:to>
+                                    </p:set>
+                                  </p:childTnLst>
+                                </p:cTn>
+                              </p:par>
+                              <p:par>
+                                <p:cTn id="75" presetID="42" presetClass="path" presetSubtype="0" accel="50000" decel="50000" fill="hold" nodeType="withEffect">
+                                  <p:stCondLst>
+                                    <p:cond delay="0"/>
+                                  </p:stCondLst>
+                                  <p:childTnLst>
+                                    <p:animMotion origin="layout" path="M -0.0763 0.03681 L 0.53034 0.32848 " pathEditMode="relative" rAng="0" ptsTypes="AA">
+                                      <p:cBhvr>
+                                        <p:cTn id="76" dur="1000" fill="hold"/>
+                                        <p:tgtEl>
+                                          <p:spTgt spid="12"/>
+                                        </p:tgtEl>
+                                        <p:attrNameLst>
+                                          <p:attrName>ppt_x</p:attrName>
+                                          <p:attrName>ppt_y</p:attrName>
+                                        </p:attrNameLst>
+                                      </p:cBhvr>
+                                      <p:rCtr x="30326" y="14583"/>
+                                    </p:animMotion>
+                                  </p:childTnLst>
+                                </p:cTn>
+                              </p:par>
+                              <p:par>
+                                <p:cTn id="77" presetID="8" presetClass="emph" presetSubtype="0" fill="hold" nodeType="withEffect">
+                                  <p:stCondLst>
+                                    <p:cond delay="0"/>
+                                  </p:stCondLst>
+                                  <p:childTnLst>
+                                    <p:animRot by="-5400000">
+                                      <p:cBhvr>
+                                        <p:cTn id="78" dur="500" fill="hold"/>
+                                        <p:tgtEl>
+                                          <p:spTgt spid="12"/>
+                                        </p:tgtEl>
+                                        <p:attrNameLst>
+                                          <p:attrName>r</p:attrName>
+                                        </p:attrNameLst>
+                                      </p:cBhvr>
+                                    </p:animRot>
+                                  </p:childTnLst>
+                                </p:cTn>
+                              </p:par>
+                              <p:par>
+                                <p:cTn id="79" presetID="42" presetClass="path" presetSubtype="0" accel="50000" decel="50000" fill="hold" nodeType="withEffect">
+                                  <p:stCondLst>
+                                    <p:cond delay="0"/>
+                                  </p:stCondLst>
+                                  <p:childTnLst>
+                                    <p:animMotion origin="layout" path="M -3.95833E-6 7.40741E-7 L 0.26524 0.21412 " pathEditMode="relative" rAng="0" ptsTypes="AA">
+                                      <p:cBhvr>
+                                        <p:cTn id="80" dur="1000" fill="hold"/>
+                                        <p:tgtEl>
+                                          <p:spTgt spid="65"/>
+                                        </p:tgtEl>
+                                        <p:attrNameLst>
+                                          <p:attrName>ppt_x</p:attrName>
+                                          <p:attrName>ppt_y</p:attrName>
+                                        </p:attrNameLst>
+                                      </p:cBhvr>
+                                      <p:rCtr x="13255" y="10694"/>
+                                    </p:animMotion>
+                                  </p:childTnLst>
+                                </p:cTn>
+                              </p:par>
+                              <p:par>
+                                <p:cTn id="81" presetID="8" presetClass="emph" presetSubtype="0" fill="hold" nodeType="withEffect">
+                                  <p:stCondLst>
+                                    <p:cond delay="0"/>
+                                  </p:stCondLst>
+                                  <p:childTnLst>
+                                    <p:animRot by="-5400000">
+                                      <p:cBhvr>
+                                        <p:cTn id="82" dur="500" fill="hold"/>
+                                        <p:tgtEl>
+                                          <p:spTgt spid="65"/>
+                                        </p:tgtEl>
+                                        <p:attrNameLst>
+                                          <p:attrName>r</p:attrName>
+                                        </p:attrNameLst>
+                                      </p:cBhvr>
+                                    </p:animRot>
+                                  </p:childTnLst>
+                                </p:cTn>
+                              </p:par>
+                            </p:childTnLst>
+                          </p:cTn>
+                        </p:par>
+                      </p:childTnLst>
+                    </p:cTn>
+                  </p:par>
+                  <p:par>
+                    <p:cTn id="83" fill="hold">
+                      <p:stCondLst>
+                        <p:cond delay="indefinite"/>
+                      </p:stCondLst>
+                      <p:childTnLst>
+                        <p:par>
+                          <p:cTn id="84" fill="hold">
+                            <p:stCondLst>
+                              <p:cond delay="0"/>
+                            </p:stCondLst>
+                            <p:childTnLst>
+                              <p:par>
+                                <p:cTn id="85" presetID="42" presetClass="path" presetSubtype="0" accel="50000" decel="50000" fill="hold" grpId="1" nodeType="clickEffect">
+                                  <p:stCondLst>
+                                    <p:cond delay="0"/>
+                                  </p:stCondLst>
+                                  <p:childTnLst>
+                                    <p:animMotion origin="layout" path="M -6.25E-7 -1.85185E-6 L -0.16914 -0.18403 " pathEditMode="relative" rAng="0" ptsTypes="AA">
+                                      <p:cBhvr>
+                                        <p:cTn id="86" dur="1000" fill="hold"/>
+                                        <p:tgtEl>
+                                          <p:spTgt spid="42"/>
+                                        </p:tgtEl>
+                                        <p:attrNameLst>
+                                          <p:attrName>ppt_x</p:attrName>
+                                          <p:attrName>ppt_y</p:attrName>
+                                        </p:attrNameLst>
+                                      </p:cBhvr>
+                                      <p:rCtr x="-8464" y="-9213"/>
+                                    </p:animMotion>
+                                  </p:childTnLst>
+                                </p:cTn>
+                              </p:par>
+                              <p:par>
+                                <p:cTn id="87" presetID="42" presetClass="path" presetSubtype="0" accel="50000" decel="50000" fill="hold" grpId="1" nodeType="withEffect">
+                                  <p:stCondLst>
+                                    <p:cond delay="0"/>
+                                  </p:stCondLst>
+                                  <p:childTnLst>
+                                    <p:animMotion origin="layout" path="M 6.25E-7 -2.59259E-6 L 0.21289 -2.59259E-6 " pathEditMode="relative" rAng="0" ptsTypes="AA">
+                                      <p:cBhvr>
+                                        <p:cTn id="88" dur="1000" fill="hold"/>
+                                        <p:tgtEl>
+                                          <p:spTgt spid="47"/>
+                                        </p:tgtEl>
+                                        <p:attrNameLst>
+                                          <p:attrName>ppt_x</p:attrName>
+                                          <p:attrName>ppt_y</p:attrName>
+                                        </p:attrNameLst>
+                                      </p:cBhvr>
+                                      <p:rCtr x="10638" y="0"/>
+                                    </p:animMotion>
+                                  </p:childTnLst>
+                                </p:cTn>
+                              </p:par>
+                              <p:par>
+                                <p:cTn id="89" presetID="42" presetClass="path" presetSubtype="0" accel="50000" decel="50000" fill="hold" nodeType="withEffect">
+                                  <p:stCondLst>
+                                    <p:cond delay="0"/>
+                                  </p:stCondLst>
+                                  <p:childTnLst>
+                                    <p:animMotion origin="layout" path="M 0.26524 0.21412 L 0.26836 0.28333 " pathEditMode="relative" rAng="0" ptsTypes="AA">
+                                      <p:cBhvr>
+                                        <p:cTn id="90" dur="1000" fill="hold"/>
+                                        <p:tgtEl>
+                                          <p:spTgt spid="65"/>
+                                        </p:tgtEl>
+                                        <p:attrNameLst>
+                                          <p:attrName>ppt_x</p:attrName>
+                                          <p:attrName>ppt_y</p:attrName>
+                                        </p:attrNameLst>
+                                      </p:cBhvr>
+                                      <p:rCtr x="156" y="3449"/>
+                                    </p:animMotion>
+                                  </p:childTnLst>
+                                </p:cTn>
+                              </p:par>
+                            </p:childTnLst>
+                          </p:cTn>
+                        </p:par>
+                        <p:par>
+                          <p:cTn id="91" fill="hold">
+                            <p:stCondLst>
+                              <p:cond delay="1000"/>
+                            </p:stCondLst>
+                            <p:childTnLst>
+                              <p:par>
+                                <p:cTn id="92" presetID="42" presetClass="path" presetSubtype="0" accel="50000" decel="50000" fill="hold" grpId="1" nodeType="afterEffect">
+                                  <p:stCondLst>
+                                    <p:cond delay="0"/>
+                                  </p:stCondLst>
+                                  <p:childTnLst>
+                                    <p:animMotion origin="layout" path="M 6.25E-7 -1.85185E-6 L 0.13138 -0.07801 " pathEditMode="relative" rAng="0" ptsTypes="AA">
+                                      <p:cBhvr>
+                                        <p:cTn id="93" dur="1000" fill="hold"/>
+                                        <p:tgtEl>
+                                          <p:spTgt spid="29"/>
+                                        </p:tgtEl>
+                                        <p:attrNameLst>
+                                          <p:attrName>ppt_x</p:attrName>
+                                          <p:attrName>ppt_y</p:attrName>
+                                        </p:attrNameLst>
+                                      </p:cBhvr>
+                                      <p:rCtr x="6562" y="-3912"/>
+                                    </p:animMotion>
+                                  </p:childTnLst>
+                                </p:cTn>
+                              </p:par>
+                            </p:childTnLst>
+                          </p:cTn>
+                        </p:par>
+                        <p:par>
+                          <p:cTn id="94" fill="hold">
+                            <p:stCondLst>
+                              <p:cond delay="2000"/>
+                            </p:stCondLst>
+                            <p:childTnLst>
+                              <p:par>
+                                <p:cTn id="95" presetID="53" presetClass="entr" presetSubtype="16" fill="hold" nodeType="afterEffect">
+                                  <p:stCondLst>
+                                    <p:cond delay="0"/>
+                                  </p:stCondLst>
+                                  <p:childTnLst>
+                                    <p:set>
+                                      <p:cBhvr>
+                                        <p:cTn id="96" dur="1" fill="hold">
+                                          <p:stCondLst>
                                             <p:cond delay="0"/>
                                           </p:stCondLst>
                                         </p:cTn>
                                         <p:tgtEl>
-                                          <p:spTgt spid="31"/>
+                                          <p:spTgt spid="71"/>
                                         </p:tgtEl>
                                         <p:attrNameLst>
                                           <p:attrName>style.visibility</p:attrName>
@@ -7907,6 +8305,2084 @@
                                       </p:cBhvr>
                                       <p:to>
                                         <p:strVal val="visible"/>
+                                      </p:to>
+                                    </p:set>
+                                    <p:anim calcmode="lin" valueType="num">
+                                      <p:cBhvr>
+                                        <p:cTn id="97" dur="500" fill="hold"/>
+                                        <p:tgtEl>
+                                          <p:spTgt spid="71"/>
+                                        </p:tgtEl>
+                                        <p:attrNameLst>
+                                          <p:attrName>ppt_w</p:attrName>
+                                        </p:attrNameLst>
+                                      </p:cBhvr>
+                                      <p:tavLst>
+                                        <p:tav tm="0">
+                                          <p:val>
+                                            <p:fltVal val="0"/>
+                                          </p:val>
+                                        </p:tav>
+                                        <p:tav tm="100000">
+                                          <p:val>
+                                            <p:strVal val="#ppt_w"/>
+                                          </p:val>
+                                        </p:tav>
+                                      </p:tavLst>
+                                    </p:anim>
+                                    <p:anim calcmode="lin" valueType="num">
+                                      <p:cBhvr>
+                                        <p:cTn id="98" dur="500" fill="hold"/>
+                                        <p:tgtEl>
+                                          <p:spTgt spid="71"/>
+                                        </p:tgtEl>
+                                        <p:attrNameLst>
+                                          <p:attrName>ppt_h</p:attrName>
+                                        </p:attrNameLst>
+                                      </p:cBhvr>
+                                      <p:tavLst>
+                                        <p:tav tm="0">
+                                          <p:val>
+                                            <p:fltVal val="0"/>
+                                          </p:val>
+                                        </p:tav>
+                                        <p:tav tm="100000">
+                                          <p:val>
+                                            <p:strVal val="#ppt_h"/>
+                                          </p:val>
+                                        </p:tav>
+                                      </p:tavLst>
+                                    </p:anim>
+                                    <p:animEffect transition="in" filter="fade">
+                                      <p:cBhvr>
+                                        <p:cTn id="99" dur="500"/>
+                                        <p:tgtEl>
+                                          <p:spTgt spid="71"/>
+                                        </p:tgtEl>
+                                      </p:cBhvr>
+                                    </p:animEffect>
+                                  </p:childTnLst>
+                                </p:cTn>
+                              </p:par>
+                              <p:par>
+                                <p:cTn id="100" presetID="53" presetClass="entr" presetSubtype="16" fill="hold" nodeType="withEffect">
+                                  <p:stCondLst>
+                                    <p:cond delay="0"/>
+                                  </p:stCondLst>
+                                  <p:childTnLst>
+                                    <p:set>
+                                      <p:cBhvr>
+                                        <p:cTn id="101" dur="1" fill="hold">
+                                          <p:stCondLst>
+                                            <p:cond delay="0"/>
+                                          </p:stCondLst>
+                                        </p:cTn>
+                                        <p:tgtEl>
+                                          <p:spTgt spid="72"/>
+                                        </p:tgtEl>
+                                        <p:attrNameLst>
+                                          <p:attrName>style.visibility</p:attrName>
+                                        </p:attrNameLst>
+                                      </p:cBhvr>
+                                      <p:to>
+                                        <p:strVal val="visible"/>
+                                      </p:to>
+                                    </p:set>
+                                    <p:anim calcmode="lin" valueType="num">
+                                      <p:cBhvr>
+                                        <p:cTn id="102" dur="500" fill="hold"/>
+                                        <p:tgtEl>
+                                          <p:spTgt spid="72"/>
+                                        </p:tgtEl>
+                                        <p:attrNameLst>
+                                          <p:attrName>ppt_w</p:attrName>
+                                        </p:attrNameLst>
+                                      </p:cBhvr>
+                                      <p:tavLst>
+                                        <p:tav tm="0">
+                                          <p:val>
+                                            <p:fltVal val="0"/>
+                                          </p:val>
+                                        </p:tav>
+                                        <p:tav tm="100000">
+                                          <p:val>
+                                            <p:strVal val="#ppt_w"/>
+                                          </p:val>
+                                        </p:tav>
+                                      </p:tavLst>
+                                    </p:anim>
+                                    <p:anim calcmode="lin" valueType="num">
+                                      <p:cBhvr>
+                                        <p:cTn id="103" dur="500" fill="hold"/>
+                                        <p:tgtEl>
+                                          <p:spTgt spid="72"/>
+                                        </p:tgtEl>
+                                        <p:attrNameLst>
+                                          <p:attrName>ppt_h</p:attrName>
+                                        </p:attrNameLst>
+                                      </p:cBhvr>
+                                      <p:tavLst>
+                                        <p:tav tm="0">
+                                          <p:val>
+                                            <p:fltVal val="0"/>
+                                          </p:val>
+                                        </p:tav>
+                                        <p:tav tm="100000">
+                                          <p:val>
+                                            <p:strVal val="#ppt_h"/>
+                                          </p:val>
+                                        </p:tav>
+                                      </p:tavLst>
+                                    </p:anim>
+                                    <p:animEffect transition="in" filter="fade">
+                                      <p:cBhvr>
+                                        <p:cTn id="104" dur="500"/>
+                                        <p:tgtEl>
+                                          <p:spTgt spid="72"/>
+                                        </p:tgtEl>
+                                      </p:cBhvr>
+                                    </p:animEffect>
+                                  </p:childTnLst>
+                                </p:cTn>
+                              </p:par>
+                            </p:childTnLst>
+                          </p:cTn>
+                        </p:par>
+                      </p:childTnLst>
+                    </p:cTn>
+                  </p:par>
+                  <p:par>
+                    <p:cTn id="105" fill="hold">
+                      <p:stCondLst>
+                        <p:cond delay="indefinite"/>
+                      </p:stCondLst>
+                      <p:childTnLst>
+                        <p:par>
+                          <p:cTn id="106" fill="hold">
+                            <p:stCondLst>
+                              <p:cond delay="0"/>
+                            </p:stCondLst>
+                            <p:childTnLst>
+                              <p:par>
+                                <p:cTn id="107" presetID="42" presetClass="path" presetSubtype="0" accel="50000" decel="50000" fill="hold" grpId="2" nodeType="clickEffect">
+                                  <p:stCondLst>
+                                    <p:cond delay="0"/>
+                                  </p:stCondLst>
+                                  <p:childTnLst>
+                                    <p:animMotion origin="layout" path="M 0.21289 -2.59259E-6 L 0.16914 -2.59259E-6 " pathEditMode="relative" rAng="0" ptsTypes="AA">
+                                      <p:cBhvr>
+                                        <p:cTn id="108" dur="1000" fill="hold"/>
+                                        <p:tgtEl>
+                                          <p:spTgt spid="47"/>
+                                        </p:tgtEl>
+                                        <p:attrNameLst>
+                                          <p:attrName>ppt_x</p:attrName>
+                                          <p:attrName>ppt_y</p:attrName>
+                                        </p:attrNameLst>
+                                      </p:cBhvr>
+                                      <p:rCtr x="-2187" y="0"/>
+                                    </p:animMotion>
+                                  </p:childTnLst>
+                                </p:cTn>
+                              </p:par>
+                              <p:par>
+                                <p:cTn id="109" presetID="42" presetClass="path" presetSubtype="0" accel="50000" decel="50000" fill="hold" grpId="2" nodeType="withEffect">
+                                  <p:stCondLst>
+                                    <p:cond delay="0"/>
+                                  </p:stCondLst>
+                                  <p:childTnLst>
+                                    <p:animMotion origin="layout" path="M 0.13138 -0.07801 L 0.16914 -0.07801 " pathEditMode="relative" rAng="0" ptsTypes="AA">
+                                      <p:cBhvr>
+                                        <p:cTn id="110" dur="1000" fill="hold"/>
+                                        <p:tgtEl>
+                                          <p:spTgt spid="29"/>
+                                        </p:tgtEl>
+                                        <p:attrNameLst>
+                                          <p:attrName>ppt_x</p:attrName>
+                                          <p:attrName>ppt_y</p:attrName>
+                                        </p:attrNameLst>
+                                      </p:cBhvr>
+                                      <p:rCtr x="1888" y="0"/>
+                                    </p:animMotion>
+                                  </p:childTnLst>
+                                </p:cTn>
+                              </p:par>
+                              <p:par>
+                                <p:cTn id="111" presetID="53" presetClass="exit" presetSubtype="32" fill="hold" grpId="3" nodeType="withEffect">
+                                  <p:stCondLst>
+                                    <p:cond delay="0"/>
+                                  </p:stCondLst>
+                                  <p:childTnLst>
+                                    <p:anim calcmode="lin" valueType="num">
+                                      <p:cBhvr>
+                                        <p:cTn id="112" dur="1000"/>
+                                        <p:tgtEl>
+                                          <p:spTgt spid="47"/>
+                                        </p:tgtEl>
+                                        <p:attrNameLst>
+                                          <p:attrName>ppt_w</p:attrName>
+                                        </p:attrNameLst>
+                                      </p:cBhvr>
+                                      <p:tavLst>
+                                        <p:tav tm="0">
+                                          <p:val>
+                                            <p:strVal val="ppt_w"/>
+                                          </p:val>
+                                        </p:tav>
+                                        <p:tav tm="100000">
+                                          <p:val>
+                                            <p:fltVal val="0"/>
+                                          </p:val>
+                                        </p:tav>
+                                      </p:tavLst>
+                                    </p:anim>
+                                    <p:anim calcmode="lin" valueType="num">
+                                      <p:cBhvr>
+                                        <p:cTn id="113" dur="1000"/>
+                                        <p:tgtEl>
+                                          <p:spTgt spid="47"/>
+                                        </p:tgtEl>
+                                        <p:attrNameLst>
+                                          <p:attrName>ppt_h</p:attrName>
+                                        </p:attrNameLst>
+                                      </p:cBhvr>
+                                      <p:tavLst>
+                                        <p:tav tm="0">
+                                          <p:val>
+                                            <p:strVal val="ppt_h"/>
+                                          </p:val>
+                                        </p:tav>
+                                        <p:tav tm="100000">
+                                          <p:val>
+                                            <p:fltVal val="0"/>
+                                          </p:val>
+                                        </p:tav>
+                                      </p:tavLst>
+                                    </p:anim>
+                                    <p:animEffect transition="out" filter="fade">
+                                      <p:cBhvr>
+                                        <p:cTn id="114" dur="1000"/>
+                                        <p:tgtEl>
+                                          <p:spTgt spid="47"/>
+                                        </p:tgtEl>
+                                      </p:cBhvr>
+                                    </p:animEffect>
+                                    <p:set>
+                                      <p:cBhvr>
+                                        <p:cTn id="115" dur="1" fill="hold">
+                                          <p:stCondLst>
+                                            <p:cond delay="999"/>
+                                          </p:stCondLst>
+                                        </p:cTn>
+                                        <p:tgtEl>
+                                          <p:spTgt spid="47"/>
+                                        </p:tgtEl>
+                                        <p:attrNameLst>
+                                          <p:attrName>style.visibility</p:attrName>
+                                        </p:attrNameLst>
+                                      </p:cBhvr>
+                                      <p:to>
+                                        <p:strVal val="hidden"/>
+                                      </p:to>
+                                    </p:set>
+                                  </p:childTnLst>
+                                </p:cTn>
+                              </p:par>
+                              <p:par>
+                                <p:cTn id="116" presetID="53" presetClass="exit" presetSubtype="32" fill="hold" grpId="3" nodeType="withEffect">
+                                  <p:stCondLst>
+                                    <p:cond delay="0"/>
+                                  </p:stCondLst>
+                                  <p:childTnLst>
+                                    <p:anim calcmode="lin" valueType="num">
+                                      <p:cBhvr>
+                                        <p:cTn id="117" dur="1000"/>
+                                        <p:tgtEl>
+                                          <p:spTgt spid="29"/>
+                                        </p:tgtEl>
+                                        <p:attrNameLst>
+                                          <p:attrName>ppt_w</p:attrName>
+                                        </p:attrNameLst>
+                                      </p:cBhvr>
+                                      <p:tavLst>
+                                        <p:tav tm="0">
+                                          <p:val>
+                                            <p:strVal val="ppt_w"/>
+                                          </p:val>
+                                        </p:tav>
+                                        <p:tav tm="100000">
+                                          <p:val>
+                                            <p:fltVal val="0"/>
+                                          </p:val>
+                                        </p:tav>
+                                      </p:tavLst>
+                                    </p:anim>
+                                    <p:anim calcmode="lin" valueType="num">
+                                      <p:cBhvr>
+                                        <p:cTn id="118" dur="1000"/>
+                                        <p:tgtEl>
+                                          <p:spTgt spid="29"/>
+                                        </p:tgtEl>
+                                        <p:attrNameLst>
+                                          <p:attrName>ppt_h</p:attrName>
+                                        </p:attrNameLst>
+                                      </p:cBhvr>
+                                      <p:tavLst>
+                                        <p:tav tm="0">
+                                          <p:val>
+                                            <p:strVal val="ppt_h"/>
+                                          </p:val>
+                                        </p:tav>
+                                        <p:tav tm="100000">
+                                          <p:val>
+                                            <p:fltVal val="0"/>
+                                          </p:val>
+                                        </p:tav>
+                                      </p:tavLst>
+                                    </p:anim>
+                                    <p:animEffect transition="out" filter="fade">
+                                      <p:cBhvr>
+                                        <p:cTn id="119" dur="1000"/>
+                                        <p:tgtEl>
+                                          <p:spTgt spid="29"/>
+                                        </p:tgtEl>
+                                      </p:cBhvr>
+                                    </p:animEffect>
+                                    <p:set>
+                                      <p:cBhvr>
+                                        <p:cTn id="120" dur="1" fill="hold">
+                                          <p:stCondLst>
+                                            <p:cond delay="999"/>
+                                          </p:stCondLst>
+                                        </p:cTn>
+                                        <p:tgtEl>
+                                          <p:spTgt spid="29"/>
+                                        </p:tgtEl>
+                                        <p:attrNameLst>
+                                          <p:attrName>style.visibility</p:attrName>
+                                        </p:attrNameLst>
+                                      </p:cBhvr>
+                                      <p:to>
+                                        <p:strVal val="hidden"/>
+                                      </p:to>
+                                    </p:set>
+                                  </p:childTnLst>
+                                </p:cTn>
+                              </p:par>
+                              <p:par>
+                                <p:cTn id="121" presetID="53" presetClass="exit" presetSubtype="32" fill="hold" nodeType="withEffect">
+                                  <p:stCondLst>
+                                    <p:cond delay="0"/>
+                                  </p:stCondLst>
+                                  <p:childTnLst>
+                                    <p:anim calcmode="lin" valueType="num">
+                                      <p:cBhvr>
+                                        <p:cTn id="122" dur="500"/>
+                                        <p:tgtEl>
+                                          <p:spTgt spid="71"/>
+                                        </p:tgtEl>
+                                        <p:attrNameLst>
+                                          <p:attrName>ppt_w</p:attrName>
+                                        </p:attrNameLst>
+                                      </p:cBhvr>
+                                      <p:tavLst>
+                                        <p:tav tm="0">
+                                          <p:val>
+                                            <p:strVal val="ppt_w"/>
+                                          </p:val>
+                                        </p:tav>
+                                        <p:tav tm="100000">
+                                          <p:val>
+                                            <p:fltVal val="0"/>
+                                          </p:val>
+                                        </p:tav>
+                                      </p:tavLst>
+                                    </p:anim>
+                                    <p:anim calcmode="lin" valueType="num">
+                                      <p:cBhvr>
+                                        <p:cTn id="123" dur="500"/>
+                                        <p:tgtEl>
+                                          <p:spTgt spid="71"/>
+                                        </p:tgtEl>
+                                        <p:attrNameLst>
+                                          <p:attrName>ppt_h</p:attrName>
+                                        </p:attrNameLst>
+                                      </p:cBhvr>
+                                      <p:tavLst>
+                                        <p:tav tm="0">
+                                          <p:val>
+                                            <p:strVal val="ppt_h"/>
+                                          </p:val>
+                                        </p:tav>
+                                        <p:tav tm="100000">
+                                          <p:val>
+                                            <p:fltVal val="0"/>
+                                          </p:val>
+                                        </p:tav>
+                                      </p:tavLst>
+                                    </p:anim>
+                                    <p:animEffect transition="out" filter="fade">
+                                      <p:cBhvr>
+                                        <p:cTn id="124" dur="500"/>
+                                        <p:tgtEl>
+                                          <p:spTgt spid="71"/>
+                                        </p:tgtEl>
+                                      </p:cBhvr>
+                                    </p:animEffect>
+                                    <p:set>
+                                      <p:cBhvr>
+                                        <p:cTn id="125" dur="1" fill="hold">
+                                          <p:stCondLst>
+                                            <p:cond delay="499"/>
+                                          </p:stCondLst>
+                                        </p:cTn>
+                                        <p:tgtEl>
+                                          <p:spTgt spid="71"/>
+                                        </p:tgtEl>
+                                        <p:attrNameLst>
+                                          <p:attrName>style.visibility</p:attrName>
+                                        </p:attrNameLst>
+                                      </p:cBhvr>
+                                      <p:to>
+                                        <p:strVal val="hidden"/>
+                                      </p:to>
+                                    </p:set>
+                                  </p:childTnLst>
+                                </p:cTn>
+                              </p:par>
+                              <p:par>
+                                <p:cTn id="126" presetID="53" presetClass="exit" presetSubtype="32" fill="hold" nodeType="withEffect">
+                                  <p:stCondLst>
+                                    <p:cond delay="0"/>
+                                  </p:stCondLst>
+                                  <p:childTnLst>
+                                    <p:anim calcmode="lin" valueType="num">
+                                      <p:cBhvr>
+                                        <p:cTn id="127" dur="500"/>
+                                        <p:tgtEl>
+                                          <p:spTgt spid="72"/>
+                                        </p:tgtEl>
+                                        <p:attrNameLst>
+                                          <p:attrName>ppt_w</p:attrName>
+                                        </p:attrNameLst>
+                                      </p:cBhvr>
+                                      <p:tavLst>
+                                        <p:tav tm="0">
+                                          <p:val>
+                                            <p:strVal val="ppt_w"/>
+                                          </p:val>
+                                        </p:tav>
+                                        <p:tav tm="100000">
+                                          <p:val>
+                                            <p:fltVal val="0"/>
+                                          </p:val>
+                                        </p:tav>
+                                      </p:tavLst>
+                                    </p:anim>
+                                    <p:anim calcmode="lin" valueType="num">
+                                      <p:cBhvr>
+                                        <p:cTn id="128" dur="500"/>
+                                        <p:tgtEl>
+                                          <p:spTgt spid="72"/>
+                                        </p:tgtEl>
+                                        <p:attrNameLst>
+                                          <p:attrName>ppt_h</p:attrName>
+                                        </p:attrNameLst>
+                                      </p:cBhvr>
+                                      <p:tavLst>
+                                        <p:tav tm="0">
+                                          <p:val>
+                                            <p:strVal val="ppt_h"/>
+                                          </p:val>
+                                        </p:tav>
+                                        <p:tav tm="100000">
+                                          <p:val>
+                                            <p:fltVal val="0"/>
+                                          </p:val>
+                                        </p:tav>
+                                      </p:tavLst>
+                                    </p:anim>
+                                    <p:animEffect transition="out" filter="fade">
+                                      <p:cBhvr>
+                                        <p:cTn id="129" dur="500"/>
+                                        <p:tgtEl>
+                                          <p:spTgt spid="72"/>
+                                        </p:tgtEl>
+                                      </p:cBhvr>
+                                    </p:animEffect>
+                                    <p:set>
+                                      <p:cBhvr>
+                                        <p:cTn id="130" dur="1" fill="hold">
+                                          <p:stCondLst>
+                                            <p:cond delay="499"/>
+                                          </p:stCondLst>
+                                        </p:cTn>
+                                        <p:tgtEl>
+                                          <p:spTgt spid="72"/>
+                                        </p:tgtEl>
+                                        <p:attrNameLst>
+                                          <p:attrName>style.visibility</p:attrName>
+                                        </p:attrNameLst>
+                                      </p:cBhvr>
+                                      <p:to>
+                                        <p:strVal val="hidden"/>
+                                      </p:to>
+                                    </p:set>
+                                  </p:childTnLst>
+                                </p:cTn>
+                              </p:par>
+                              <p:par>
+                                <p:cTn id="131" presetID="53" presetClass="exit" presetSubtype="32" fill="hold" grpId="2" nodeType="withEffect">
+                                  <p:stCondLst>
+                                    <p:cond delay="0"/>
+                                  </p:stCondLst>
+                                  <p:childTnLst>
+                                    <p:anim calcmode="lin" valueType="num">
+                                      <p:cBhvr>
+                                        <p:cTn id="132" dur="500"/>
+                                        <p:tgtEl>
+                                          <p:spTgt spid="42"/>
+                                        </p:tgtEl>
+                                        <p:attrNameLst>
+                                          <p:attrName>ppt_w</p:attrName>
+                                        </p:attrNameLst>
+                                      </p:cBhvr>
+                                      <p:tavLst>
+                                        <p:tav tm="0">
+                                          <p:val>
+                                            <p:strVal val="ppt_w"/>
+                                          </p:val>
+                                        </p:tav>
+                                        <p:tav tm="100000">
+                                          <p:val>
+                                            <p:fltVal val="0"/>
+                                          </p:val>
+                                        </p:tav>
+                                      </p:tavLst>
+                                    </p:anim>
+                                    <p:anim calcmode="lin" valueType="num">
+                                      <p:cBhvr>
+                                        <p:cTn id="133" dur="500"/>
+                                        <p:tgtEl>
+                                          <p:spTgt spid="42"/>
+                                        </p:tgtEl>
+                                        <p:attrNameLst>
+                                          <p:attrName>ppt_h</p:attrName>
+                                        </p:attrNameLst>
+                                      </p:cBhvr>
+                                      <p:tavLst>
+                                        <p:tav tm="0">
+                                          <p:val>
+                                            <p:strVal val="ppt_h"/>
+                                          </p:val>
+                                        </p:tav>
+                                        <p:tav tm="100000">
+                                          <p:val>
+                                            <p:fltVal val="0"/>
+                                          </p:val>
+                                        </p:tav>
+                                      </p:tavLst>
+                                    </p:anim>
+                                    <p:animEffect transition="out" filter="fade">
+                                      <p:cBhvr>
+                                        <p:cTn id="134" dur="500"/>
+                                        <p:tgtEl>
+                                          <p:spTgt spid="42"/>
+                                        </p:tgtEl>
+                                      </p:cBhvr>
+                                    </p:animEffect>
+                                    <p:set>
+                                      <p:cBhvr>
+                                        <p:cTn id="135" dur="1" fill="hold">
+                                          <p:stCondLst>
+                                            <p:cond delay="499"/>
+                                          </p:stCondLst>
+                                        </p:cTn>
+                                        <p:tgtEl>
+                                          <p:spTgt spid="42"/>
+                                        </p:tgtEl>
+                                        <p:attrNameLst>
+                                          <p:attrName>style.visibility</p:attrName>
+                                        </p:attrNameLst>
+                                      </p:cBhvr>
+                                      <p:to>
+                                        <p:strVal val="hidden"/>
+                                      </p:to>
+                                    </p:set>
+                                  </p:childTnLst>
+                                </p:cTn>
+                              </p:par>
+                            </p:childTnLst>
+                          </p:cTn>
+                        </p:par>
+                        <p:par>
+                          <p:cTn id="136" fill="hold">
+                            <p:stCondLst>
+                              <p:cond delay="1000"/>
+                            </p:stCondLst>
+                            <p:childTnLst>
+                              <p:par>
+                                <p:cTn id="137" presetID="53" presetClass="entr" presetSubtype="16" fill="hold" grpId="0" nodeType="afterEffect">
+                                  <p:stCondLst>
+                                    <p:cond delay="0"/>
+                                  </p:stCondLst>
+                                  <p:childTnLst>
+                                    <p:set>
+                                      <p:cBhvr>
+                                        <p:cTn id="138" dur="1" fill="hold">
+                                          <p:stCondLst>
+                                            <p:cond delay="0"/>
+                                          </p:stCondLst>
+                                        </p:cTn>
+                                        <p:tgtEl>
+                                          <p:spTgt spid="75"/>
+                                        </p:tgtEl>
+                                        <p:attrNameLst>
+                                          <p:attrName>style.visibility</p:attrName>
+                                        </p:attrNameLst>
+                                      </p:cBhvr>
+                                      <p:to>
+                                        <p:strVal val="visible"/>
+                                      </p:to>
+                                    </p:set>
+                                    <p:anim calcmode="lin" valueType="num">
+                                      <p:cBhvr>
+                                        <p:cTn id="139" dur="500" fill="hold"/>
+                                        <p:tgtEl>
+                                          <p:spTgt spid="75"/>
+                                        </p:tgtEl>
+                                        <p:attrNameLst>
+                                          <p:attrName>ppt_w</p:attrName>
+                                        </p:attrNameLst>
+                                      </p:cBhvr>
+                                      <p:tavLst>
+                                        <p:tav tm="0">
+                                          <p:val>
+                                            <p:fltVal val="0"/>
+                                          </p:val>
+                                        </p:tav>
+                                        <p:tav tm="100000">
+                                          <p:val>
+                                            <p:strVal val="#ppt_w"/>
+                                          </p:val>
+                                        </p:tav>
+                                      </p:tavLst>
+                                    </p:anim>
+                                    <p:anim calcmode="lin" valueType="num">
+                                      <p:cBhvr>
+                                        <p:cTn id="140" dur="500" fill="hold"/>
+                                        <p:tgtEl>
+                                          <p:spTgt spid="75"/>
+                                        </p:tgtEl>
+                                        <p:attrNameLst>
+                                          <p:attrName>ppt_h</p:attrName>
+                                        </p:attrNameLst>
+                                      </p:cBhvr>
+                                      <p:tavLst>
+                                        <p:tav tm="0">
+                                          <p:val>
+                                            <p:fltVal val="0"/>
+                                          </p:val>
+                                        </p:tav>
+                                        <p:tav tm="100000">
+                                          <p:val>
+                                            <p:strVal val="#ppt_h"/>
+                                          </p:val>
+                                        </p:tav>
+                                      </p:tavLst>
+                                    </p:anim>
+                                    <p:animEffect transition="in" filter="fade">
+                                      <p:cBhvr>
+                                        <p:cTn id="141" dur="500"/>
+                                        <p:tgtEl>
+                                          <p:spTgt spid="75"/>
+                                        </p:tgtEl>
+                                      </p:cBhvr>
+                                    </p:animEffect>
+                                  </p:childTnLst>
+                                </p:cTn>
+                              </p:par>
+                            </p:childTnLst>
+                          </p:cTn>
+                        </p:par>
+                      </p:childTnLst>
+                    </p:cTn>
+                  </p:par>
+                  <p:par>
+                    <p:cTn id="142" fill="hold">
+                      <p:stCondLst>
+                        <p:cond delay="indefinite"/>
+                      </p:stCondLst>
+                      <p:childTnLst>
+                        <p:par>
+                          <p:cTn id="143" fill="hold">
+                            <p:stCondLst>
+                              <p:cond delay="0"/>
+                            </p:stCondLst>
+                            <p:childTnLst>
+                              <p:par>
+                                <p:cTn id="144" presetID="42" presetClass="path" presetSubtype="0" accel="50000" decel="50000" fill="hold" grpId="1" nodeType="clickEffect">
+                                  <p:stCondLst>
+                                    <p:cond delay="0"/>
+                                  </p:stCondLst>
+                                  <p:childTnLst>
+                                    <p:animMotion origin="layout" path="M 8.33333E-7 -2.59259E-6 L -0.16862 0.07801 " pathEditMode="relative" rAng="0" ptsTypes="AA">
+                                      <p:cBhvr>
+                                        <p:cTn id="145" dur="1000" fill="hold"/>
+                                        <p:tgtEl>
+                                          <p:spTgt spid="75"/>
+                                        </p:tgtEl>
+                                        <p:attrNameLst>
+                                          <p:attrName>ppt_x</p:attrName>
+                                          <p:attrName>ppt_y</p:attrName>
+                                        </p:attrNameLst>
+                                      </p:cBhvr>
+                                      <p:rCtr x="-8424" y="3912"/>
+                                    </p:animMotion>
+                                  </p:childTnLst>
+                                </p:cTn>
+                              </p:par>
+                              <p:par>
+                                <p:cTn id="146" presetID="42" presetClass="path" presetSubtype="0" accel="50000" decel="50000" fill="hold" nodeType="withEffect">
+                                  <p:stCondLst>
+                                    <p:cond delay="0"/>
+                                  </p:stCondLst>
+                                  <p:childTnLst>
+                                    <p:animMotion origin="layout" path="M 0.53034 0.32848 L 0.53125 0.39838 " pathEditMode="relative" rAng="0" ptsTypes="AA">
+                                      <p:cBhvr>
+                                        <p:cTn id="147" dur="1000" fill="hold"/>
+                                        <p:tgtEl>
+                                          <p:spTgt spid="12"/>
+                                        </p:tgtEl>
+                                        <p:attrNameLst>
+                                          <p:attrName>ppt_x</p:attrName>
+                                          <p:attrName>ppt_y</p:attrName>
+                                        </p:attrNameLst>
+                                      </p:cBhvr>
+                                      <p:rCtr x="39" y="3495"/>
+                                    </p:animMotion>
+                                  </p:childTnLst>
+                                </p:cTn>
+                              </p:par>
+                            </p:childTnLst>
+                          </p:cTn>
+                        </p:par>
+                      </p:childTnLst>
+                    </p:cTn>
+                  </p:par>
+                  <p:par>
+                    <p:cTn id="148" fill="hold">
+                      <p:stCondLst>
+                        <p:cond delay="indefinite"/>
+                      </p:stCondLst>
+                      <p:childTnLst>
+                        <p:par>
+                          <p:cTn id="149" fill="hold">
+                            <p:stCondLst>
+                              <p:cond delay="0"/>
+                            </p:stCondLst>
+                            <p:childTnLst>
+                              <p:par>
+                                <p:cTn id="150" presetID="42" presetClass="path" presetSubtype="0" accel="50000" decel="50000" fill="hold" grpId="1" nodeType="clickEffect">
+                                  <p:stCondLst>
+                                    <p:cond delay="0"/>
+                                  </p:stCondLst>
+                                  <p:childTnLst>
+                                    <p:animMotion origin="layout" path="M -4.16667E-7 -2.22222E-6 L -0.16901 -0.2544 " pathEditMode="relative" rAng="0" ptsTypes="AA">
+                                      <p:cBhvr>
+                                        <p:cTn id="151" dur="1000" fill="hold"/>
+                                        <p:tgtEl>
+                                          <p:spTgt spid="18"/>
+                                        </p:tgtEl>
+                                        <p:attrNameLst>
+                                          <p:attrName>ppt_x</p:attrName>
+                                          <p:attrName>ppt_y</p:attrName>
+                                        </p:attrNameLst>
+                                      </p:cBhvr>
+                                      <p:rCtr x="-8451" y="-12731"/>
+                                    </p:animMotion>
+                                  </p:childTnLst>
+                                </p:cTn>
+                              </p:par>
+                            </p:childTnLst>
+                          </p:cTn>
+                        </p:par>
+                        <p:par>
+                          <p:cTn id="152" fill="hold">
+                            <p:stCondLst>
+                              <p:cond delay="1000"/>
+                            </p:stCondLst>
+                            <p:childTnLst>
+                              <p:par>
+                                <p:cTn id="153" presetID="53" presetClass="entr" presetSubtype="16" fill="hold" nodeType="afterEffect">
+                                  <p:stCondLst>
+                                    <p:cond delay="0"/>
+                                  </p:stCondLst>
+                                  <p:childTnLst>
+                                    <p:set>
+                                      <p:cBhvr>
+                                        <p:cTn id="154" dur="1" fill="hold">
+                                          <p:stCondLst>
+                                            <p:cond delay="0"/>
+                                          </p:stCondLst>
+                                        </p:cTn>
+                                        <p:tgtEl>
+                                          <p:spTgt spid="71"/>
+                                        </p:tgtEl>
+                                        <p:attrNameLst>
+                                          <p:attrName>style.visibility</p:attrName>
+                                        </p:attrNameLst>
+                                      </p:cBhvr>
+                                      <p:to>
+                                        <p:strVal val="visible"/>
+                                      </p:to>
+                                    </p:set>
+                                    <p:anim calcmode="lin" valueType="num">
+                                      <p:cBhvr>
+                                        <p:cTn id="155" dur="500" fill="hold"/>
+                                        <p:tgtEl>
+                                          <p:spTgt spid="71"/>
+                                        </p:tgtEl>
+                                        <p:attrNameLst>
+                                          <p:attrName>ppt_w</p:attrName>
+                                        </p:attrNameLst>
+                                      </p:cBhvr>
+                                      <p:tavLst>
+                                        <p:tav tm="0">
+                                          <p:val>
+                                            <p:fltVal val="0"/>
+                                          </p:val>
+                                        </p:tav>
+                                        <p:tav tm="100000">
+                                          <p:val>
+                                            <p:strVal val="#ppt_w"/>
+                                          </p:val>
+                                        </p:tav>
+                                      </p:tavLst>
+                                    </p:anim>
+                                    <p:anim calcmode="lin" valueType="num">
+                                      <p:cBhvr>
+                                        <p:cTn id="156" dur="500" fill="hold"/>
+                                        <p:tgtEl>
+                                          <p:spTgt spid="71"/>
+                                        </p:tgtEl>
+                                        <p:attrNameLst>
+                                          <p:attrName>ppt_h</p:attrName>
+                                        </p:attrNameLst>
+                                      </p:cBhvr>
+                                      <p:tavLst>
+                                        <p:tav tm="0">
+                                          <p:val>
+                                            <p:fltVal val="0"/>
+                                          </p:val>
+                                        </p:tav>
+                                        <p:tav tm="100000">
+                                          <p:val>
+                                            <p:strVal val="#ppt_h"/>
+                                          </p:val>
+                                        </p:tav>
+                                      </p:tavLst>
+                                    </p:anim>
+                                    <p:animEffect transition="in" filter="fade">
+                                      <p:cBhvr>
+                                        <p:cTn id="157" dur="500"/>
+                                        <p:tgtEl>
+                                          <p:spTgt spid="71"/>
+                                        </p:tgtEl>
+                                      </p:cBhvr>
+                                    </p:animEffect>
+                                  </p:childTnLst>
+                                </p:cTn>
+                              </p:par>
+                              <p:par>
+                                <p:cTn id="158" presetID="53" presetClass="entr" presetSubtype="16" fill="hold" nodeType="withEffect">
+                                  <p:stCondLst>
+                                    <p:cond delay="0"/>
+                                  </p:stCondLst>
+                                  <p:childTnLst>
+                                    <p:set>
+                                      <p:cBhvr>
+                                        <p:cTn id="159" dur="1" fill="hold">
+                                          <p:stCondLst>
+                                            <p:cond delay="0"/>
+                                          </p:stCondLst>
+                                        </p:cTn>
+                                        <p:tgtEl>
+                                          <p:spTgt spid="72"/>
+                                        </p:tgtEl>
+                                        <p:attrNameLst>
+                                          <p:attrName>style.visibility</p:attrName>
+                                        </p:attrNameLst>
+                                      </p:cBhvr>
+                                      <p:to>
+                                        <p:strVal val="visible"/>
+                                      </p:to>
+                                    </p:set>
+                                    <p:anim calcmode="lin" valueType="num">
+                                      <p:cBhvr>
+                                        <p:cTn id="160" dur="500" fill="hold"/>
+                                        <p:tgtEl>
+                                          <p:spTgt spid="72"/>
+                                        </p:tgtEl>
+                                        <p:attrNameLst>
+                                          <p:attrName>ppt_w</p:attrName>
+                                        </p:attrNameLst>
+                                      </p:cBhvr>
+                                      <p:tavLst>
+                                        <p:tav tm="0">
+                                          <p:val>
+                                            <p:fltVal val="0"/>
+                                          </p:val>
+                                        </p:tav>
+                                        <p:tav tm="100000">
+                                          <p:val>
+                                            <p:strVal val="#ppt_w"/>
+                                          </p:val>
+                                        </p:tav>
+                                      </p:tavLst>
+                                    </p:anim>
+                                    <p:anim calcmode="lin" valueType="num">
+                                      <p:cBhvr>
+                                        <p:cTn id="161" dur="500" fill="hold"/>
+                                        <p:tgtEl>
+                                          <p:spTgt spid="72"/>
+                                        </p:tgtEl>
+                                        <p:attrNameLst>
+                                          <p:attrName>ppt_h</p:attrName>
+                                        </p:attrNameLst>
+                                      </p:cBhvr>
+                                      <p:tavLst>
+                                        <p:tav tm="0">
+                                          <p:val>
+                                            <p:fltVal val="0"/>
+                                          </p:val>
+                                        </p:tav>
+                                        <p:tav tm="100000">
+                                          <p:val>
+                                            <p:strVal val="#ppt_h"/>
+                                          </p:val>
+                                        </p:tav>
+                                      </p:tavLst>
+                                    </p:anim>
+                                    <p:animEffect transition="in" filter="fade">
+                                      <p:cBhvr>
+                                        <p:cTn id="162" dur="500"/>
+                                        <p:tgtEl>
+                                          <p:spTgt spid="72"/>
+                                        </p:tgtEl>
+                                      </p:cBhvr>
+                                    </p:animEffect>
+                                  </p:childTnLst>
+                                </p:cTn>
+                              </p:par>
+                            </p:childTnLst>
+                          </p:cTn>
+                        </p:par>
+                        <p:par>
+                          <p:cTn id="163" fill="hold">
+                            <p:stCondLst>
+                              <p:cond delay="1500"/>
+                            </p:stCondLst>
+                            <p:childTnLst>
+                              <p:par>
+                                <p:cTn id="164" presetID="42" presetClass="path" presetSubtype="0" accel="50000" decel="50000" fill="hold" grpId="2" nodeType="afterEffect">
+                                  <p:stCondLst>
+                                    <p:cond delay="0"/>
+                                  </p:stCondLst>
+                                  <p:childTnLst>
+                                    <p:animMotion origin="layout" path="M -0.16862 0.07801 L 0.04427 -4.81481E-6 " pathEditMode="relative" rAng="0" ptsTypes="AA">
+                                      <p:cBhvr>
+                                        <p:cTn id="165" dur="1000" fill="hold"/>
+                                        <p:tgtEl>
+                                          <p:spTgt spid="75"/>
+                                        </p:tgtEl>
+                                        <p:attrNameLst>
+                                          <p:attrName>ppt_x</p:attrName>
+                                          <p:attrName>ppt_y</p:attrName>
+                                        </p:attrNameLst>
+                                      </p:cBhvr>
+                                      <p:rCtr x="10312" y="-4051"/>
+                                    </p:animMotion>
+                                  </p:childTnLst>
+                                </p:cTn>
+                              </p:par>
+                            </p:childTnLst>
+                          </p:cTn>
+                        </p:par>
+                        <p:par>
+                          <p:cTn id="166" fill="hold">
+                            <p:stCondLst>
+                              <p:cond delay="2500"/>
+                            </p:stCondLst>
+                            <p:childTnLst>
+                              <p:par>
+                                <p:cTn id="167" presetID="42" presetClass="path" presetSubtype="0" accel="50000" decel="50000" fill="hold" nodeType="afterEffect">
+                                  <p:stCondLst>
+                                    <p:cond delay="0"/>
+                                  </p:stCondLst>
+                                  <p:childTnLst>
+                                    <p:animMotion origin="layout" path="M 0.26836 0.28333 L 0.2625 0.35648 " pathEditMode="relative" rAng="0" ptsTypes="AA">
+                                      <p:cBhvr>
+                                        <p:cTn id="168" dur="1000" fill="hold"/>
+                                        <p:tgtEl>
+                                          <p:spTgt spid="65"/>
+                                        </p:tgtEl>
+                                        <p:attrNameLst>
+                                          <p:attrName>ppt_x</p:attrName>
+                                          <p:attrName>ppt_y</p:attrName>
+                                        </p:attrNameLst>
+                                      </p:cBhvr>
+                                      <p:rCtr x="-299" y="3657"/>
+                                    </p:animMotion>
+                                  </p:childTnLst>
+                                </p:cTn>
+                              </p:par>
+                            </p:childTnLst>
+                          </p:cTn>
+                        </p:par>
+                        <p:par>
+                          <p:cTn id="169" fill="hold">
+                            <p:stCondLst>
+                              <p:cond delay="3500"/>
+                            </p:stCondLst>
+                            <p:childTnLst>
+                              <p:par>
+                                <p:cTn id="170" presetID="42" presetClass="path" presetSubtype="0" accel="50000" decel="50000" fill="hold" grpId="1" nodeType="afterEffect">
+                                  <p:stCondLst>
+                                    <p:cond delay="0"/>
+                                  </p:stCondLst>
+                                  <p:childTnLst>
+                                    <p:animMotion origin="layout" path="M 6.25E-7 -2.22222E-6 L 0.13138 -0.14838 " pathEditMode="relative" rAng="0" ptsTypes="AA">
+                                      <p:cBhvr>
+                                        <p:cTn id="171" dur="1000" fill="hold"/>
+                                        <p:tgtEl>
+                                          <p:spTgt spid="23"/>
+                                        </p:tgtEl>
+                                        <p:attrNameLst>
+                                          <p:attrName>ppt_x</p:attrName>
+                                          <p:attrName>ppt_y</p:attrName>
+                                        </p:attrNameLst>
+                                      </p:cBhvr>
+                                      <p:rCtr x="6706" y="-7222"/>
+                                    </p:animMotion>
+                                  </p:childTnLst>
+                                </p:cTn>
+                              </p:par>
+                            </p:childTnLst>
+                          </p:cTn>
+                        </p:par>
+                      </p:childTnLst>
+                    </p:cTn>
+                  </p:par>
+                  <p:par>
+                    <p:cTn id="172" fill="hold">
+                      <p:stCondLst>
+                        <p:cond delay="indefinite"/>
+                      </p:stCondLst>
+                      <p:childTnLst>
+                        <p:par>
+                          <p:cTn id="173" fill="hold">
+                            <p:stCondLst>
+                              <p:cond delay="0"/>
+                            </p:stCondLst>
+                            <p:childTnLst>
+                              <p:par>
+                                <p:cTn id="174" presetID="53" presetClass="exit" presetSubtype="32" fill="hold" nodeType="clickEffect">
+                                  <p:stCondLst>
+                                    <p:cond delay="0"/>
+                                  </p:stCondLst>
+                                  <p:childTnLst>
+                                    <p:anim calcmode="lin" valueType="num">
+                                      <p:cBhvr>
+                                        <p:cTn id="175" dur="500"/>
+                                        <p:tgtEl>
+                                          <p:spTgt spid="71"/>
+                                        </p:tgtEl>
+                                        <p:attrNameLst>
+                                          <p:attrName>ppt_w</p:attrName>
+                                        </p:attrNameLst>
+                                      </p:cBhvr>
+                                      <p:tavLst>
+                                        <p:tav tm="0">
+                                          <p:val>
+                                            <p:strVal val="ppt_w"/>
+                                          </p:val>
+                                        </p:tav>
+                                        <p:tav tm="100000">
+                                          <p:val>
+                                            <p:fltVal val="0"/>
+                                          </p:val>
+                                        </p:tav>
+                                      </p:tavLst>
+                                    </p:anim>
+                                    <p:anim calcmode="lin" valueType="num">
+                                      <p:cBhvr>
+                                        <p:cTn id="176" dur="500"/>
+                                        <p:tgtEl>
+                                          <p:spTgt spid="71"/>
+                                        </p:tgtEl>
+                                        <p:attrNameLst>
+                                          <p:attrName>ppt_h</p:attrName>
+                                        </p:attrNameLst>
+                                      </p:cBhvr>
+                                      <p:tavLst>
+                                        <p:tav tm="0">
+                                          <p:val>
+                                            <p:strVal val="ppt_h"/>
+                                          </p:val>
+                                        </p:tav>
+                                        <p:tav tm="100000">
+                                          <p:val>
+                                            <p:fltVal val="0"/>
+                                          </p:val>
+                                        </p:tav>
+                                      </p:tavLst>
+                                    </p:anim>
+                                    <p:animEffect transition="out" filter="fade">
+                                      <p:cBhvr>
+                                        <p:cTn id="177" dur="500"/>
+                                        <p:tgtEl>
+                                          <p:spTgt spid="71"/>
+                                        </p:tgtEl>
+                                      </p:cBhvr>
+                                    </p:animEffect>
+                                    <p:set>
+                                      <p:cBhvr>
+                                        <p:cTn id="178" dur="1" fill="hold">
+                                          <p:stCondLst>
+                                            <p:cond delay="499"/>
+                                          </p:stCondLst>
+                                        </p:cTn>
+                                        <p:tgtEl>
+                                          <p:spTgt spid="71"/>
+                                        </p:tgtEl>
+                                        <p:attrNameLst>
+                                          <p:attrName>style.visibility</p:attrName>
+                                        </p:attrNameLst>
+                                      </p:cBhvr>
+                                      <p:to>
+                                        <p:strVal val="hidden"/>
+                                      </p:to>
+                                    </p:set>
+                                  </p:childTnLst>
+                                </p:cTn>
+                              </p:par>
+                              <p:par>
+                                <p:cTn id="179" presetID="53" presetClass="exit" presetSubtype="32" fill="hold" nodeType="withEffect">
+                                  <p:stCondLst>
+                                    <p:cond delay="0"/>
+                                  </p:stCondLst>
+                                  <p:childTnLst>
+                                    <p:anim calcmode="lin" valueType="num">
+                                      <p:cBhvr>
+                                        <p:cTn id="180" dur="500"/>
+                                        <p:tgtEl>
+                                          <p:spTgt spid="72"/>
+                                        </p:tgtEl>
+                                        <p:attrNameLst>
+                                          <p:attrName>ppt_w</p:attrName>
+                                        </p:attrNameLst>
+                                      </p:cBhvr>
+                                      <p:tavLst>
+                                        <p:tav tm="0">
+                                          <p:val>
+                                            <p:strVal val="ppt_w"/>
+                                          </p:val>
+                                        </p:tav>
+                                        <p:tav tm="100000">
+                                          <p:val>
+                                            <p:fltVal val="0"/>
+                                          </p:val>
+                                        </p:tav>
+                                      </p:tavLst>
+                                    </p:anim>
+                                    <p:anim calcmode="lin" valueType="num">
+                                      <p:cBhvr>
+                                        <p:cTn id="181" dur="500"/>
+                                        <p:tgtEl>
+                                          <p:spTgt spid="72"/>
+                                        </p:tgtEl>
+                                        <p:attrNameLst>
+                                          <p:attrName>ppt_h</p:attrName>
+                                        </p:attrNameLst>
+                                      </p:cBhvr>
+                                      <p:tavLst>
+                                        <p:tav tm="0">
+                                          <p:val>
+                                            <p:strVal val="ppt_h"/>
+                                          </p:val>
+                                        </p:tav>
+                                        <p:tav tm="100000">
+                                          <p:val>
+                                            <p:fltVal val="0"/>
+                                          </p:val>
+                                        </p:tav>
+                                      </p:tavLst>
+                                    </p:anim>
+                                    <p:animEffect transition="out" filter="fade">
+                                      <p:cBhvr>
+                                        <p:cTn id="182" dur="500"/>
+                                        <p:tgtEl>
+                                          <p:spTgt spid="72"/>
+                                        </p:tgtEl>
+                                      </p:cBhvr>
+                                    </p:animEffect>
+                                    <p:set>
+                                      <p:cBhvr>
+                                        <p:cTn id="183" dur="1" fill="hold">
+                                          <p:stCondLst>
+                                            <p:cond delay="499"/>
+                                          </p:stCondLst>
+                                        </p:cTn>
+                                        <p:tgtEl>
+                                          <p:spTgt spid="72"/>
+                                        </p:tgtEl>
+                                        <p:attrNameLst>
+                                          <p:attrName>style.visibility</p:attrName>
+                                        </p:attrNameLst>
+                                      </p:cBhvr>
+                                      <p:to>
+                                        <p:strVal val="hidden"/>
+                                      </p:to>
+                                    </p:set>
+                                  </p:childTnLst>
+                                </p:cTn>
+                              </p:par>
+                              <p:par>
+                                <p:cTn id="184" presetID="53" presetClass="exit" presetSubtype="32" fill="hold" grpId="2" nodeType="withEffect">
+                                  <p:stCondLst>
+                                    <p:cond delay="0"/>
+                                  </p:stCondLst>
+                                  <p:childTnLst>
+                                    <p:anim calcmode="lin" valueType="num">
+                                      <p:cBhvr>
+                                        <p:cTn id="185" dur="500"/>
+                                        <p:tgtEl>
+                                          <p:spTgt spid="18"/>
+                                        </p:tgtEl>
+                                        <p:attrNameLst>
+                                          <p:attrName>ppt_w</p:attrName>
+                                        </p:attrNameLst>
+                                      </p:cBhvr>
+                                      <p:tavLst>
+                                        <p:tav tm="0">
+                                          <p:val>
+                                            <p:strVal val="ppt_w"/>
+                                          </p:val>
+                                        </p:tav>
+                                        <p:tav tm="100000">
+                                          <p:val>
+                                            <p:fltVal val="0"/>
+                                          </p:val>
+                                        </p:tav>
+                                      </p:tavLst>
+                                    </p:anim>
+                                    <p:anim calcmode="lin" valueType="num">
+                                      <p:cBhvr>
+                                        <p:cTn id="186" dur="500"/>
+                                        <p:tgtEl>
+                                          <p:spTgt spid="18"/>
+                                        </p:tgtEl>
+                                        <p:attrNameLst>
+                                          <p:attrName>ppt_h</p:attrName>
+                                        </p:attrNameLst>
+                                      </p:cBhvr>
+                                      <p:tavLst>
+                                        <p:tav tm="0">
+                                          <p:val>
+                                            <p:strVal val="ppt_h"/>
+                                          </p:val>
+                                        </p:tav>
+                                        <p:tav tm="100000">
+                                          <p:val>
+                                            <p:fltVal val="0"/>
+                                          </p:val>
+                                        </p:tav>
+                                      </p:tavLst>
+                                    </p:anim>
+                                    <p:animEffect transition="out" filter="fade">
+                                      <p:cBhvr>
+                                        <p:cTn id="187" dur="500"/>
+                                        <p:tgtEl>
+                                          <p:spTgt spid="18"/>
+                                        </p:tgtEl>
+                                      </p:cBhvr>
+                                    </p:animEffect>
+                                    <p:set>
+                                      <p:cBhvr>
+                                        <p:cTn id="188" dur="1" fill="hold">
+                                          <p:stCondLst>
+                                            <p:cond delay="499"/>
+                                          </p:stCondLst>
+                                        </p:cTn>
+                                        <p:tgtEl>
+                                          <p:spTgt spid="18"/>
+                                        </p:tgtEl>
+                                        <p:attrNameLst>
+                                          <p:attrName>style.visibility</p:attrName>
+                                        </p:attrNameLst>
+                                      </p:cBhvr>
+                                      <p:to>
+                                        <p:strVal val="hidden"/>
+                                      </p:to>
+                                    </p:set>
+                                  </p:childTnLst>
+                                </p:cTn>
+                              </p:par>
+                              <p:par>
+                                <p:cTn id="189" presetID="42" presetClass="path" presetSubtype="0" accel="50000" decel="50000" fill="hold" grpId="3" nodeType="withEffect">
+                                  <p:stCondLst>
+                                    <p:cond delay="0"/>
+                                  </p:stCondLst>
+                                  <p:childTnLst>
+                                    <p:animMotion origin="layout" path="M 0.04427 -2.59259E-6 L 2.59124E-17 -2.59259E-6 " pathEditMode="relative" rAng="0" ptsTypes="AA">
+                                      <p:cBhvr>
+                                        <p:cTn id="190" dur="1000" fill="hold"/>
+                                        <p:tgtEl>
+                                          <p:spTgt spid="75"/>
+                                        </p:tgtEl>
+                                        <p:attrNameLst>
+                                          <p:attrName>ppt_x</p:attrName>
+                                          <p:attrName>ppt_y</p:attrName>
+                                        </p:attrNameLst>
+                                      </p:cBhvr>
+                                      <p:rCtr x="-2187" y="0"/>
+                                    </p:animMotion>
+                                  </p:childTnLst>
+                                </p:cTn>
+                              </p:par>
+                              <p:par>
+                                <p:cTn id="191" presetID="42" presetClass="path" presetSubtype="0" accel="50000" decel="50000" fill="hold" grpId="2" nodeType="withEffect">
+                                  <p:stCondLst>
+                                    <p:cond delay="0"/>
+                                  </p:stCondLst>
+                                  <p:childTnLst>
+                                    <p:animMotion origin="layout" path="M 0.13138 -0.14838 L 0.16862 -0.14838 " pathEditMode="relative" rAng="0" ptsTypes="AA">
+                                      <p:cBhvr>
+                                        <p:cTn id="192" dur="1000" fill="hold"/>
+                                        <p:tgtEl>
+                                          <p:spTgt spid="23"/>
+                                        </p:tgtEl>
+                                        <p:attrNameLst>
+                                          <p:attrName>ppt_x</p:attrName>
+                                          <p:attrName>ppt_y</p:attrName>
+                                        </p:attrNameLst>
+                                      </p:cBhvr>
+                                      <p:rCtr x="1888" y="0"/>
+                                    </p:animMotion>
+                                  </p:childTnLst>
+                                </p:cTn>
+                              </p:par>
+                              <p:par>
+                                <p:cTn id="193" presetID="53" presetClass="exit" presetSubtype="32" fill="hold" grpId="3" nodeType="withEffect">
+                                  <p:stCondLst>
+                                    <p:cond delay="0"/>
+                                  </p:stCondLst>
+                                  <p:childTnLst>
+                                    <p:anim calcmode="lin" valueType="num">
+                                      <p:cBhvr>
+                                        <p:cTn id="194" dur="500"/>
+                                        <p:tgtEl>
+                                          <p:spTgt spid="23"/>
+                                        </p:tgtEl>
+                                        <p:attrNameLst>
+                                          <p:attrName>ppt_w</p:attrName>
+                                        </p:attrNameLst>
+                                      </p:cBhvr>
+                                      <p:tavLst>
+                                        <p:tav tm="0">
+                                          <p:val>
+                                            <p:strVal val="ppt_w"/>
+                                          </p:val>
+                                        </p:tav>
+                                        <p:tav tm="100000">
+                                          <p:val>
+                                            <p:fltVal val="0"/>
+                                          </p:val>
+                                        </p:tav>
+                                      </p:tavLst>
+                                    </p:anim>
+                                    <p:anim calcmode="lin" valueType="num">
+                                      <p:cBhvr>
+                                        <p:cTn id="195" dur="500"/>
+                                        <p:tgtEl>
+                                          <p:spTgt spid="23"/>
+                                        </p:tgtEl>
+                                        <p:attrNameLst>
+                                          <p:attrName>ppt_h</p:attrName>
+                                        </p:attrNameLst>
+                                      </p:cBhvr>
+                                      <p:tavLst>
+                                        <p:tav tm="0">
+                                          <p:val>
+                                            <p:strVal val="ppt_h"/>
+                                          </p:val>
+                                        </p:tav>
+                                        <p:tav tm="100000">
+                                          <p:val>
+                                            <p:fltVal val="0"/>
+                                          </p:val>
+                                        </p:tav>
+                                      </p:tavLst>
+                                    </p:anim>
+                                    <p:animEffect transition="out" filter="fade">
+                                      <p:cBhvr>
+                                        <p:cTn id="196" dur="500"/>
+                                        <p:tgtEl>
+                                          <p:spTgt spid="23"/>
+                                        </p:tgtEl>
+                                      </p:cBhvr>
+                                    </p:animEffect>
+                                    <p:set>
+                                      <p:cBhvr>
+                                        <p:cTn id="197" dur="1" fill="hold">
+                                          <p:stCondLst>
+                                            <p:cond delay="499"/>
+                                          </p:stCondLst>
+                                        </p:cTn>
+                                        <p:tgtEl>
+                                          <p:spTgt spid="23"/>
+                                        </p:tgtEl>
+                                        <p:attrNameLst>
+                                          <p:attrName>style.visibility</p:attrName>
+                                        </p:attrNameLst>
+                                      </p:cBhvr>
+                                      <p:to>
+                                        <p:strVal val="hidden"/>
+                                      </p:to>
+                                    </p:set>
+                                  </p:childTnLst>
+                                </p:cTn>
+                              </p:par>
+                              <p:par>
+                                <p:cTn id="198" presetID="53" presetClass="exit" presetSubtype="32" fill="hold" grpId="4" nodeType="withEffect">
+                                  <p:stCondLst>
+                                    <p:cond delay="0"/>
+                                  </p:stCondLst>
+                                  <p:childTnLst>
+                                    <p:anim calcmode="lin" valueType="num">
+                                      <p:cBhvr>
+                                        <p:cTn id="199" dur="500"/>
+                                        <p:tgtEl>
+                                          <p:spTgt spid="75"/>
+                                        </p:tgtEl>
+                                        <p:attrNameLst>
+                                          <p:attrName>ppt_w</p:attrName>
+                                        </p:attrNameLst>
+                                      </p:cBhvr>
+                                      <p:tavLst>
+                                        <p:tav tm="0">
+                                          <p:val>
+                                            <p:strVal val="ppt_w"/>
+                                          </p:val>
+                                        </p:tav>
+                                        <p:tav tm="100000">
+                                          <p:val>
+                                            <p:fltVal val="0"/>
+                                          </p:val>
+                                        </p:tav>
+                                      </p:tavLst>
+                                    </p:anim>
+                                    <p:anim calcmode="lin" valueType="num">
+                                      <p:cBhvr>
+                                        <p:cTn id="200" dur="500"/>
+                                        <p:tgtEl>
+                                          <p:spTgt spid="75"/>
+                                        </p:tgtEl>
+                                        <p:attrNameLst>
+                                          <p:attrName>ppt_h</p:attrName>
+                                        </p:attrNameLst>
+                                      </p:cBhvr>
+                                      <p:tavLst>
+                                        <p:tav tm="0">
+                                          <p:val>
+                                            <p:strVal val="ppt_h"/>
+                                          </p:val>
+                                        </p:tav>
+                                        <p:tav tm="100000">
+                                          <p:val>
+                                            <p:fltVal val="0"/>
+                                          </p:val>
+                                        </p:tav>
+                                      </p:tavLst>
+                                    </p:anim>
+                                    <p:animEffect transition="out" filter="fade">
+                                      <p:cBhvr>
+                                        <p:cTn id="201" dur="500"/>
+                                        <p:tgtEl>
+                                          <p:spTgt spid="75"/>
+                                        </p:tgtEl>
+                                      </p:cBhvr>
+                                    </p:animEffect>
+                                    <p:set>
+                                      <p:cBhvr>
+                                        <p:cTn id="202" dur="1" fill="hold">
+                                          <p:stCondLst>
+                                            <p:cond delay="499"/>
+                                          </p:stCondLst>
+                                        </p:cTn>
+                                        <p:tgtEl>
+                                          <p:spTgt spid="75"/>
+                                        </p:tgtEl>
+                                        <p:attrNameLst>
+                                          <p:attrName>style.visibility</p:attrName>
+                                        </p:attrNameLst>
+                                      </p:cBhvr>
+                                      <p:to>
+                                        <p:strVal val="hidden"/>
+                                      </p:to>
+                                    </p:set>
+                                  </p:childTnLst>
+                                </p:cTn>
+                              </p:par>
+                            </p:childTnLst>
+                          </p:cTn>
+                        </p:par>
+                        <p:par>
+                          <p:cTn id="203" fill="hold">
+                            <p:stCondLst>
+                              <p:cond delay="1000"/>
+                            </p:stCondLst>
+                            <p:childTnLst>
+                              <p:par>
+                                <p:cTn id="204" presetID="53" presetClass="entr" presetSubtype="16" fill="hold" grpId="0" nodeType="afterEffect">
+                                  <p:stCondLst>
+                                    <p:cond delay="0"/>
+                                  </p:stCondLst>
+                                  <p:childTnLst>
+                                    <p:set>
+                                      <p:cBhvr>
+                                        <p:cTn id="205" dur="1" fill="hold">
+                                          <p:stCondLst>
+                                            <p:cond delay="0"/>
+                                          </p:stCondLst>
+                                        </p:cTn>
+                                        <p:tgtEl>
+                                          <p:spTgt spid="108"/>
+                                        </p:tgtEl>
+                                        <p:attrNameLst>
+                                          <p:attrName>style.visibility</p:attrName>
+                                        </p:attrNameLst>
+                                      </p:cBhvr>
+                                      <p:to>
+                                        <p:strVal val="visible"/>
+                                      </p:to>
+                                    </p:set>
+                                    <p:anim calcmode="lin" valueType="num">
+                                      <p:cBhvr>
+                                        <p:cTn id="206" dur="500" fill="hold"/>
+                                        <p:tgtEl>
+                                          <p:spTgt spid="108"/>
+                                        </p:tgtEl>
+                                        <p:attrNameLst>
+                                          <p:attrName>ppt_w</p:attrName>
+                                        </p:attrNameLst>
+                                      </p:cBhvr>
+                                      <p:tavLst>
+                                        <p:tav tm="0">
+                                          <p:val>
+                                            <p:fltVal val="0"/>
+                                          </p:val>
+                                        </p:tav>
+                                        <p:tav tm="100000">
+                                          <p:val>
+                                            <p:strVal val="#ppt_w"/>
+                                          </p:val>
+                                        </p:tav>
+                                      </p:tavLst>
+                                    </p:anim>
+                                    <p:anim calcmode="lin" valueType="num">
+                                      <p:cBhvr>
+                                        <p:cTn id="207" dur="500" fill="hold"/>
+                                        <p:tgtEl>
+                                          <p:spTgt spid="108"/>
+                                        </p:tgtEl>
+                                        <p:attrNameLst>
+                                          <p:attrName>ppt_h</p:attrName>
+                                        </p:attrNameLst>
+                                      </p:cBhvr>
+                                      <p:tavLst>
+                                        <p:tav tm="0">
+                                          <p:val>
+                                            <p:fltVal val="0"/>
+                                          </p:val>
+                                        </p:tav>
+                                        <p:tav tm="100000">
+                                          <p:val>
+                                            <p:strVal val="#ppt_h"/>
+                                          </p:val>
+                                        </p:tav>
+                                      </p:tavLst>
+                                    </p:anim>
+                                    <p:animEffect transition="in" filter="fade">
+                                      <p:cBhvr>
+                                        <p:cTn id="208" dur="500"/>
+                                        <p:tgtEl>
+                                          <p:spTgt spid="108"/>
+                                        </p:tgtEl>
+                                      </p:cBhvr>
+                                    </p:animEffect>
+                                  </p:childTnLst>
+                                </p:cTn>
+                              </p:par>
+                            </p:childTnLst>
+                          </p:cTn>
+                        </p:par>
+                      </p:childTnLst>
+                    </p:cTn>
+                  </p:par>
+                  <p:par>
+                    <p:cTn id="209" fill="hold">
+                      <p:stCondLst>
+                        <p:cond delay="indefinite"/>
+                      </p:stCondLst>
+                      <p:childTnLst>
+                        <p:par>
+                          <p:cTn id="210" fill="hold">
+                            <p:stCondLst>
+                              <p:cond delay="0"/>
+                            </p:stCondLst>
+                            <p:childTnLst>
+                              <p:par>
+                                <p:cTn id="211" presetID="42" presetClass="path" presetSubtype="0" accel="50000" decel="50000" fill="hold" grpId="1" nodeType="clickEffect">
+                                  <p:stCondLst>
+                                    <p:cond delay="0"/>
+                                  </p:stCondLst>
+                                  <p:childTnLst>
+                                    <p:animMotion origin="layout" path="M 8.33333E-7 -2.59259E-6 L -0.16862 0.14838 " pathEditMode="relative" rAng="0" ptsTypes="AA">
+                                      <p:cBhvr>
+                                        <p:cTn id="212" dur="1000" fill="hold"/>
+                                        <p:tgtEl>
+                                          <p:spTgt spid="108"/>
+                                        </p:tgtEl>
+                                        <p:attrNameLst>
+                                          <p:attrName>ppt_x</p:attrName>
+                                          <p:attrName>ppt_y</p:attrName>
+                                        </p:attrNameLst>
+                                      </p:cBhvr>
+                                      <p:rCtr x="-8424" y="7199"/>
+                                    </p:animMotion>
+                                  </p:childTnLst>
+                                </p:cTn>
+                              </p:par>
+                            </p:childTnLst>
+                          </p:cTn>
+                        </p:par>
+                      </p:childTnLst>
+                    </p:cTn>
+                  </p:par>
+                  <p:par>
+                    <p:cTn id="213" fill="hold">
+                      <p:stCondLst>
+                        <p:cond delay="indefinite"/>
+                      </p:stCondLst>
+                      <p:childTnLst>
+                        <p:par>
+                          <p:cTn id="214" fill="hold">
+                            <p:stCondLst>
+                              <p:cond delay="0"/>
+                            </p:stCondLst>
+                            <p:childTnLst>
+                              <p:par>
+                                <p:cTn id="215" presetID="53" presetClass="exit" presetSubtype="32" fill="hold" nodeType="clickEffect">
+                                  <p:stCondLst>
+                                    <p:cond delay="0"/>
+                                  </p:stCondLst>
+                                  <p:childTnLst>
+                                    <p:anim calcmode="lin" valueType="num">
+                                      <p:cBhvr>
+                                        <p:cTn id="216" dur="500"/>
+                                        <p:tgtEl>
+                                          <p:spTgt spid="12"/>
+                                        </p:tgtEl>
+                                        <p:attrNameLst>
+                                          <p:attrName>ppt_w</p:attrName>
+                                        </p:attrNameLst>
+                                      </p:cBhvr>
+                                      <p:tavLst>
+                                        <p:tav tm="0">
+                                          <p:val>
+                                            <p:strVal val="ppt_w"/>
+                                          </p:val>
+                                        </p:tav>
+                                        <p:tav tm="100000">
+                                          <p:val>
+                                            <p:fltVal val="0"/>
+                                          </p:val>
+                                        </p:tav>
+                                      </p:tavLst>
+                                    </p:anim>
+                                    <p:anim calcmode="lin" valueType="num">
+                                      <p:cBhvr>
+                                        <p:cTn id="217" dur="500"/>
+                                        <p:tgtEl>
+                                          <p:spTgt spid="12"/>
+                                        </p:tgtEl>
+                                        <p:attrNameLst>
+                                          <p:attrName>ppt_h</p:attrName>
+                                        </p:attrNameLst>
+                                      </p:cBhvr>
+                                      <p:tavLst>
+                                        <p:tav tm="0">
+                                          <p:val>
+                                            <p:strVal val="ppt_h"/>
+                                          </p:val>
+                                        </p:tav>
+                                        <p:tav tm="100000">
+                                          <p:val>
+                                            <p:fltVal val="0"/>
+                                          </p:val>
+                                        </p:tav>
+                                      </p:tavLst>
+                                    </p:anim>
+                                    <p:animEffect transition="out" filter="fade">
+                                      <p:cBhvr>
+                                        <p:cTn id="218" dur="500"/>
+                                        <p:tgtEl>
+                                          <p:spTgt spid="12"/>
+                                        </p:tgtEl>
+                                      </p:cBhvr>
+                                    </p:animEffect>
+                                    <p:set>
+                                      <p:cBhvr>
+                                        <p:cTn id="219" dur="1" fill="hold">
+                                          <p:stCondLst>
+                                            <p:cond delay="499"/>
+                                          </p:stCondLst>
+                                        </p:cTn>
+                                        <p:tgtEl>
+                                          <p:spTgt spid="12"/>
+                                        </p:tgtEl>
+                                        <p:attrNameLst>
+                                          <p:attrName>style.visibility</p:attrName>
+                                        </p:attrNameLst>
+                                      </p:cBhvr>
+                                      <p:to>
+                                        <p:strVal val="hidden"/>
+                                      </p:to>
+                                    </p:set>
+                                  </p:childTnLst>
+                                </p:cTn>
+                              </p:par>
+                              <p:par>
+                                <p:cTn id="220" presetID="53" presetClass="exit" presetSubtype="32" fill="hold" grpId="1" nodeType="withEffect">
+                                  <p:stCondLst>
+                                    <p:cond delay="0"/>
+                                  </p:stCondLst>
+                                  <p:childTnLst>
+                                    <p:anim calcmode="lin" valueType="num">
+                                      <p:cBhvr>
+                                        <p:cTn id="221" dur="500"/>
+                                        <p:tgtEl>
+                                          <p:spTgt spid="4"/>
+                                        </p:tgtEl>
+                                        <p:attrNameLst>
+                                          <p:attrName>ppt_w</p:attrName>
+                                        </p:attrNameLst>
+                                      </p:cBhvr>
+                                      <p:tavLst>
+                                        <p:tav tm="0">
+                                          <p:val>
+                                            <p:strVal val="ppt_w"/>
+                                          </p:val>
+                                        </p:tav>
+                                        <p:tav tm="100000">
+                                          <p:val>
+                                            <p:fltVal val="0"/>
+                                          </p:val>
+                                        </p:tav>
+                                      </p:tavLst>
+                                    </p:anim>
+                                    <p:anim calcmode="lin" valueType="num">
+                                      <p:cBhvr>
+                                        <p:cTn id="222" dur="500"/>
+                                        <p:tgtEl>
+                                          <p:spTgt spid="4"/>
+                                        </p:tgtEl>
+                                        <p:attrNameLst>
+                                          <p:attrName>ppt_h</p:attrName>
+                                        </p:attrNameLst>
+                                      </p:cBhvr>
+                                      <p:tavLst>
+                                        <p:tav tm="0">
+                                          <p:val>
+                                            <p:strVal val="ppt_h"/>
+                                          </p:val>
+                                        </p:tav>
+                                        <p:tav tm="100000">
+                                          <p:val>
+                                            <p:fltVal val="0"/>
+                                          </p:val>
+                                        </p:tav>
+                                      </p:tavLst>
+                                    </p:anim>
+                                    <p:animEffect transition="out" filter="fade">
+                                      <p:cBhvr>
+                                        <p:cTn id="223" dur="500"/>
+                                        <p:tgtEl>
+                                          <p:spTgt spid="4"/>
+                                        </p:tgtEl>
+                                      </p:cBhvr>
+                                    </p:animEffect>
+                                    <p:set>
+                                      <p:cBhvr>
+                                        <p:cTn id="224" dur="1" fill="hold">
+                                          <p:stCondLst>
+                                            <p:cond delay="499"/>
+                                          </p:stCondLst>
+                                        </p:cTn>
+                                        <p:tgtEl>
+                                          <p:spTgt spid="4"/>
+                                        </p:tgtEl>
+                                        <p:attrNameLst>
+                                          <p:attrName>style.visibility</p:attrName>
+                                        </p:attrNameLst>
+                                      </p:cBhvr>
+                                      <p:to>
+                                        <p:strVal val="hidden"/>
+                                      </p:to>
+                                    </p:set>
+                                  </p:childTnLst>
+                                </p:cTn>
+                              </p:par>
+                              <p:par>
+                                <p:cTn id="225" presetID="53" presetClass="exit" presetSubtype="32" fill="hold" grpId="1" nodeType="withEffect">
+                                  <p:stCondLst>
+                                    <p:cond delay="0"/>
+                                  </p:stCondLst>
+                                  <p:childTnLst>
+                                    <p:anim calcmode="lin" valueType="num">
+                                      <p:cBhvr>
+                                        <p:cTn id="226" dur="500"/>
+                                        <p:tgtEl>
+                                          <p:spTgt spid="5"/>
+                                        </p:tgtEl>
+                                        <p:attrNameLst>
+                                          <p:attrName>ppt_w</p:attrName>
+                                        </p:attrNameLst>
+                                      </p:cBhvr>
+                                      <p:tavLst>
+                                        <p:tav tm="0">
+                                          <p:val>
+                                            <p:strVal val="ppt_w"/>
+                                          </p:val>
+                                        </p:tav>
+                                        <p:tav tm="100000">
+                                          <p:val>
+                                            <p:fltVal val="0"/>
+                                          </p:val>
+                                        </p:tav>
+                                      </p:tavLst>
+                                    </p:anim>
+                                    <p:anim calcmode="lin" valueType="num">
+                                      <p:cBhvr>
+                                        <p:cTn id="227" dur="500"/>
+                                        <p:tgtEl>
+                                          <p:spTgt spid="5"/>
+                                        </p:tgtEl>
+                                        <p:attrNameLst>
+                                          <p:attrName>ppt_h</p:attrName>
+                                        </p:attrNameLst>
+                                      </p:cBhvr>
+                                      <p:tavLst>
+                                        <p:tav tm="0">
+                                          <p:val>
+                                            <p:strVal val="ppt_h"/>
+                                          </p:val>
+                                        </p:tav>
+                                        <p:tav tm="100000">
+                                          <p:val>
+                                            <p:fltVal val="0"/>
+                                          </p:val>
+                                        </p:tav>
+                                      </p:tavLst>
+                                    </p:anim>
+                                    <p:animEffect transition="out" filter="fade">
+                                      <p:cBhvr>
+                                        <p:cTn id="228" dur="500"/>
+                                        <p:tgtEl>
+                                          <p:spTgt spid="5"/>
+                                        </p:tgtEl>
+                                      </p:cBhvr>
+                                    </p:animEffect>
+                                    <p:set>
+                                      <p:cBhvr>
+                                        <p:cTn id="229" dur="1" fill="hold">
+                                          <p:stCondLst>
+                                            <p:cond delay="499"/>
+                                          </p:stCondLst>
+                                        </p:cTn>
+                                        <p:tgtEl>
+                                          <p:spTgt spid="5"/>
+                                        </p:tgtEl>
+                                        <p:attrNameLst>
+                                          <p:attrName>style.visibility</p:attrName>
+                                        </p:attrNameLst>
+                                      </p:cBhvr>
+                                      <p:to>
+                                        <p:strVal val="hidden"/>
+                                      </p:to>
+                                    </p:set>
+                                  </p:childTnLst>
+                                </p:cTn>
+                              </p:par>
+                              <p:par>
+                                <p:cTn id="230" presetID="53" presetClass="exit" presetSubtype="32" fill="hold" nodeType="withEffect">
+                                  <p:stCondLst>
+                                    <p:cond delay="0"/>
+                                  </p:stCondLst>
+                                  <p:childTnLst>
+                                    <p:anim calcmode="lin" valueType="num">
+                                      <p:cBhvr>
+                                        <p:cTn id="231" dur="500"/>
+                                        <p:tgtEl>
+                                          <p:spTgt spid="65"/>
+                                        </p:tgtEl>
+                                        <p:attrNameLst>
+                                          <p:attrName>ppt_w</p:attrName>
+                                        </p:attrNameLst>
+                                      </p:cBhvr>
+                                      <p:tavLst>
+                                        <p:tav tm="0">
+                                          <p:val>
+                                            <p:strVal val="ppt_w"/>
+                                          </p:val>
+                                        </p:tav>
+                                        <p:tav tm="100000">
+                                          <p:val>
+                                            <p:fltVal val="0"/>
+                                          </p:val>
+                                        </p:tav>
+                                      </p:tavLst>
+                                    </p:anim>
+                                    <p:anim calcmode="lin" valueType="num">
+                                      <p:cBhvr>
+                                        <p:cTn id="232" dur="500"/>
+                                        <p:tgtEl>
+                                          <p:spTgt spid="65"/>
+                                        </p:tgtEl>
+                                        <p:attrNameLst>
+                                          <p:attrName>ppt_h</p:attrName>
+                                        </p:attrNameLst>
+                                      </p:cBhvr>
+                                      <p:tavLst>
+                                        <p:tav tm="0">
+                                          <p:val>
+                                            <p:strVal val="ppt_h"/>
+                                          </p:val>
+                                        </p:tav>
+                                        <p:tav tm="100000">
+                                          <p:val>
+                                            <p:fltVal val="0"/>
+                                          </p:val>
+                                        </p:tav>
+                                      </p:tavLst>
+                                    </p:anim>
+                                    <p:animEffect transition="out" filter="fade">
+                                      <p:cBhvr>
+                                        <p:cTn id="233" dur="500"/>
+                                        <p:tgtEl>
+                                          <p:spTgt spid="65"/>
+                                        </p:tgtEl>
+                                      </p:cBhvr>
+                                    </p:animEffect>
+                                    <p:set>
+                                      <p:cBhvr>
+                                        <p:cTn id="234" dur="1" fill="hold">
+                                          <p:stCondLst>
+                                            <p:cond delay="499"/>
+                                          </p:stCondLst>
+                                        </p:cTn>
+                                        <p:tgtEl>
+                                          <p:spTgt spid="65"/>
+                                        </p:tgtEl>
+                                        <p:attrNameLst>
+                                          <p:attrName>style.visibility</p:attrName>
+                                        </p:attrNameLst>
+                                      </p:cBhvr>
+                                      <p:to>
+                                        <p:strVal val="hidden"/>
+                                      </p:to>
+                                    </p:set>
+                                  </p:childTnLst>
+                                </p:cTn>
+                              </p:par>
+                              <p:par>
+                                <p:cTn id="235" presetID="53" presetClass="exit" presetSubtype="32" fill="hold" grpId="2" nodeType="withEffect">
+                                  <p:stCondLst>
+                                    <p:cond delay="0"/>
+                                  </p:stCondLst>
+                                  <p:childTnLst>
+                                    <p:anim calcmode="lin" valueType="num">
+                                      <p:cBhvr>
+                                        <p:cTn id="236" dur="500"/>
+                                        <p:tgtEl>
+                                          <p:spTgt spid="108"/>
+                                        </p:tgtEl>
+                                        <p:attrNameLst>
+                                          <p:attrName>ppt_w</p:attrName>
+                                        </p:attrNameLst>
+                                      </p:cBhvr>
+                                      <p:tavLst>
+                                        <p:tav tm="0">
+                                          <p:val>
+                                            <p:strVal val="ppt_w"/>
+                                          </p:val>
+                                        </p:tav>
+                                        <p:tav tm="100000">
+                                          <p:val>
+                                            <p:fltVal val="0"/>
+                                          </p:val>
+                                        </p:tav>
+                                      </p:tavLst>
+                                    </p:anim>
+                                    <p:anim calcmode="lin" valueType="num">
+                                      <p:cBhvr>
+                                        <p:cTn id="237" dur="500"/>
+                                        <p:tgtEl>
+                                          <p:spTgt spid="108"/>
+                                        </p:tgtEl>
+                                        <p:attrNameLst>
+                                          <p:attrName>ppt_h</p:attrName>
+                                        </p:attrNameLst>
+                                      </p:cBhvr>
+                                      <p:tavLst>
+                                        <p:tav tm="0">
+                                          <p:val>
+                                            <p:strVal val="ppt_h"/>
+                                          </p:val>
+                                        </p:tav>
+                                        <p:tav tm="100000">
+                                          <p:val>
+                                            <p:fltVal val="0"/>
+                                          </p:val>
+                                        </p:tav>
+                                      </p:tavLst>
+                                    </p:anim>
+                                    <p:animEffect transition="out" filter="fade">
+                                      <p:cBhvr>
+                                        <p:cTn id="238" dur="500"/>
+                                        <p:tgtEl>
+                                          <p:spTgt spid="108"/>
+                                        </p:tgtEl>
+                                      </p:cBhvr>
+                                    </p:animEffect>
+                                    <p:set>
+                                      <p:cBhvr>
+                                        <p:cTn id="239" dur="1" fill="hold">
+                                          <p:stCondLst>
+                                            <p:cond delay="499"/>
+                                          </p:stCondLst>
+                                        </p:cTn>
+                                        <p:tgtEl>
+                                          <p:spTgt spid="108"/>
+                                        </p:tgtEl>
+                                        <p:attrNameLst>
+                                          <p:attrName>style.visibility</p:attrName>
+                                        </p:attrNameLst>
+                                      </p:cBhvr>
+                                      <p:to>
+                                        <p:strVal val="hidden"/>
                                       </p:to>
                                     </p:set>
                                   </p:childTnLst>
@@ -7941,189 +10417,41 @@
     </p:tnLst>
     <p:bldLst>
       <p:bldP spid="4" grpId="0" animBg="1"/>
+      <p:bldP spid="4" grpId="1" animBg="1"/>
       <p:bldP spid="5" grpId="0" animBg="1"/>
-      <p:bldP spid="15" grpId="0"/>
-      <p:bldP spid="15" grpId="1"/>
-      <p:bldP spid="15" grpId="2"/>
-      <p:bldP spid="22" grpId="0"/>
-      <p:bldP spid="22" grpId="1"/>
-      <p:bldP spid="22" grpId="2"/>
+      <p:bldP spid="5" grpId="1" animBg="1"/>
       <p:bldP spid="23" grpId="0"/>
       <p:bldP spid="23" grpId="1"/>
       <p:bldP spid="23" grpId="2"/>
-      <p:bldP spid="31" grpId="0" animBg="1"/>
+      <p:bldP spid="23" grpId="3"/>
+      <p:bldP spid="18" grpId="0"/>
+      <p:bldP spid="18" grpId="1"/>
+      <p:bldP spid="18" grpId="2"/>
+      <p:bldP spid="29" grpId="0"/>
+      <p:bldP spid="29" grpId="1"/>
+      <p:bldP spid="29" grpId="2"/>
+      <p:bldP spid="29" grpId="3"/>
+      <p:bldP spid="42" grpId="0"/>
+      <p:bldP spid="42" grpId="1"/>
+      <p:bldP spid="42" grpId="2"/>
+      <p:bldP spid="47" grpId="0"/>
+      <p:bldP spid="47" grpId="1"/>
+      <p:bldP spid="47" grpId="2"/>
+      <p:bldP spid="47" grpId="3"/>
+      <p:bldP spid="75" grpId="0"/>
+      <p:bldP spid="75" grpId="1"/>
+      <p:bldP spid="75" grpId="2"/>
+      <p:bldP spid="75" grpId="3"/>
+      <p:bldP spid="75" grpId="4"/>
+      <p:bldP spid="108" grpId="0"/>
+      <p:bldP spid="108" grpId="1"/>
+      <p:bldP spid="108" grpId="2"/>
     </p:bldLst>
   </p:timing>
 </p:sld>
 </file>
 
-<file path=ppt/slides/slide23.xml><?xml version="1.0" encoding="utf-8"?>
-<p:sld xmlns:a="http://schemas.openxmlformats.org/drawingml/2006/main" xmlns:r="http://schemas.openxmlformats.org/officeDocument/2006/relationships" xmlns:p="http://schemas.openxmlformats.org/presentationml/2006/main">
-  <p:cSld>
-    <p:spTree>
-      <p:nvGrpSpPr>
-        <p:cNvPr id="1" name=""/>
-        <p:cNvGrpSpPr/>
-        <p:nvPr/>
-      </p:nvGrpSpPr>
-      <p:grpSpPr>
-        <a:xfrm>
-          <a:off x="0" y="0"/>
-          <a:ext cx="0" cy="0"/>
-          <a:chOff x="0" y="0"/>
-          <a:chExt cx="0" cy="0"/>
-        </a:xfrm>
-      </p:grpSpPr>
-      <p:sp>
-        <p:nvSpPr>
-          <p:cNvPr id="4" name="Заголовок 3">
-            <a:extLst>
-              <a:ext uri="{FF2B5EF4-FFF2-40B4-BE49-F238E27FC236}">
-                <a16:creationId xmlns:a16="http://schemas.microsoft.com/office/drawing/2014/main" id="{5818C9B9-7DEE-4277-8A0E-515A7A0A552A}"/>
-              </a:ext>
-            </a:extLst>
-          </p:cNvPr>
-          <p:cNvSpPr>
-            <a:spLocks noGrp="1"/>
-          </p:cNvSpPr>
-          <p:nvPr>
-            <p:ph type="title"/>
-          </p:nvPr>
-        </p:nvSpPr>
-        <p:spPr/>
-        <p:txBody>
-          <a:bodyPr/>
-          <a:lstStyle/>
-          <a:p>
-            <a:r>
-              <a:rPr lang="ru-RU" dirty="0"/>
-              <a:t>Транслятор</a:t>
-            </a:r>
-          </a:p>
-        </p:txBody>
-      </p:sp>
-      <p:sp>
-        <p:nvSpPr>
-          <p:cNvPr id="5" name="Текст 4">
-            <a:extLst>
-              <a:ext uri="{FF2B5EF4-FFF2-40B4-BE49-F238E27FC236}">
-                <a16:creationId xmlns:a16="http://schemas.microsoft.com/office/drawing/2014/main" id="{26A3E59F-913B-4979-A2C3-3509E48249F2}"/>
-              </a:ext>
-            </a:extLst>
-          </p:cNvPr>
-          <p:cNvSpPr>
-            <a:spLocks noGrp="1"/>
-          </p:cNvSpPr>
-          <p:nvPr>
-            <p:ph type="body" idx="1"/>
-          </p:nvPr>
-        </p:nvSpPr>
-        <p:spPr/>
-        <p:txBody>
-          <a:bodyPr/>
-          <a:lstStyle/>
-          <a:p>
-            <a:endParaRPr lang="ru-RU"/>
-          </a:p>
-        </p:txBody>
-      </p:sp>
-    </p:spTree>
-    <p:extLst>
-      <p:ext uri="{BB962C8B-B14F-4D97-AF65-F5344CB8AC3E}">
-        <p14:creationId xmlns:p14="http://schemas.microsoft.com/office/powerpoint/2010/main" val="3258080874"/>
-      </p:ext>
-    </p:extLst>
-  </p:cSld>
-  <p:clrMapOvr>
-    <a:masterClrMapping/>
-  </p:clrMapOvr>
-</p:sld>
-</file>
-
-<file path=ppt/slides/slide24.xml><?xml version="1.0" encoding="utf-8"?>
-<p:sld xmlns:a="http://schemas.openxmlformats.org/drawingml/2006/main" xmlns:r="http://schemas.openxmlformats.org/officeDocument/2006/relationships" xmlns:p="http://schemas.openxmlformats.org/presentationml/2006/main">
-  <p:cSld>
-    <p:spTree>
-      <p:nvGrpSpPr>
-        <p:cNvPr id="1" name=""/>
-        <p:cNvGrpSpPr/>
-        <p:nvPr/>
-      </p:nvGrpSpPr>
-      <p:grpSpPr>
-        <a:xfrm>
-          <a:off x="0" y="0"/>
-          <a:ext cx="0" cy="0"/>
-          <a:chOff x="0" y="0"/>
-          <a:chExt cx="0" cy="0"/>
-        </a:xfrm>
-      </p:grpSpPr>
-      <p:sp>
-        <p:nvSpPr>
-          <p:cNvPr id="2" name="Заголовок 1">
-            <a:extLst>
-              <a:ext uri="{FF2B5EF4-FFF2-40B4-BE49-F238E27FC236}">
-                <a16:creationId xmlns:a16="http://schemas.microsoft.com/office/drawing/2014/main" id="{4D2DDE09-ABBB-4391-AC12-6ED621B5EF80}"/>
-              </a:ext>
-            </a:extLst>
-          </p:cNvPr>
-          <p:cNvSpPr>
-            <a:spLocks noGrp="1"/>
-          </p:cNvSpPr>
-          <p:nvPr>
-            <p:ph type="title"/>
-          </p:nvPr>
-        </p:nvSpPr>
-        <p:spPr/>
-        <p:txBody>
-          <a:bodyPr/>
-          <a:lstStyle/>
-          <a:p>
-            <a:r>
-              <a:rPr lang="ru-RU" dirty="0"/>
-              <a:t>Места для оптимизации</a:t>
-            </a:r>
-          </a:p>
-        </p:txBody>
-      </p:sp>
-      <p:sp>
-        <p:nvSpPr>
-          <p:cNvPr id="3" name="Текст 2">
-            <a:extLst>
-              <a:ext uri="{FF2B5EF4-FFF2-40B4-BE49-F238E27FC236}">
-                <a16:creationId xmlns:a16="http://schemas.microsoft.com/office/drawing/2014/main" id="{97ED2B8B-83EA-4065-B0B5-5A6B541F765F}"/>
-              </a:ext>
-            </a:extLst>
-          </p:cNvPr>
-          <p:cNvSpPr>
-            <a:spLocks noGrp="1"/>
-          </p:cNvSpPr>
-          <p:nvPr>
-            <p:ph type="body" idx="1"/>
-          </p:nvPr>
-        </p:nvSpPr>
-        <p:spPr/>
-        <p:txBody>
-          <a:bodyPr/>
-          <a:lstStyle/>
-          <a:p>
-            <a:endParaRPr lang="ru-RU"/>
-          </a:p>
-        </p:txBody>
-      </p:sp>
-    </p:spTree>
-    <p:extLst>
-      <p:ext uri="{BB962C8B-B14F-4D97-AF65-F5344CB8AC3E}">
-        <p14:creationId xmlns:p14="http://schemas.microsoft.com/office/powerpoint/2010/main" val="670698391"/>
-      </p:ext>
-    </p:extLst>
-  </p:cSld>
-  <p:clrMapOvr>
-    <a:masterClrMapping/>
-  </p:clrMapOvr>
-</p:sld>
-</file>
-
-<file path=ppt/slides/slide25.xml><?xml version="1.0" encoding="utf-8"?>
+<file path=ppt/slides/slide22.xml><?xml version="1.0" encoding="utf-8"?>
 <p:sld xmlns:a="http://schemas.openxmlformats.org/drawingml/2006/main" xmlns:r="http://schemas.openxmlformats.org/officeDocument/2006/relationships" xmlns:p="http://schemas.openxmlformats.org/presentationml/2006/main">
   <p:cSld>
     <p:spTree>

--- a/Lab-s/Translator/Presentation.pptx
+++ b/Lab-s/Translator/Presentation.pptx
@@ -4640,17 +4640,10 @@
               <a:t>С блок-схемы на </a:t>
             </a:r>
             <a:r>
-              <a:rPr lang="en-US" sz="2000" dirty="0"/>
+              <a:rPr lang="en-US" sz="2000"/>
               <a:t>python</a:t>
             </a:r>
-            <a:r>
-              <a:rPr lang="ru-RU" sz="2000" dirty="0"/>
-              <a:t> </a:t>
-            </a:r>
-            <a:r>
-              <a:rPr lang="en-US" sz="2000" dirty="0"/>
-              <a:t>3</a:t>
-            </a:r>
+            <a:endParaRPr lang="en-US" sz="2000" dirty="0"/>
           </a:p>
         </p:txBody>
       </p:sp>
